--- a/ContactManager.pptx
+++ b/ContactManager.pptx
@@ -7,7 +7,9 @@
   <p:sldIdLst>
     <p:sldId id="256" r:id="rId2"/>
     <p:sldId id="257" r:id="rId3"/>
-    <p:sldId id="258" r:id="rId4"/>
+    <p:sldId id="264" r:id="rId4"/>
+    <p:sldId id="261" r:id="rId5"/>
+    <p:sldId id="263" r:id="rId6"/>
   </p:sldIdLst>
   <p:sldSz cx="12192000" cy="6858000"/>
   <p:notesSz cx="6858000" cy="9144000"/>
@@ -131,7 +133,7 @@
           <p:cNvPr id="2" name="Title 1">
             <a:extLst>
               <a:ext uri="{FF2B5EF4-FFF2-40B4-BE49-F238E27FC236}">
-                <a16:creationId xmlns:a16="http://schemas.microsoft.com/office/drawing/2014/main" id="{96E4CC73-CE5A-46BD-B780-62E65132D4E3}"/>
+                <a16:creationId xmlns:a16="http://schemas.microsoft.com/office/drawing/2014/main" id="{6FDE7021-BD36-4B55-9331-DD77342F854D}"/>
               </a:ext>
             </a:extLst>
           </p:cNvPr>
@@ -168,7 +170,7 @@
           <p:cNvPr id="3" name="Subtitle 2">
             <a:extLst>
               <a:ext uri="{FF2B5EF4-FFF2-40B4-BE49-F238E27FC236}">
-                <a16:creationId xmlns:a16="http://schemas.microsoft.com/office/drawing/2014/main" id="{C30670D6-574C-404A-9D07-23C7F26CA15A}"/>
+                <a16:creationId xmlns:a16="http://schemas.microsoft.com/office/drawing/2014/main" id="{A55EC8D5-93BD-4CF2-A044-898D1B44F168}"/>
               </a:ext>
             </a:extLst>
           </p:cNvPr>
@@ -238,7 +240,7 @@
           <p:cNvPr id="4" name="Date Placeholder 3">
             <a:extLst>
               <a:ext uri="{FF2B5EF4-FFF2-40B4-BE49-F238E27FC236}">
-                <a16:creationId xmlns:a16="http://schemas.microsoft.com/office/drawing/2014/main" id="{D9958B22-AD45-4D81-A19B-76E42B0F8971}"/>
+                <a16:creationId xmlns:a16="http://schemas.microsoft.com/office/drawing/2014/main" id="{3295C3F5-1D0D-4AC0-94AE-40C249A62B58}"/>
               </a:ext>
             </a:extLst>
           </p:cNvPr>
@@ -254,9 +256,9 @@
           <a:bodyPr/>
           <a:lstStyle/>
           <a:p>
-            <a:fld id="{D395CB20-6B2A-4DE6-8FE9-0B56A28590E2}" type="datetimeFigureOut">
+            <a:fld id="{1B6CB649-B23B-4A05-B2FC-2C0823D80EF2}" type="datetimeFigureOut">
               <a:rPr lang="en-US" smtClean="0"/>
-              <a:t>8/24/2018</a:t>
+              <a:t>9/8/2018</a:t>
             </a:fld>
             <a:endParaRPr lang="en-US"/>
           </a:p>
@@ -267,7 +269,7 @@
           <p:cNvPr id="5" name="Footer Placeholder 4">
             <a:extLst>
               <a:ext uri="{FF2B5EF4-FFF2-40B4-BE49-F238E27FC236}">
-                <a16:creationId xmlns:a16="http://schemas.microsoft.com/office/drawing/2014/main" id="{59F2B80E-01A5-4861-9A9B-D7376656B9F4}"/>
+                <a16:creationId xmlns:a16="http://schemas.microsoft.com/office/drawing/2014/main" id="{6C645427-BCFB-49E8-B8AE-486AD8493409}"/>
               </a:ext>
             </a:extLst>
           </p:cNvPr>
@@ -292,7 +294,7 @@
           <p:cNvPr id="6" name="Slide Number Placeholder 5">
             <a:extLst>
               <a:ext uri="{FF2B5EF4-FFF2-40B4-BE49-F238E27FC236}">
-                <a16:creationId xmlns:a16="http://schemas.microsoft.com/office/drawing/2014/main" id="{426B4B62-C1B2-4FE2-894C-3601C1ACE714}"/>
+                <a16:creationId xmlns:a16="http://schemas.microsoft.com/office/drawing/2014/main" id="{DD7CF6C5-FD56-4C46-B40F-8CF32B19DA25}"/>
               </a:ext>
             </a:extLst>
           </p:cNvPr>
@@ -308,7 +310,7 @@
           <a:bodyPr/>
           <a:lstStyle/>
           <a:p>
-            <a:fld id="{DD18ED48-3FD2-4DD8-8D61-A93C27CE4B1E}" type="slidenum">
+            <a:fld id="{F8A6ACBF-B78E-4A31-94FA-264C4DEDB676}" type="slidenum">
               <a:rPr lang="en-US" smtClean="0"/>
               <a:t>‹#›</a:t>
             </a:fld>
@@ -319,7 +321,7 @@
     </p:spTree>
     <p:extLst>
       <p:ext uri="{BB962C8B-B14F-4D97-AF65-F5344CB8AC3E}">
-        <p14:creationId xmlns:p14="http://schemas.microsoft.com/office/powerpoint/2010/main" val="2152622768"/>
+        <p14:creationId xmlns:p14="http://schemas.microsoft.com/office/powerpoint/2010/main" val="3962996376"/>
       </p:ext>
     </p:extLst>
   </p:cSld>
@@ -351,7 +353,7 @@
           <p:cNvPr id="2" name="Title 1">
             <a:extLst>
               <a:ext uri="{FF2B5EF4-FFF2-40B4-BE49-F238E27FC236}">
-                <a16:creationId xmlns:a16="http://schemas.microsoft.com/office/drawing/2014/main" id="{4971FD0C-4ED8-4846-9133-8C972D2825A9}"/>
+                <a16:creationId xmlns:a16="http://schemas.microsoft.com/office/drawing/2014/main" id="{6EDE3D24-F046-4743-B959-FB251E1DDCF1}"/>
               </a:ext>
             </a:extLst>
           </p:cNvPr>
@@ -379,7 +381,7 @@
           <p:cNvPr id="3" name="Vertical Text Placeholder 2">
             <a:extLst>
               <a:ext uri="{FF2B5EF4-FFF2-40B4-BE49-F238E27FC236}">
-                <a16:creationId xmlns:a16="http://schemas.microsoft.com/office/drawing/2014/main" id="{2E133B84-3A30-4238-A95D-9AD715D9EAA1}"/>
+                <a16:creationId xmlns:a16="http://schemas.microsoft.com/office/drawing/2014/main" id="{F69B9035-0BD2-48B7-A0F9-3E6BE0F9D0FA}"/>
               </a:ext>
             </a:extLst>
           </p:cNvPr>
@@ -436,7 +438,7 @@
           <p:cNvPr id="4" name="Date Placeholder 3">
             <a:extLst>
               <a:ext uri="{FF2B5EF4-FFF2-40B4-BE49-F238E27FC236}">
-                <a16:creationId xmlns:a16="http://schemas.microsoft.com/office/drawing/2014/main" id="{73B782A5-42F0-4E7A-BD9E-60C1AB6943D3}"/>
+                <a16:creationId xmlns:a16="http://schemas.microsoft.com/office/drawing/2014/main" id="{026B4B2F-98A6-4AA1-9E58-C72DD961EBAA}"/>
               </a:ext>
             </a:extLst>
           </p:cNvPr>
@@ -452,9 +454,9 @@
           <a:bodyPr/>
           <a:lstStyle/>
           <a:p>
-            <a:fld id="{D395CB20-6B2A-4DE6-8FE9-0B56A28590E2}" type="datetimeFigureOut">
+            <a:fld id="{1B6CB649-B23B-4A05-B2FC-2C0823D80EF2}" type="datetimeFigureOut">
               <a:rPr lang="en-US" smtClean="0"/>
-              <a:t>8/24/2018</a:t>
+              <a:t>9/8/2018</a:t>
             </a:fld>
             <a:endParaRPr lang="en-US"/>
           </a:p>
@@ -465,7 +467,7 @@
           <p:cNvPr id="5" name="Footer Placeholder 4">
             <a:extLst>
               <a:ext uri="{FF2B5EF4-FFF2-40B4-BE49-F238E27FC236}">
-                <a16:creationId xmlns:a16="http://schemas.microsoft.com/office/drawing/2014/main" id="{00F60C81-8152-4B11-B2F5-C77BAFD1E7C2}"/>
+                <a16:creationId xmlns:a16="http://schemas.microsoft.com/office/drawing/2014/main" id="{C091C490-B042-4CD3-9058-8BB517813E09}"/>
               </a:ext>
             </a:extLst>
           </p:cNvPr>
@@ -490,7 +492,7 @@
           <p:cNvPr id="6" name="Slide Number Placeholder 5">
             <a:extLst>
               <a:ext uri="{FF2B5EF4-FFF2-40B4-BE49-F238E27FC236}">
-                <a16:creationId xmlns:a16="http://schemas.microsoft.com/office/drawing/2014/main" id="{D99A4A86-58E7-49E3-B4A0-040921F3AAEB}"/>
+                <a16:creationId xmlns:a16="http://schemas.microsoft.com/office/drawing/2014/main" id="{C26BE0B8-8CFC-48CF-9D45-B42C0725025F}"/>
               </a:ext>
             </a:extLst>
           </p:cNvPr>
@@ -506,7 +508,7 @@
           <a:bodyPr/>
           <a:lstStyle/>
           <a:p>
-            <a:fld id="{DD18ED48-3FD2-4DD8-8D61-A93C27CE4B1E}" type="slidenum">
+            <a:fld id="{F8A6ACBF-B78E-4A31-94FA-264C4DEDB676}" type="slidenum">
               <a:rPr lang="en-US" smtClean="0"/>
               <a:t>‹#›</a:t>
             </a:fld>
@@ -517,7 +519,7 @@
     </p:spTree>
     <p:extLst>
       <p:ext uri="{BB962C8B-B14F-4D97-AF65-F5344CB8AC3E}">
-        <p14:creationId xmlns:p14="http://schemas.microsoft.com/office/powerpoint/2010/main" val="657735104"/>
+        <p14:creationId xmlns:p14="http://schemas.microsoft.com/office/powerpoint/2010/main" val="2056967133"/>
       </p:ext>
     </p:extLst>
   </p:cSld>
@@ -549,7 +551,7 @@
           <p:cNvPr id="2" name="Vertical Title 1">
             <a:extLst>
               <a:ext uri="{FF2B5EF4-FFF2-40B4-BE49-F238E27FC236}">
-                <a16:creationId xmlns:a16="http://schemas.microsoft.com/office/drawing/2014/main" id="{B2CF420E-06CA-4A5E-9020-7E49DF207C73}"/>
+                <a16:creationId xmlns:a16="http://schemas.microsoft.com/office/drawing/2014/main" id="{75A59366-6109-4413-BF87-D17D608995E9}"/>
               </a:ext>
             </a:extLst>
           </p:cNvPr>
@@ -582,7 +584,7 @@
           <p:cNvPr id="3" name="Vertical Text Placeholder 2">
             <a:extLst>
               <a:ext uri="{FF2B5EF4-FFF2-40B4-BE49-F238E27FC236}">
-                <a16:creationId xmlns:a16="http://schemas.microsoft.com/office/drawing/2014/main" id="{4AE0E107-5C81-440C-9D91-2B0B76705FD8}"/>
+                <a16:creationId xmlns:a16="http://schemas.microsoft.com/office/drawing/2014/main" id="{158CF806-5E7F-4132-BBDD-6BE6EE7A5448}"/>
               </a:ext>
             </a:extLst>
           </p:cNvPr>
@@ -644,7 +646,7 @@
           <p:cNvPr id="4" name="Date Placeholder 3">
             <a:extLst>
               <a:ext uri="{FF2B5EF4-FFF2-40B4-BE49-F238E27FC236}">
-                <a16:creationId xmlns:a16="http://schemas.microsoft.com/office/drawing/2014/main" id="{9C1ED996-A108-410C-AFC0-EFAB9E9DF433}"/>
+                <a16:creationId xmlns:a16="http://schemas.microsoft.com/office/drawing/2014/main" id="{0BD10FF9-6C67-4FC4-A4AF-CEFCB6D53EFD}"/>
               </a:ext>
             </a:extLst>
           </p:cNvPr>
@@ -660,9 +662,9 @@
           <a:bodyPr/>
           <a:lstStyle/>
           <a:p>
-            <a:fld id="{D395CB20-6B2A-4DE6-8FE9-0B56A28590E2}" type="datetimeFigureOut">
+            <a:fld id="{1B6CB649-B23B-4A05-B2FC-2C0823D80EF2}" type="datetimeFigureOut">
               <a:rPr lang="en-US" smtClean="0"/>
-              <a:t>8/24/2018</a:t>
+              <a:t>9/8/2018</a:t>
             </a:fld>
             <a:endParaRPr lang="en-US"/>
           </a:p>
@@ -673,7 +675,7 @@
           <p:cNvPr id="5" name="Footer Placeholder 4">
             <a:extLst>
               <a:ext uri="{FF2B5EF4-FFF2-40B4-BE49-F238E27FC236}">
-                <a16:creationId xmlns:a16="http://schemas.microsoft.com/office/drawing/2014/main" id="{11E559F8-512B-478F-9351-FEC813F1F26C}"/>
+                <a16:creationId xmlns:a16="http://schemas.microsoft.com/office/drawing/2014/main" id="{3F6ABAEF-76A7-45F7-A246-C8F75B51512C}"/>
               </a:ext>
             </a:extLst>
           </p:cNvPr>
@@ -698,7 +700,7 @@
           <p:cNvPr id="6" name="Slide Number Placeholder 5">
             <a:extLst>
               <a:ext uri="{FF2B5EF4-FFF2-40B4-BE49-F238E27FC236}">
-                <a16:creationId xmlns:a16="http://schemas.microsoft.com/office/drawing/2014/main" id="{BEAD6120-5BB4-4BA8-8B6D-F0F8B195537E}"/>
+                <a16:creationId xmlns:a16="http://schemas.microsoft.com/office/drawing/2014/main" id="{5359CE54-9A47-44C6-B987-48720250E39F}"/>
               </a:ext>
             </a:extLst>
           </p:cNvPr>
@@ -714,7 +716,7 @@
           <a:bodyPr/>
           <a:lstStyle/>
           <a:p>
-            <a:fld id="{DD18ED48-3FD2-4DD8-8D61-A93C27CE4B1E}" type="slidenum">
+            <a:fld id="{F8A6ACBF-B78E-4A31-94FA-264C4DEDB676}" type="slidenum">
               <a:rPr lang="en-US" smtClean="0"/>
               <a:t>‹#›</a:t>
             </a:fld>
@@ -725,7 +727,7 @@
     </p:spTree>
     <p:extLst>
       <p:ext uri="{BB962C8B-B14F-4D97-AF65-F5344CB8AC3E}">
-        <p14:creationId xmlns:p14="http://schemas.microsoft.com/office/powerpoint/2010/main" val="3630939716"/>
+        <p14:creationId xmlns:p14="http://schemas.microsoft.com/office/powerpoint/2010/main" val="4027083489"/>
       </p:ext>
     </p:extLst>
   </p:cSld>
@@ -757,7 +759,7 @@
           <p:cNvPr id="2" name="Title 1">
             <a:extLst>
               <a:ext uri="{FF2B5EF4-FFF2-40B4-BE49-F238E27FC236}">
-                <a16:creationId xmlns:a16="http://schemas.microsoft.com/office/drawing/2014/main" id="{DEC457C9-424B-4F9E-A4A5-8B45D00F1861}"/>
+                <a16:creationId xmlns:a16="http://schemas.microsoft.com/office/drawing/2014/main" id="{5AD49212-1481-4948-B2F6-487313562E24}"/>
               </a:ext>
             </a:extLst>
           </p:cNvPr>
@@ -785,7 +787,7 @@
           <p:cNvPr id="3" name="Content Placeholder 2">
             <a:extLst>
               <a:ext uri="{FF2B5EF4-FFF2-40B4-BE49-F238E27FC236}">
-                <a16:creationId xmlns:a16="http://schemas.microsoft.com/office/drawing/2014/main" id="{F1696372-BC51-42A1-B61E-1C6EC56D2FF0}"/>
+                <a16:creationId xmlns:a16="http://schemas.microsoft.com/office/drawing/2014/main" id="{A712EC70-A5F9-47BB-A84D-0DB024537CD4}"/>
               </a:ext>
             </a:extLst>
           </p:cNvPr>
@@ -842,7 +844,7 @@
           <p:cNvPr id="4" name="Date Placeholder 3">
             <a:extLst>
               <a:ext uri="{FF2B5EF4-FFF2-40B4-BE49-F238E27FC236}">
-                <a16:creationId xmlns:a16="http://schemas.microsoft.com/office/drawing/2014/main" id="{DDCA7111-6E73-4729-9311-E7282FF4B758}"/>
+                <a16:creationId xmlns:a16="http://schemas.microsoft.com/office/drawing/2014/main" id="{C98AE9AC-F9A9-4A8E-ADFB-77E7D05C719A}"/>
               </a:ext>
             </a:extLst>
           </p:cNvPr>
@@ -858,9 +860,9 @@
           <a:bodyPr/>
           <a:lstStyle/>
           <a:p>
-            <a:fld id="{D395CB20-6B2A-4DE6-8FE9-0B56A28590E2}" type="datetimeFigureOut">
+            <a:fld id="{1B6CB649-B23B-4A05-B2FC-2C0823D80EF2}" type="datetimeFigureOut">
               <a:rPr lang="en-US" smtClean="0"/>
-              <a:t>8/24/2018</a:t>
+              <a:t>9/8/2018</a:t>
             </a:fld>
             <a:endParaRPr lang="en-US"/>
           </a:p>
@@ -871,7 +873,7 @@
           <p:cNvPr id="5" name="Footer Placeholder 4">
             <a:extLst>
               <a:ext uri="{FF2B5EF4-FFF2-40B4-BE49-F238E27FC236}">
-                <a16:creationId xmlns:a16="http://schemas.microsoft.com/office/drawing/2014/main" id="{8DF5B4A9-1CD2-48EC-9770-402E3DEE398B}"/>
+                <a16:creationId xmlns:a16="http://schemas.microsoft.com/office/drawing/2014/main" id="{64E055A7-ED65-4277-AAFB-FDABB304F0EE}"/>
               </a:ext>
             </a:extLst>
           </p:cNvPr>
@@ -896,7 +898,7 @@
           <p:cNvPr id="6" name="Slide Number Placeholder 5">
             <a:extLst>
               <a:ext uri="{FF2B5EF4-FFF2-40B4-BE49-F238E27FC236}">
-                <a16:creationId xmlns:a16="http://schemas.microsoft.com/office/drawing/2014/main" id="{C7FFF6BC-CA1F-43E0-87FA-5E287FA4352A}"/>
+                <a16:creationId xmlns:a16="http://schemas.microsoft.com/office/drawing/2014/main" id="{038C1FDA-D801-431C-9013-C4680ED1F2E7}"/>
               </a:ext>
             </a:extLst>
           </p:cNvPr>
@@ -912,7 +914,7 @@
           <a:bodyPr/>
           <a:lstStyle/>
           <a:p>
-            <a:fld id="{DD18ED48-3FD2-4DD8-8D61-A93C27CE4B1E}" type="slidenum">
+            <a:fld id="{F8A6ACBF-B78E-4A31-94FA-264C4DEDB676}" type="slidenum">
               <a:rPr lang="en-US" smtClean="0"/>
               <a:t>‹#›</a:t>
             </a:fld>
@@ -923,7 +925,7 @@
     </p:spTree>
     <p:extLst>
       <p:ext uri="{BB962C8B-B14F-4D97-AF65-F5344CB8AC3E}">
-        <p14:creationId xmlns:p14="http://schemas.microsoft.com/office/powerpoint/2010/main" val="1393235766"/>
+        <p14:creationId xmlns:p14="http://schemas.microsoft.com/office/powerpoint/2010/main" val="4084120821"/>
       </p:ext>
     </p:extLst>
   </p:cSld>
@@ -955,7 +957,7 @@
           <p:cNvPr id="2" name="Title 1">
             <a:extLst>
               <a:ext uri="{FF2B5EF4-FFF2-40B4-BE49-F238E27FC236}">
-                <a16:creationId xmlns:a16="http://schemas.microsoft.com/office/drawing/2014/main" id="{9F51B56B-9652-40C4-9974-16295282C3E7}"/>
+                <a16:creationId xmlns:a16="http://schemas.microsoft.com/office/drawing/2014/main" id="{5C6D9D11-9F18-4F09-AC17-B89F91264073}"/>
               </a:ext>
             </a:extLst>
           </p:cNvPr>
@@ -992,7 +994,7 @@
           <p:cNvPr id="3" name="Text Placeholder 2">
             <a:extLst>
               <a:ext uri="{FF2B5EF4-FFF2-40B4-BE49-F238E27FC236}">
-                <a16:creationId xmlns:a16="http://schemas.microsoft.com/office/drawing/2014/main" id="{069C8D98-CF56-4F1B-BC59-0182E8453FAC}"/>
+                <a16:creationId xmlns:a16="http://schemas.microsoft.com/office/drawing/2014/main" id="{596EEE90-A814-4A17-BC95-8F6E7DD723C4}"/>
               </a:ext>
             </a:extLst>
           </p:cNvPr>
@@ -1117,7 +1119,7 @@
           <p:cNvPr id="4" name="Date Placeholder 3">
             <a:extLst>
               <a:ext uri="{FF2B5EF4-FFF2-40B4-BE49-F238E27FC236}">
-                <a16:creationId xmlns:a16="http://schemas.microsoft.com/office/drawing/2014/main" id="{3C7A263D-30F4-4F55-B070-67BF48A4C5A5}"/>
+                <a16:creationId xmlns:a16="http://schemas.microsoft.com/office/drawing/2014/main" id="{D55463CB-3B22-449B-9173-269589EA02CC}"/>
               </a:ext>
             </a:extLst>
           </p:cNvPr>
@@ -1133,9 +1135,9 @@
           <a:bodyPr/>
           <a:lstStyle/>
           <a:p>
-            <a:fld id="{D395CB20-6B2A-4DE6-8FE9-0B56A28590E2}" type="datetimeFigureOut">
+            <a:fld id="{1B6CB649-B23B-4A05-B2FC-2C0823D80EF2}" type="datetimeFigureOut">
               <a:rPr lang="en-US" smtClean="0"/>
-              <a:t>8/24/2018</a:t>
+              <a:t>9/8/2018</a:t>
             </a:fld>
             <a:endParaRPr lang="en-US"/>
           </a:p>
@@ -1146,7 +1148,7 @@
           <p:cNvPr id="5" name="Footer Placeholder 4">
             <a:extLst>
               <a:ext uri="{FF2B5EF4-FFF2-40B4-BE49-F238E27FC236}">
-                <a16:creationId xmlns:a16="http://schemas.microsoft.com/office/drawing/2014/main" id="{743BED6C-BBB7-4DF4-B040-8A92AB59FA59}"/>
+                <a16:creationId xmlns:a16="http://schemas.microsoft.com/office/drawing/2014/main" id="{5656D69F-F789-4AC4-8B1A-21F45B9D7A52}"/>
               </a:ext>
             </a:extLst>
           </p:cNvPr>
@@ -1171,7 +1173,7 @@
           <p:cNvPr id="6" name="Slide Number Placeholder 5">
             <a:extLst>
               <a:ext uri="{FF2B5EF4-FFF2-40B4-BE49-F238E27FC236}">
-                <a16:creationId xmlns:a16="http://schemas.microsoft.com/office/drawing/2014/main" id="{3B489E6E-BECC-4E5E-B5AD-F5B6BA9B269B}"/>
+                <a16:creationId xmlns:a16="http://schemas.microsoft.com/office/drawing/2014/main" id="{2DF06CDB-19A9-48B1-A40E-92CB15145AB1}"/>
               </a:ext>
             </a:extLst>
           </p:cNvPr>
@@ -1187,7 +1189,7 @@
           <a:bodyPr/>
           <a:lstStyle/>
           <a:p>
-            <a:fld id="{DD18ED48-3FD2-4DD8-8D61-A93C27CE4B1E}" type="slidenum">
+            <a:fld id="{F8A6ACBF-B78E-4A31-94FA-264C4DEDB676}" type="slidenum">
               <a:rPr lang="en-US" smtClean="0"/>
               <a:t>‹#›</a:t>
             </a:fld>
@@ -1198,7 +1200,7 @@
     </p:spTree>
     <p:extLst>
       <p:ext uri="{BB962C8B-B14F-4D97-AF65-F5344CB8AC3E}">
-        <p14:creationId xmlns:p14="http://schemas.microsoft.com/office/powerpoint/2010/main" val="1821866313"/>
+        <p14:creationId xmlns:p14="http://schemas.microsoft.com/office/powerpoint/2010/main" val="1917032426"/>
       </p:ext>
     </p:extLst>
   </p:cSld>
@@ -1230,7 +1232,7 @@
           <p:cNvPr id="2" name="Title 1">
             <a:extLst>
               <a:ext uri="{FF2B5EF4-FFF2-40B4-BE49-F238E27FC236}">
-                <a16:creationId xmlns:a16="http://schemas.microsoft.com/office/drawing/2014/main" id="{A1155264-98B5-4260-ADFB-A9303C3CBC26}"/>
+                <a16:creationId xmlns:a16="http://schemas.microsoft.com/office/drawing/2014/main" id="{6B7529B7-B3C6-406F-BC62-056D2818B71F}"/>
               </a:ext>
             </a:extLst>
           </p:cNvPr>
@@ -1258,7 +1260,7 @@
           <p:cNvPr id="3" name="Content Placeholder 2">
             <a:extLst>
               <a:ext uri="{FF2B5EF4-FFF2-40B4-BE49-F238E27FC236}">
-                <a16:creationId xmlns:a16="http://schemas.microsoft.com/office/drawing/2014/main" id="{4D71B911-B4F2-4AA9-941F-969AE6050458}"/>
+                <a16:creationId xmlns:a16="http://schemas.microsoft.com/office/drawing/2014/main" id="{0AEA33B8-F3A4-499A-B7CE-55BEBB129281}"/>
               </a:ext>
             </a:extLst>
           </p:cNvPr>
@@ -1320,7 +1322,7 @@
           <p:cNvPr id="4" name="Content Placeholder 3">
             <a:extLst>
               <a:ext uri="{FF2B5EF4-FFF2-40B4-BE49-F238E27FC236}">
-                <a16:creationId xmlns:a16="http://schemas.microsoft.com/office/drawing/2014/main" id="{4FD690CC-7926-415C-A29E-69FDBAFF20CD}"/>
+                <a16:creationId xmlns:a16="http://schemas.microsoft.com/office/drawing/2014/main" id="{9E4C2B6E-8F32-450A-B449-41317FE7677A}"/>
               </a:ext>
             </a:extLst>
           </p:cNvPr>
@@ -1382,7 +1384,7 @@
           <p:cNvPr id="5" name="Date Placeholder 4">
             <a:extLst>
               <a:ext uri="{FF2B5EF4-FFF2-40B4-BE49-F238E27FC236}">
-                <a16:creationId xmlns:a16="http://schemas.microsoft.com/office/drawing/2014/main" id="{6B8FCFC0-828E-4487-AACC-1506785AAC91}"/>
+                <a16:creationId xmlns:a16="http://schemas.microsoft.com/office/drawing/2014/main" id="{63934D94-A014-4AF1-9433-F94F32366BD0}"/>
               </a:ext>
             </a:extLst>
           </p:cNvPr>
@@ -1398,9 +1400,9 @@
           <a:bodyPr/>
           <a:lstStyle/>
           <a:p>
-            <a:fld id="{D395CB20-6B2A-4DE6-8FE9-0B56A28590E2}" type="datetimeFigureOut">
+            <a:fld id="{1B6CB649-B23B-4A05-B2FC-2C0823D80EF2}" type="datetimeFigureOut">
               <a:rPr lang="en-US" smtClean="0"/>
-              <a:t>8/24/2018</a:t>
+              <a:t>9/8/2018</a:t>
             </a:fld>
             <a:endParaRPr lang="en-US"/>
           </a:p>
@@ -1411,7 +1413,7 @@
           <p:cNvPr id="6" name="Footer Placeholder 5">
             <a:extLst>
               <a:ext uri="{FF2B5EF4-FFF2-40B4-BE49-F238E27FC236}">
-                <a16:creationId xmlns:a16="http://schemas.microsoft.com/office/drawing/2014/main" id="{5100F9F6-D16A-4EED-ADF7-C639BB888471}"/>
+                <a16:creationId xmlns:a16="http://schemas.microsoft.com/office/drawing/2014/main" id="{CFCD6429-8A35-44A7-A8A9-0EF8D894FC79}"/>
               </a:ext>
             </a:extLst>
           </p:cNvPr>
@@ -1436,7 +1438,7 @@
           <p:cNvPr id="7" name="Slide Number Placeholder 6">
             <a:extLst>
               <a:ext uri="{FF2B5EF4-FFF2-40B4-BE49-F238E27FC236}">
-                <a16:creationId xmlns:a16="http://schemas.microsoft.com/office/drawing/2014/main" id="{56697AC3-2169-4764-BDE8-0A6ACC70FF0A}"/>
+                <a16:creationId xmlns:a16="http://schemas.microsoft.com/office/drawing/2014/main" id="{F4C015C7-E9A6-4B68-8499-69DE4C13B54C}"/>
               </a:ext>
             </a:extLst>
           </p:cNvPr>
@@ -1452,7 +1454,7 @@
           <a:bodyPr/>
           <a:lstStyle/>
           <a:p>
-            <a:fld id="{DD18ED48-3FD2-4DD8-8D61-A93C27CE4B1E}" type="slidenum">
+            <a:fld id="{F8A6ACBF-B78E-4A31-94FA-264C4DEDB676}" type="slidenum">
               <a:rPr lang="en-US" smtClean="0"/>
               <a:t>‹#›</a:t>
             </a:fld>
@@ -1463,7 +1465,7 @@
     </p:spTree>
     <p:extLst>
       <p:ext uri="{BB962C8B-B14F-4D97-AF65-F5344CB8AC3E}">
-        <p14:creationId xmlns:p14="http://schemas.microsoft.com/office/powerpoint/2010/main" val="1595017870"/>
+        <p14:creationId xmlns:p14="http://schemas.microsoft.com/office/powerpoint/2010/main" val="1304795406"/>
       </p:ext>
     </p:extLst>
   </p:cSld>
@@ -1495,7 +1497,7 @@
           <p:cNvPr id="2" name="Title 1">
             <a:extLst>
               <a:ext uri="{FF2B5EF4-FFF2-40B4-BE49-F238E27FC236}">
-                <a16:creationId xmlns:a16="http://schemas.microsoft.com/office/drawing/2014/main" id="{BA284473-35DD-4514-A87E-0E317DF6D108}"/>
+                <a16:creationId xmlns:a16="http://schemas.microsoft.com/office/drawing/2014/main" id="{5AEEE854-5879-4286-BDDD-AAF25DF6E62E}"/>
               </a:ext>
             </a:extLst>
           </p:cNvPr>
@@ -1528,7 +1530,7 @@
           <p:cNvPr id="3" name="Text Placeholder 2">
             <a:extLst>
               <a:ext uri="{FF2B5EF4-FFF2-40B4-BE49-F238E27FC236}">
-                <a16:creationId xmlns:a16="http://schemas.microsoft.com/office/drawing/2014/main" id="{A4333AC4-288B-47ED-A6D5-DD56ABF16398}"/>
+                <a16:creationId xmlns:a16="http://schemas.microsoft.com/office/drawing/2014/main" id="{E4C17DF3-0DCA-41C2-A29B-62ADFC08F1B4}"/>
               </a:ext>
             </a:extLst>
           </p:cNvPr>
@@ -1599,7 +1601,7 @@
           <p:cNvPr id="4" name="Content Placeholder 3">
             <a:extLst>
               <a:ext uri="{FF2B5EF4-FFF2-40B4-BE49-F238E27FC236}">
-                <a16:creationId xmlns:a16="http://schemas.microsoft.com/office/drawing/2014/main" id="{5A4FE9E2-0080-4003-B061-AB9597526844}"/>
+                <a16:creationId xmlns:a16="http://schemas.microsoft.com/office/drawing/2014/main" id="{3CB09B2C-34EA-4193-989E-6D3BDA231C90}"/>
               </a:ext>
             </a:extLst>
           </p:cNvPr>
@@ -1661,7 +1663,7 @@
           <p:cNvPr id="5" name="Text Placeholder 4">
             <a:extLst>
               <a:ext uri="{FF2B5EF4-FFF2-40B4-BE49-F238E27FC236}">
-                <a16:creationId xmlns:a16="http://schemas.microsoft.com/office/drawing/2014/main" id="{27140819-0F90-40AA-8930-24F9C1537DB2}"/>
+                <a16:creationId xmlns:a16="http://schemas.microsoft.com/office/drawing/2014/main" id="{8625BB05-7876-4DD7-B798-2162160757B2}"/>
               </a:ext>
             </a:extLst>
           </p:cNvPr>
@@ -1732,7 +1734,7 @@
           <p:cNvPr id="6" name="Content Placeholder 5">
             <a:extLst>
               <a:ext uri="{FF2B5EF4-FFF2-40B4-BE49-F238E27FC236}">
-                <a16:creationId xmlns:a16="http://schemas.microsoft.com/office/drawing/2014/main" id="{345BC6DF-CE3C-4436-B29F-4EDE6AAE16B1}"/>
+                <a16:creationId xmlns:a16="http://schemas.microsoft.com/office/drawing/2014/main" id="{EA1BCE5A-10A0-40CB-9613-80F40536D90C}"/>
               </a:ext>
             </a:extLst>
           </p:cNvPr>
@@ -1794,7 +1796,7 @@
           <p:cNvPr id="7" name="Date Placeholder 6">
             <a:extLst>
               <a:ext uri="{FF2B5EF4-FFF2-40B4-BE49-F238E27FC236}">
-                <a16:creationId xmlns:a16="http://schemas.microsoft.com/office/drawing/2014/main" id="{8C33C4BE-FD41-4637-9997-E51B50242DE3}"/>
+                <a16:creationId xmlns:a16="http://schemas.microsoft.com/office/drawing/2014/main" id="{1E0B6D63-AC19-440A-AC08-9929C626A2A3}"/>
               </a:ext>
             </a:extLst>
           </p:cNvPr>
@@ -1810,9 +1812,9 @@
           <a:bodyPr/>
           <a:lstStyle/>
           <a:p>
-            <a:fld id="{D395CB20-6B2A-4DE6-8FE9-0B56A28590E2}" type="datetimeFigureOut">
+            <a:fld id="{1B6CB649-B23B-4A05-B2FC-2C0823D80EF2}" type="datetimeFigureOut">
               <a:rPr lang="en-US" smtClean="0"/>
-              <a:t>8/24/2018</a:t>
+              <a:t>9/8/2018</a:t>
             </a:fld>
             <a:endParaRPr lang="en-US"/>
           </a:p>
@@ -1823,7 +1825,7 @@
           <p:cNvPr id="8" name="Footer Placeholder 7">
             <a:extLst>
               <a:ext uri="{FF2B5EF4-FFF2-40B4-BE49-F238E27FC236}">
-                <a16:creationId xmlns:a16="http://schemas.microsoft.com/office/drawing/2014/main" id="{25A5123A-8C18-468A-9522-C5A9FA83F7E8}"/>
+                <a16:creationId xmlns:a16="http://schemas.microsoft.com/office/drawing/2014/main" id="{0CBBE7FC-2145-488A-A394-5E528E9376BD}"/>
               </a:ext>
             </a:extLst>
           </p:cNvPr>
@@ -1848,7 +1850,7 @@
           <p:cNvPr id="9" name="Slide Number Placeholder 8">
             <a:extLst>
               <a:ext uri="{FF2B5EF4-FFF2-40B4-BE49-F238E27FC236}">
-                <a16:creationId xmlns:a16="http://schemas.microsoft.com/office/drawing/2014/main" id="{E46A8E69-4930-4CF3-BFC5-706A90474809}"/>
+                <a16:creationId xmlns:a16="http://schemas.microsoft.com/office/drawing/2014/main" id="{B8540842-23DA-4E2F-B1DC-D125452B9C54}"/>
               </a:ext>
             </a:extLst>
           </p:cNvPr>
@@ -1864,7 +1866,7 @@
           <a:bodyPr/>
           <a:lstStyle/>
           <a:p>
-            <a:fld id="{DD18ED48-3FD2-4DD8-8D61-A93C27CE4B1E}" type="slidenum">
+            <a:fld id="{F8A6ACBF-B78E-4A31-94FA-264C4DEDB676}" type="slidenum">
               <a:rPr lang="en-US" smtClean="0"/>
               <a:t>‹#›</a:t>
             </a:fld>
@@ -1875,7 +1877,7 @@
     </p:spTree>
     <p:extLst>
       <p:ext uri="{BB962C8B-B14F-4D97-AF65-F5344CB8AC3E}">
-        <p14:creationId xmlns:p14="http://schemas.microsoft.com/office/powerpoint/2010/main" val="546151892"/>
+        <p14:creationId xmlns:p14="http://schemas.microsoft.com/office/powerpoint/2010/main" val="1262268897"/>
       </p:ext>
     </p:extLst>
   </p:cSld>
@@ -1907,7 +1909,7 @@
           <p:cNvPr id="2" name="Title 1">
             <a:extLst>
               <a:ext uri="{FF2B5EF4-FFF2-40B4-BE49-F238E27FC236}">
-                <a16:creationId xmlns:a16="http://schemas.microsoft.com/office/drawing/2014/main" id="{ED8B5B9B-0B99-4B33-A091-D0FB9416AAFF}"/>
+                <a16:creationId xmlns:a16="http://schemas.microsoft.com/office/drawing/2014/main" id="{ADF12763-3A88-4D96-80FA-FBEBE892B37A}"/>
               </a:ext>
             </a:extLst>
           </p:cNvPr>
@@ -1935,7 +1937,7 @@
           <p:cNvPr id="3" name="Date Placeholder 2">
             <a:extLst>
               <a:ext uri="{FF2B5EF4-FFF2-40B4-BE49-F238E27FC236}">
-                <a16:creationId xmlns:a16="http://schemas.microsoft.com/office/drawing/2014/main" id="{D1113865-7A4F-496E-A085-A46C718C4138}"/>
+                <a16:creationId xmlns:a16="http://schemas.microsoft.com/office/drawing/2014/main" id="{DB7BCFE7-71C2-4678-9CE6-CD2EF8BF0F2E}"/>
               </a:ext>
             </a:extLst>
           </p:cNvPr>
@@ -1951,9 +1953,9 @@
           <a:bodyPr/>
           <a:lstStyle/>
           <a:p>
-            <a:fld id="{D395CB20-6B2A-4DE6-8FE9-0B56A28590E2}" type="datetimeFigureOut">
+            <a:fld id="{1B6CB649-B23B-4A05-B2FC-2C0823D80EF2}" type="datetimeFigureOut">
               <a:rPr lang="en-US" smtClean="0"/>
-              <a:t>8/24/2018</a:t>
+              <a:t>9/8/2018</a:t>
             </a:fld>
             <a:endParaRPr lang="en-US"/>
           </a:p>
@@ -1964,7 +1966,7 @@
           <p:cNvPr id="4" name="Footer Placeholder 3">
             <a:extLst>
               <a:ext uri="{FF2B5EF4-FFF2-40B4-BE49-F238E27FC236}">
-                <a16:creationId xmlns:a16="http://schemas.microsoft.com/office/drawing/2014/main" id="{C172BFB3-A9EE-4033-A186-9797C291DD42}"/>
+                <a16:creationId xmlns:a16="http://schemas.microsoft.com/office/drawing/2014/main" id="{8A33149D-C8ED-4E43-9A1F-543D62ADE60A}"/>
               </a:ext>
             </a:extLst>
           </p:cNvPr>
@@ -1989,7 +1991,7 @@
           <p:cNvPr id="5" name="Slide Number Placeholder 4">
             <a:extLst>
               <a:ext uri="{FF2B5EF4-FFF2-40B4-BE49-F238E27FC236}">
-                <a16:creationId xmlns:a16="http://schemas.microsoft.com/office/drawing/2014/main" id="{6073863A-C0BF-45A7-9979-B9B0A9606284}"/>
+                <a16:creationId xmlns:a16="http://schemas.microsoft.com/office/drawing/2014/main" id="{B837A4AC-FF54-42B2-8CD6-82877BA6B163}"/>
               </a:ext>
             </a:extLst>
           </p:cNvPr>
@@ -2005,7 +2007,7 @@
           <a:bodyPr/>
           <a:lstStyle/>
           <a:p>
-            <a:fld id="{DD18ED48-3FD2-4DD8-8D61-A93C27CE4B1E}" type="slidenum">
+            <a:fld id="{F8A6ACBF-B78E-4A31-94FA-264C4DEDB676}" type="slidenum">
               <a:rPr lang="en-US" smtClean="0"/>
               <a:t>‹#›</a:t>
             </a:fld>
@@ -2016,7 +2018,7 @@
     </p:spTree>
     <p:extLst>
       <p:ext uri="{BB962C8B-B14F-4D97-AF65-F5344CB8AC3E}">
-        <p14:creationId xmlns:p14="http://schemas.microsoft.com/office/powerpoint/2010/main" val="315319954"/>
+        <p14:creationId xmlns:p14="http://schemas.microsoft.com/office/powerpoint/2010/main" val="2820632670"/>
       </p:ext>
     </p:extLst>
   </p:cSld>
@@ -2048,7 +2050,7 @@
           <p:cNvPr id="2" name="Date Placeholder 1">
             <a:extLst>
               <a:ext uri="{FF2B5EF4-FFF2-40B4-BE49-F238E27FC236}">
-                <a16:creationId xmlns:a16="http://schemas.microsoft.com/office/drawing/2014/main" id="{96BC7BF0-030A-4349-9589-4DB61B6D1D04}"/>
+                <a16:creationId xmlns:a16="http://schemas.microsoft.com/office/drawing/2014/main" id="{BC830496-7CA2-4936-9456-44F522A451B3}"/>
               </a:ext>
             </a:extLst>
           </p:cNvPr>
@@ -2064,9 +2066,9 @@
           <a:bodyPr/>
           <a:lstStyle/>
           <a:p>
-            <a:fld id="{D395CB20-6B2A-4DE6-8FE9-0B56A28590E2}" type="datetimeFigureOut">
+            <a:fld id="{1B6CB649-B23B-4A05-B2FC-2C0823D80EF2}" type="datetimeFigureOut">
               <a:rPr lang="en-US" smtClean="0"/>
-              <a:t>8/24/2018</a:t>
+              <a:t>9/8/2018</a:t>
             </a:fld>
             <a:endParaRPr lang="en-US"/>
           </a:p>
@@ -2077,7 +2079,7 @@
           <p:cNvPr id="3" name="Footer Placeholder 2">
             <a:extLst>
               <a:ext uri="{FF2B5EF4-FFF2-40B4-BE49-F238E27FC236}">
-                <a16:creationId xmlns:a16="http://schemas.microsoft.com/office/drawing/2014/main" id="{F82C81C2-76D5-4408-A11D-C6AEEF7CA5A1}"/>
+                <a16:creationId xmlns:a16="http://schemas.microsoft.com/office/drawing/2014/main" id="{3FA01658-387A-46EC-921F-68CB959CF770}"/>
               </a:ext>
             </a:extLst>
           </p:cNvPr>
@@ -2102,7 +2104,7 @@
           <p:cNvPr id="4" name="Slide Number Placeholder 3">
             <a:extLst>
               <a:ext uri="{FF2B5EF4-FFF2-40B4-BE49-F238E27FC236}">
-                <a16:creationId xmlns:a16="http://schemas.microsoft.com/office/drawing/2014/main" id="{E81D9424-1D92-4D89-99DA-6EFA27D2DE83}"/>
+                <a16:creationId xmlns:a16="http://schemas.microsoft.com/office/drawing/2014/main" id="{64E3A805-BEFD-485C-85C9-B38D7C8DD02C}"/>
               </a:ext>
             </a:extLst>
           </p:cNvPr>
@@ -2118,7 +2120,7 @@
           <a:bodyPr/>
           <a:lstStyle/>
           <a:p>
-            <a:fld id="{DD18ED48-3FD2-4DD8-8D61-A93C27CE4B1E}" type="slidenum">
+            <a:fld id="{F8A6ACBF-B78E-4A31-94FA-264C4DEDB676}" type="slidenum">
               <a:rPr lang="en-US" smtClean="0"/>
               <a:t>‹#›</a:t>
             </a:fld>
@@ -2129,7 +2131,7 @@
     </p:spTree>
     <p:extLst>
       <p:ext uri="{BB962C8B-B14F-4D97-AF65-F5344CB8AC3E}">
-        <p14:creationId xmlns:p14="http://schemas.microsoft.com/office/powerpoint/2010/main" val="738286701"/>
+        <p14:creationId xmlns:p14="http://schemas.microsoft.com/office/powerpoint/2010/main" val="1713299757"/>
       </p:ext>
     </p:extLst>
   </p:cSld>
@@ -2161,7 +2163,7 @@
           <p:cNvPr id="2" name="Title 1">
             <a:extLst>
               <a:ext uri="{FF2B5EF4-FFF2-40B4-BE49-F238E27FC236}">
-                <a16:creationId xmlns:a16="http://schemas.microsoft.com/office/drawing/2014/main" id="{08CC9CBE-3DB1-411B-A05C-3FA0C0CF3FDD}"/>
+                <a16:creationId xmlns:a16="http://schemas.microsoft.com/office/drawing/2014/main" id="{FA3F153C-58AC-4ABD-9C80-6ADA32C689E3}"/>
               </a:ext>
             </a:extLst>
           </p:cNvPr>
@@ -2198,7 +2200,7 @@
           <p:cNvPr id="3" name="Content Placeholder 2">
             <a:extLst>
               <a:ext uri="{FF2B5EF4-FFF2-40B4-BE49-F238E27FC236}">
-                <a16:creationId xmlns:a16="http://schemas.microsoft.com/office/drawing/2014/main" id="{679B1F3C-0E5F-415A-8D74-F15E96230478}"/>
+                <a16:creationId xmlns:a16="http://schemas.microsoft.com/office/drawing/2014/main" id="{44AEE931-473D-4F3C-B1D7-A46742B7592C}"/>
               </a:ext>
             </a:extLst>
           </p:cNvPr>
@@ -2288,7 +2290,7 @@
           <p:cNvPr id="4" name="Text Placeholder 3">
             <a:extLst>
               <a:ext uri="{FF2B5EF4-FFF2-40B4-BE49-F238E27FC236}">
-                <a16:creationId xmlns:a16="http://schemas.microsoft.com/office/drawing/2014/main" id="{BB4B0759-AEBF-4C6B-BBF0-1E896C3200DE}"/>
+                <a16:creationId xmlns:a16="http://schemas.microsoft.com/office/drawing/2014/main" id="{0B1D633B-A296-4401-A575-44AEC65B1527}"/>
               </a:ext>
             </a:extLst>
           </p:cNvPr>
@@ -2359,7 +2361,7 @@
           <p:cNvPr id="5" name="Date Placeholder 4">
             <a:extLst>
               <a:ext uri="{FF2B5EF4-FFF2-40B4-BE49-F238E27FC236}">
-                <a16:creationId xmlns:a16="http://schemas.microsoft.com/office/drawing/2014/main" id="{48961BF1-ADD4-4F31-AEA0-B46B7D17C9EB}"/>
+                <a16:creationId xmlns:a16="http://schemas.microsoft.com/office/drawing/2014/main" id="{0717ED9B-1545-408A-88CB-8510F8E565CA}"/>
               </a:ext>
             </a:extLst>
           </p:cNvPr>
@@ -2375,9 +2377,9 @@
           <a:bodyPr/>
           <a:lstStyle/>
           <a:p>
-            <a:fld id="{D395CB20-6B2A-4DE6-8FE9-0B56A28590E2}" type="datetimeFigureOut">
+            <a:fld id="{1B6CB649-B23B-4A05-B2FC-2C0823D80EF2}" type="datetimeFigureOut">
               <a:rPr lang="en-US" smtClean="0"/>
-              <a:t>8/24/2018</a:t>
+              <a:t>9/8/2018</a:t>
             </a:fld>
             <a:endParaRPr lang="en-US"/>
           </a:p>
@@ -2388,7 +2390,7 @@
           <p:cNvPr id="6" name="Footer Placeholder 5">
             <a:extLst>
               <a:ext uri="{FF2B5EF4-FFF2-40B4-BE49-F238E27FC236}">
-                <a16:creationId xmlns:a16="http://schemas.microsoft.com/office/drawing/2014/main" id="{5EF0940A-E63A-41CE-88E6-18884861048C}"/>
+                <a16:creationId xmlns:a16="http://schemas.microsoft.com/office/drawing/2014/main" id="{E8866318-4D0C-47DB-8A83-5BD33951977F}"/>
               </a:ext>
             </a:extLst>
           </p:cNvPr>
@@ -2413,7 +2415,7 @@
           <p:cNvPr id="7" name="Slide Number Placeholder 6">
             <a:extLst>
               <a:ext uri="{FF2B5EF4-FFF2-40B4-BE49-F238E27FC236}">
-                <a16:creationId xmlns:a16="http://schemas.microsoft.com/office/drawing/2014/main" id="{D5D81414-7894-4871-8F0A-27BF4423C8D4}"/>
+                <a16:creationId xmlns:a16="http://schemas.microsoft.com/office/drawing/2014/main" id="{081D19EE-A9BA-49A7-8357-49B14D780FF7}"/>
               </a:ext>
             </a:extLst>
           </p:cNvPr>
@@ -2429,7 +2431,7 @@
           <a:bodyPr/>
           <a:lstStyle/>
           <a:p>
-            <a:fld id="{DD18ED48-3FD2-4DD8-8D61-A93C27CE4B1E}" type="slidenum">
+            <a:fld id="{F8A6ACBF-B78E-4A31-94FA-264C4DEDB676}" type="slidenum">
               <a:rPr lang="en-US" smtClean="0"/>
               <a:t>‹#›</a:t>
             </a:fld>
@@ -2440,7 +2442,7 @@
     </p:spTree>
     <p:extLst>
       <p:ext uri="{BB962C8B-B14F-4D97-AF65-F5344CB8AC3E}">
-        <p14:creationId xmlns:p14="http://schemas.microsoft.com/office/powerpoint/2010/main" val="1045071488"/>
+        <p14:creationId xmlns:p14="http://schemas.microsoft.com/office/powerpoint/2010/main" val="2148148783"/>
       </p:ext>
     </p:extLst>
   </p:cSld>
@@ -2472,7 +2474,7 @@
           <p:cNvPr id="2" name="Title 1">
             <a:extLst>
               <a:ext uri="{FF2B5EF4-FFF2-40B4-BE49-F238E27FC236}">
-                <a16:creationId xmlns:a16="http://schemas.microsoft.com/office/drawing/2014/main" id="{9FCA5306-6A69-4A54-8D5A-E1E26A828927}"/>
+                <a16:creationId xmlns:a16="http://schemas.microsoft.com/office/drawing/2014/main" id="{A3AD00FE-8839-4B0F-8251-FF15593F1A5E}"/>
               </a:ext>
             </a:extLst>
           </p:cNvPr>
@@ -2509,7 +2511,7 @@
           <p:cNvPr id="3" name="Picture Placeholder 2">
             <a:extLst>
               <a:ext uri="{FF2B5EF4-FFF2-40B4-BE49-F238E27FC236}">
-                <a16:creationId xmlns:a16="http://schemas.microsoft.com/office/drawing/2014/main" id="{7B7A88A3-B6FD-463F-A272-2BF691D76624}"/>
+                <a16:creationId xmlns:a16="http://schemas.microsoft.com/office/drawing/2014/main" id="{97C25E59-2572-435A-B983-6BAD6E65AA8E}"/>
               </a:ext>
             </a:extLst>
           </p:cNvPr>
@@ -2576,7 +2578,7 @@
           <p:cNvPr id="4" name="Text Placeholder 3">
             <a:extLst>
               <a:ext uri="{FF2B5EF4-FFF2-40B4-BE49-F238E27FC236}">
-                <a16:creationId xmlns:a16="http://schemas.microsoft.com/office/drawing/2014/main" id="{9787FA6D-AA4E-47EF-9655-2069B8314168}"/>
+                <a16:creationId xmlns:a16="http://schemas.microsoft.com/office/drawing/2014/main" id="{D5ED4F2A-7B6E-4F87-809E-931EA3E18059}"/>
               </a:ext>
             </a:extLst>
           </p:cNvPr>
@@ -2647,7 +2649,7 @@
           <p:cNvPr id="5" name="Date Placeholder 4">
             <a:extLst>
               <a:ext uri="{FF2B5EF4-FFF2-40B4-BE49-F238E27FC236}">
-                <a16:creationId xmlns:a16="http://schemas.microsoft.com/office/drawing/2014/main" id="{840951E2-48BA-4717-AA2D-4A631872B84E}"/>
+                <a16:creationId xmlns:a16="http://schemas.microsoft.com/office/drawing/2014/main" id="{500DF990-0BAC-4AB3-99CC-F8CEBF940B2F}"/>
               </a:ext>
             </a:extLst>
           </p:cNvPr>
@@ -2663,9 +2665,9 @@
           <a:bodyPr/>
           <a:lstStyle/>
           <a:p>
-            <a:fld id="{D395CB20-6B2A-4DE6-8FE9-0B56A28590E2}" type="datetimeFigureOut">
+            <a:fld id="{1B6CB649-B23B-4A05-B2FC-2C0823D80EF2}" type="datetimeFigureOut">
               <a:rPr lang="en-US" smtClean="0"/>
-              <a:t>8/24/2018</a:t>
+              <a:t>9/8/2018</a:t>
             </a:fld>
             <a:endParaRPr lang="en-US"/>
           </a:p>
@@ -2676,7 +2678,7 @@
           <p:cNvPr id="6" name="Footer Placeholder 5">
             <a:extLst>
               <a:ext uri="{FF2B5EF4-FFF2-40B4-BE49-F238E27FC236}">
-                <a16:creationId xmlns:a16="http://schemas.microsoft.com/office/drawing/2014/main" id="{FCFB0E5F-1D2D-4194-BEBC-5D8A9C258B79}"/>
+                <a16:creationId xmlns:a16="http://schemas.microsoft.com/office/drawing/2014/main" id="{11BF459B-D797-427B-92AD-E7F0951BB4EE}"/>
               </a:ext>
             </a:extLst>
           </p:cNvPr>
@@ -2701,7 +2703,7 @@
           <p:cNvPr id="7" name="Slide Number Placeholder 6">
             <a:extLst>
               <a:ext uri="{FF2B5EF4-FFF2-40B4-BE49-F238E27FC236}">
-                <a16:creationId xmlns:a16="http://schemas.microsoft.com/office/drawing/2014/main" id="{4BBC7D1D-608B-49C5-AAAC-BCEEB651EBCE}"/>
+                <a16:creationId xmlns:a16="http://schemas.microsoft.com/office/drawing/2014/main" id="{99730DFF-FEA7-4529-8091-C913A04150E5}"/>
               </a:ext>
             </a:extLst>
           </p:cNvPr>
@@ -2717,7 +2719,7 @@
           <a:bodyPr/>
           <a:lstStyle/>
           <a:p>
-            <a:fld id="{DD18ED48-3FD2-4DD8-8D61-A93C27CE4B1E}" type="slidenum">
+            <a:fld id="{F8A6ACBF-B78E-4A31-94FA-264C4DEDB676}" type="slidenum">
               <a:rPr lang="en-US" smtClean="0"/>
               <a:t>‹#›</a:t>
             </a:fld>
@@ -2728,7 +2730,7 @@
     </p:spTree>
     <p:extLst>
       <p:ext uri="{BB962C8B-B14F-4D97-AF65-F5344CB8AC3E}">
-        <p14:creationId xmlns:p14="http://schemas.microsoft.com/office/powerpoint/2010/main" val="3390368761"/>
+        <p14:creationId xmlns:p14="http://schemas.microsoft.com/office/powerpoint/2010/main" val="2316811668"/>
       </p:ext>
     </p:extLst>
   </p:cSld>
@@ -2765,7 +2767,7 @@
           <p:cNvPr id="2" name="Title Placeholder 1">
             <a:extLst>
               <a:ext uri="{FF2B5EF4-FFF2-40B4-BE49-F238E27FC236}">
-                <a16:creationId xmlns:a16="http://schemas.microsoft.com/office/drawing/2014/main" id="{BDB890DE-AEA1-48EC-A7A6-C0E422939656}"/>
+                <a16:creationId xmlns:a16="http://schemas.microsoft.com/office/drawing/2014/main" id="{9F2D3671-8283-403E-B5B1-9462690CE037}"/>
               </a:ext>
             </a:extLst>
           </p:cNvPr>
@@ -2803,7 +2805,7 @@
           <p:cNvPr id="3" name="Text Placeholder 2">
             <a:extLst>
               <a:ext uri="{FF2B5EF4-FFF2-40B4-BE49-F238E27FC236}">
-                <a16:creationId xmlns:a16="http://schemas.microsoft.com/office/drawing/2014/main" id="{31C200BA-8450-475E-9990-F4C082B52021}"/>
+                <a16:creationId xmlns:a16="http://schemas.microsoft.com/office/drawing/2014/main" id="{783E4ACE-B53F-4160-A5F9-618EFFA7A330}"/>
               </a:ext>
             </a:extLst>
           </p:cNvPr>
@@ -2870,7 +2872,7 @@
           <p:cNvPr id="4" name="Date Placeholder 3">
             <a:extLst>
               <a:ext uri="{FF2B5EF4-FFF2-40B4-BE49-F238E27FC236}">
-                <a16:creationId xmlns:a16="http://schemas.microsoft.com/office/drawing/2014/main" id="{42FDDE2F-107D-4F1E-9283-1A72ACEFF159}"/>
+                <a16:creationId xmlns:a16="http://schemas.microsoft.com/office/drawing/2014/main" id="{0DC8F20A-3D4B-4D8C-8649-71643CA27C0B}"/>
               </a:ext>
             </a:extLst>
           </p:cNvPr>
@@ -2904,9 +2906,9 @@
             </a:lvl1pPr>
           </a:lstStyle>
           <a:p>
-            <a:fld id="{D395CB20-6B2A-4DE6-8FE9-0B56A28590E2}" type="datetimeFigureOut">
+            <a:fld id="{1B6CB649-B23B-4A05-B2FC-2C0823D80EF2}" type="datetimeFigureOut">
               <a:rPr lang="en-US" smtClean="0"/>
-              <a:t>8/24/2018</a:t>
+              <a:t>9/8/2018</a:t>
             </a:fld>
             <a:endParaRPr lang="en-US"/>
           </a:p>
@@ -2917,7 +2919,7 @@
           <p:cNvPr id="5" name="Footer Placeholder 4">
             <a:extLst>
               <a:ext uri="{FF2B5EF4-FFF2-40B4-BE49-F238E27FC236}">
-                <a16:creationId xmlns:a16="http://schemas.microsoft.com/office/drawing/2014/main" id="{2683CF27-A287-40D2-B21E-6D394499167E}"/>
+                <a16:creationId xmlns:a16="http://schemas.microsoft.com/office/drawing/2014/main" id="{DD1768B3-37E1-4E25-A6AB-3040013F95A8}"/>
               </a:ext>
             </a:extLst>
           </p:cNvPr>
@@ -2960,7 +2962,7 @@
           <p:cNvPr id="6" name="Slide Number Placeholder 5">
             <a:extLst>
               <a:ext uri="{FF2B5EF4-FFF2-40B4-BE49-F238E27FC236}">
-                <a16:creationId xmlns:a16="http://schemas.microsoft.com/office/drawing/2014/main" id="{62D4A8C7-093F-43F6-88BF-C5730685536F}"/>
+                <a16:creationId xmlns:a16="http://schemas.microsoft.com/office/drawing/2014/main" id="{16C949C0-09CC-4E74-A2A8-D4DE1C131C63}"/>
               </a:ext>
             </a:extLst>
           </p:cNvPr>
@@ -2994,7 +2996,7 @@
             </a:lvl1pPr>
           </a:lstStyle>
           <a:p>
-            <a:fld id="{DD18ED48-3FD2-4DD8-8D61-A93C27CE4B1E}" type="slidenum">
+            <a:fld id="{F8A6ACBF-B78E-4A31-94FA-264C4DEDB676}" type="slidenum">
               <a:rPr lang="en-US" smtClean="0"/>
               <a:t>‹#›</a:t>
             </a:fld>
@@ -3005,7 +3007,7 @@
     </p:spTree>
     <p:extLst>
       <p:ext uri="{BB962C8B-B14F-4D97-AF65-F5344CB8AC3E}">
-        <p14:creationId xmlns:p14="http://schemas.microsoft.com/office/powerpoint/2010/main" val="1985530032"/>
+        <p14:creationId xmlns:p14="http://schemas.microsoft.com/office/powerpoint/2010/main" val="846621518"/>
       </p:ext>
     </p:extLst>
   </p:cSld>
@@ -3309,6 +3311,14 @@
 <file path=ppt/slides/slide1.xml><?xml version="1.0" encoding="utf-8"?>
 <p:sld xmlns:a="http://schemas.openxmlformats.org/drawingml/2006/main" xmlns:r="http://schemas.openxmlformats.org/officeDocument/2006/relationships" xmlns:p="http://schemas.openxmlformats.org/presentationml/2006/main">
   <p:cSld>
+    <p:bg>
+      <p:bgPr>
+        <a:solidFill>
+          <a:srgbClr val="93B7BE"/>
+        </a:solidFill>
+        <a:effectLst/>
+      </p:bgPr>
+    </p:bg>
     <p:spTree>
       <p:nvGrpSpPr>
         <p:cNvPr id="1" name=""/>
@@ -3328,7 +3338,7 @@
           <p:cNvPr id="2" name="Title 1">
             <a:extLst>
               <a:ext uri="{FF2B5EF4-FFF2-40B4-BE49-F238E27FC236}">
-                <a16:creationId xmlns:a16="http://schemas.microsoft.com/office/drawing/2014/main" id="{AB9141E9-1581-47AD-B3C9-2138B3C9C7B3}"/>
+                <a16:creationId xmlns:a16="http://schemas.microsoft.com/office/drawing/2014/main" id="{D55B33ED-6899-46EF-B1B4-B1BEBECAA688}"/>
               </a:ext>
             </a:extLst>
           </p:cNvPr>
@@ -3344,9 +3354,16 @@
           <a:bodyPr/>
           <a:lstStyle/>
           <a:p>
-            <a:r>
-              <a:rPr lang="en-US" dirty="0"/>
-              <a:t>Contact Manager</a:t>
+            <a:pPr algn="l"/>
+            <a:r>
+              <a:rPr lang="en-US" b="1" dirty="0">
+                <a:solidFill>
+                  <a:srgbClr val="555B6E"/>
+                </a:solidFill>
+                <a:latin typeface="Roboto" pitchFamily="2" charset="0"/>
+                <a:ea typeface="Roboto" pitchFamily="2" charset="0"/>
+              </a:rPr>
+              <a:t>Coma</a:t>
             </a:r>
           </a:p>
         </p:txBody>
@@ -3356,7 +3373,7 @@
           <p:cNvPr id="3" name="Subtitle 2">
             <a:extLst>
               <a:ext uri="{FF2B5EF4-FFF2-40B4-BE49-F238E27FC236}">
-                <a16:creationId xmlns:a16="http://schemas.microsoft.com/office/drawing/2014/main" id="{4E667FC6-5711-4A65-BE13-EF3728CC592F}"/>
+                <a16:creationId xmlns:a16="http://schemas.microsoft.com/office/drawing/2014/main" id="{F895C034-84E6-4961-AF8B-A2DA5661EB12}"/>
               </a:ext>
             </a:extLst>
           </p:cNvPr>
@@ -3372,9 +3389,16 @@
           <a:bodyPr/>
           <a:lstStyle/>
           <a:p>
-            <a:r>
-              <a:rPr lang="en-US" dirty="0"/>
-              <a:t>Team 7</a:t>
+            <a:pPr algn="l"/>
+            <a:r>
+              <a:rPr lang="en-US" dirty="0">
+                <a:solidFill>
+                  <a:srgbClr val="FFFCF2"/>
+                </a:solidFill>
+                <a:latin typeface="Roboto" pitchFamily="2" charset="0"/>
+                <a:ea typeface="Roboto" pitchFamily="2" charset="0"/>
+              </a:rPr>
+              <a:t>Meet your new favorite contact management app</a:t>
             </a:r>
           </a:p>
         </p:txBody>
@@ -3382,7 +3406,7 @@
     </p:spTree>
     <p:extLst>
       <p:ext uri="{BB962C8B-B14F-4D97-AF65-F5344CB8AC3E}">
-        <p14:creationId xmlns:p14="http://schemas.microsoft.com/office/powerpoint/2010/main" val="674503881"/>
+        <p14:creationId xmlns:p14="http://schemas.microsoft.com/office/powerpoint/2010/main" val="787307947"/>
       </p:ext>
     </p:extLst>
   </p:cSld>
@@ -3395,6 +3419,14 @@
 <file path=ppt/slides/slide2.xml><?xml version="1.0" encoding="utf-8"?>
 <p:sld xmlns:a="http://schemas.openxmlformats.org/drawingml/2006/main" xmlns:r="http://schemas.openxmlformats.org/officeDocument/2006/relationships" xmlns:p="http://schemas.openxmlformats.org/presentationml/2006/main">
   <p:cSld>
+    <p:bg>
+      <p:bgPr>
+        <a:solidFill>
+          <a:srgbClr val="DDD8C4"/>
+        </a:solidFill>
+        <a:effectLst/>
+      </p:bgPr>
+    </p:bg>
     <p:spTree>
       <p:nvGrpSpPr>
         <p:cNvPr id="1" name=""/>
@@ -3414,7 +3446,7 @@
           <p:cNvPr id="2" name="Title 1">
             <a:extLst>
               <a:ext uri="{FF2B5EF4-FFF2-40B4-BE49-F238E27FC236}">
-                <a16:creationId xmlns:a16="http://schemas.microsoft.com/office/drawing/2014/main" id="{EA6A7423-DF93-450F-9CC5-B8B8B94C15BD}"/>
+                <a16:creationId xmlns:a16="http://schemas.microsoft.com/office/drawing/2014/main" id="{8C3BC4F4-D12A-46C3-BC58-56049704BCC9}"/>
               </a:ext>
             </a:extLst>
           </p:cNvPr>
@@ -3430,9 +3462,16 @@
           <a:bodyPr/>
           <a:lstStyle/>
           <a:p>
-            <a:r>
-              <a:rPr lang="en-US" dirty="0"/>
-              <a:t>Members</a:t>
+            <a:pPr algn="ctr"/>
+            <a:r>
+              <a:rPr lang="en-US" b="1" dirty="0">
+                <a:solidFill>
+                  <a:srgbClr val="69626D"/>
+                </a:solidFill>
+                <a:latin typeface="Roboto" pitchFamily="2" charset="0"/>
+                <a:ea typeface="Roboto" pitchFamily="2" charset="0"/>
+              </a:rPr>
+              <a:t>BRAAAWNSS</a:t>
             </a:r>
           </a:p>
         </p:txBody>
@@ -3442,7 +3481,7 @@
           <p:cNvPr id="3" name="Content Placeholder 2">
             <a:extLst>
               <a:ext uri="{FF2B5EF4-FFF2-40B4-BE49-F238E27FC236}">
-                <a16:creationId xmlns:a16="http://schemas.microsoft.com/office/drawing/2014/main" id="{8EF6F2A5-78CE-4882-A53E-0B812396B7CA}"/>
+                <a16:creationId xmlns:a16="http://schemas.microsoft.com/office/drawing/2014/main" id="{9DCF3B51-758F-4916-9DEB-CB33710CFC04}"/>
               </a:ext>
             </a:extLst>
           </p:cNvPr>
@@ -3453,66 +3492,427 @@
             <p:ph idx="1"/>
           </p:nvPr>
         </p:nvSpPr>
-        <p:spPr/>
-        <p:txBody>
-          <a:bodyPr/>
-          <a:lstStyle/>
-          <a:p>
-            <a:r>
-              <a:rPr lang="en-US" dirty="0"/>
-              <a:t>Abe Sanchez</a:t>
-            </a:r>
-          </a:p>
-          <a:p>
-            <a:r>
-              <a:rPr lang="en-US" dirty="0" err="1"/>
+        <p:spPr>
+          <a:xfrm>
+            <a:off x="838200" y="2077403"/>
+            <a:ext cx="10515600" cy="4415472"/>
+          </a:xfrm>
+        </p:spPr>
+        <p:txBody>
+          <a:bodyPr numCol="3">
+            <a:normAutofit fontScale="70000" lnSpcReduction="20000"/>
+          </a:bodyPr>
+          <a:lstStyle/>
+          <a:p>
+            <a:pPr marL="0" indent="0">
+              <a:buNone/>
+            </a:pPr>
+            <a:endParaRPr lang="en-US" b="1" dirty="0">
+              <a:solidFill>
+                <a:srgbClr val="78717D"/>
+              </a:solidFill>
+              <a:latin typeface="Roboto" pitchFamily="2" charset="0"/>
+              <a:ea typeface="Roboto" pitchFamily="2" charset="0"/>
+            </a:endParaRPr>
+          </a:p>
+          <a:p>
+            <a:pPr marL="0" indent="0" algn="ctr">
+              <a:buNone/>
+            </a:pPr>
+            <a:r>
+              <a:rPr lang="en-US" sz="4100" b="1" dirty="0">
+                <a:solidFill>
+                  <a:srgbClr val="69626D"/>
+                </a:solidFill>
+                <a:latin typeface="Roboto" pitchFamily="2" charset="0"/>
+                <a:ea typeface="Roboto" pitchFamily="2" charset="0"/>
+              </a:rPr>
+              <a:t>Stephen Blanco</a:t>
+            </a:r>
+          </a:p>
+          <a:p>
+            <a:pPr marL="0" indent="0" algn="ctr">
+              <a:buNone/>
+            </a:pPr>
+            <a:endParaRPr lang="en-US" sz="4100" b="1" dirty="0">
+              <a:solidFill>
+                <a:srgbClr val="69626D"/>
+              </a:solidFill>
+              <a:latin typeface="Roboto" pitchFamily="2" charset="0"/>
+              <a:ea typeface="Roboto" pitchFamily="2" charset="0"/>
+            </a:endParaRPr>
+          </a:p>
+          <a:p>
+            <a:pPr marL="0" indent="0" algn="ctr">
+              <a:buNone/>
+            </a:pPr>
+            <a:endParaRPr lang="en-US" sz="4100" b="1" dirty="0">
+              <a:solidFill>
+                <a:srgbClr val="69626D"/>
+              </a:solidFill>
+              <a:latin typeface="Roboto" pitchFamily="2" charset="0"/>
+              <a:ea typeface="Roboto" pitchFamily="2" charset="0"/>
+            </a:endParaRPr>
+          </a:p>
+          <a:p>
+            <a:pPr marL="0" indent="0" algn="ctr">
+              <a:buNone/>
+            </a:pPr>
+            <a:r>
+              <a:rPr lang="en-US" sz="4100" b="1" dirty="0">
+                <a:solidFill>
+                  <a:srgbClr val="69626D"/>
+                </a:solidFill>
+                <a:latin typeface="Roboto" pitchFamily="2" charset="0"/>
+                <a:ea typeface="Roboto" pitchFamily="2" charset="0"/>
+              </a:rPr>
+              <a:t>Anthony Espinosa</a:t>
+            </a:r>
+          </a:p>
+          <a:p>
+            <a:pPr marL="0" indent="0" algn="ctr">
+              <a:buNone/>
+            </a:pPr>
+            <a:endParaRPr lang="en-US" sz="4100" b="1" dirty="0">
+              <a:solidFill>
+                <a:srgbClr val="69626D"/>
+              </a:solidFill>
+              <a:latin typeface="Roboto" pitchFamily="2" charset="0"/>
+              <a:ea typeface="Roboto" pitchFamily="2" charset="0"/>
+            </a:endParaRPr>
+          </a:p>
+          <a:p>
+            <a:pPr marL="0" indent="0" algn="ctr">
+              <a:buNone/>
+            </a:pPr>
+            <a:endParaRPr lang="en-US" sz="4100" b="1" dirty="0">
+              <a:solidFill>
+                <a:srgbClr val="69626D"/>
+              </a:solidFill>
+              <a:latin typeface="Roboto" pitchFamily="2" charset="0"/>
+              <a:ea typeface="Roboto" pitchFamily="2" charset="0"/>
+            </a:endParaRPr>
+          </a:p>
+          <a:p>
+            <a:pPr marL="0" indent="0" algn="ctr">
+              <a:buNone/>
+            </a:pPr>
+            <a:r>
+              <a:rPr lang="en-US" sz="4100" b="1" dirty="0">
+                <a:solidFill>
+                  <a:srgbClr val="69626D"/>
+                </a:solidFill>
+                <a:latin typeface="Roboto" pitchFamily="2" charset="0"/>
+                <a:ea typeface="Roboto" pitchFamily="2" charset="0"/>
+              </a:rPr>
+              <a:t>Wyatt Feck</a:t>
+            </a:r>
+          </a:p>
+          <a:p>
+            <a:pPr marL="0" indent="0" algn="ctr">
+              <a:buNone/>
+            </a:pPr>
+            <a:endParaRPr lang="en-US" sz="4100" b="1" dirty="0">
+              <a:solidFill>
+                <a:srgbClr val="69626D"/>
+              </a:solidFill>
+              <a:latin typeface="Roboto" pitchFamily="2" charset="0"/>
+              <a:ea typeface="Roboto" pitchFamily="2" charset="0"/>
+            </a:endParaRPr>
+          </a:p>
+          <a:p>
+            <a:pPr marL="0" indent="0" algn="ctr">
+              <a:buNone/>
+            </a:pPr>
+            <a:endParaRPr lang="en-US" sz="4100" b="1" dirty="0">
+              <a:solidFill>
+                <a:srgbClr val="69626D"/>
+              </a:solidFill>
+              <a:latin typeface="Roboto" pitchFamily="2" charset="0"/>
+              <a:ea typeface="Roboto" pitchFamily="2" charset="0"/>
+            </a:endParaRPr>
+          </a:p>
+          <a:p>
+            <a:pPr marL="0" indent="0" algn="ctr">
+              <a:buNone/>
+            </a:pPr>
+            <a:endParaRPr lang="en-US" sz="4100" b="1" dirty="0">
+              <a:solidFill>
+                <a:srgbClr val="69626D"/>
+              </a:solidFill>
+              <a:latin typeface="Roboto" pitchFamily="2" charset="0"/>
+              <a:ea typeface="Roboto" pitchFamily="2" charset="0"/>
+            </a:endParaRPr>
+          </a:p>
+          <a:p>
+            <a:pPr marL="0" indent="0" algn="ctr">
+              <a:buNone/>
+            </a:pPr>
+            <a:r>
+              <a:rPr lang="en-US" sz="4100" b="1" dirty="0">
+                <a:solidFill>
+                  <a:srgbClr val="69626D"/>
+                </a:solidFill>
+                <a:latin typeface="Roboto" pitchFamily="2" charset="0"/>
+                <a:ea typeface="Roboto" pitchFamily="2" charset="0"/>
+              </a:rPr>
+              <a:t>Nyasha Frank</a:t>
+            </a:r>
+          </a:p>
+          <a:p>
+            <a:pPr marL="0" indent="0" algn="ctr">
+              <a:buNone/>
+            </a:pPr>
+            <a:endParaRPr lang="en-US" sz="4100" b="1" dirty="0">
+              <a:solidFill>
+                <a:srgbClr val="69626D"/>
+              </a:solidFill>
+              <a:latin typeface="Roboto" pitchFamily="2" charset="0"/>
+              <a:ea typeface="Roboto" pitchFamily="2" charset="0"/>
+            </a:endParaRPr>
+          </a:p>
+          <a:p>
+            <a:pPr marL="0" indent="0" algn="ctr">
+              <a:buNone/>
+            </a:pPr>
+            <a:endParaRPr lang="en-US" sz="4100" b="1" dirty="0">
+              <a:solidFill>
+                <a:srgbClr val="69626D"/>
+              </a:solidFill>
+              <a:latin typeface="Roboto" pitchFamily="2" charset="0"/>
+              <a:ea typeface="Roboto" pitchFamily="2" charset="0"/>
+            </a:endParaRPr>
+          </a:p>
+          <a:p>
+            <a:pPr marL="0" indent="0" algn="ctr">
+              <a:buNone/>
+            </a:pPr>
+            <a:r>
+              <a:rPr lang="en-US" sz="4100" b="1" dirty="0" err="1">
+                <a:solidFill>
+                  <a:srgbClr val="69626D"/>
+                </a:solidFill>
+                <a:latin typeface="Roboto" pitchFamily="2" charset="0"/>
+                <a:ea typeface="Roboto" pitchFamily="2" charset="0"/>
+              </a:rPr>
+              <a:t>Steeve</a:t>
+            </a:r>
+            <a:r>
+              <a:rPr lang="en-US" sz="4100" b="1" dirty="0">
+                <a:solidFill>
+                  <a:srgbClr val="69626D"/>
+                </a:solidFill>
+                <a:latin typeface="Roboto" pitchFamily="2" charset="0"/>
+                <a:ea typeface="Roboto" pitchFamily="2" charset="0"/>
+              </a:rPr>
+              <a:t> Joseph</a:t>
+            </a:r>
+          </a:p>
+          <a:p>
+            <a:pPr marL="0" indent="0" algn="ctr">
+              <a:buNone/>
+            </a:pPr>
+            <a:endParaRPr lang="en-US" sz="4100" b="1" dirty="0">
+              <a:solidFill>
+                <a:srgbClr val="69626D"/>
+              </a:solidFill>
+              <a:latin typeface="Roboto" pitchFamily="2" charset="0"/>
+              <a:ea typeface="Roboto" pitchFamily="2" charset="0"/>
+            </a:endParaRPr>
+          </a:p>
+          <a:p>
+            <a:pPr marL="0" indent="0" algn="ctr">
+              <a:buNone/>
+            </a:pPr>
+            <a:endParaRPr lang="en-US" sz="4100" b="1" dirty="0">
+              <a:solidFill>
+                <a:srgbClr val="69626D"/>
+              </a:solidFill>
+              <a:latin typeface="Roboto" pitchFamily="2" charset="0"/>
+              <a:ea typeface="Roboto" pitchFamily="2" charset="0"/>
+            </a:endParaRPr>
+          </a:p>
+          <a:p>
+            <a:pPr marL="0" indent="0" algn="ctr">
+              <a:buNone/>
+            </a:pPr>
+            <a:r>
+              <a:rPr lang="en-US" sz="4100" b="1" dirty="0" err="1">
+                <a:solidFill>
+                  <a:srgbClr val="69626D"/>
+                </a:solidFill>
+                <a:latin typeface="Roboto" pitchFamily="2" charset="0"/>
+                <a:ea typeface="Roboto" pitchFamily="2" charset="0"/>
+              </a:rPr>
               <a:t>Affner</a:t>
             </a:r>
             <a:r>
-              <a:rPr lang="en-US" dirty="0"/>
+              <a:rPr lang="en-US" sz="4100" b="1" dirty="0">
+                <a:solidFill>
+                  <a:srgbClr val="69626D"/>
+                </a:solidFill>
+                <a:latin typeface="Roboto" pitchFamily="2" charset="0"/>
+                <a:ea typeface="Roboto" pitchFamily="2" charset="0"/>
+              </a:rPr>
               <a:t> Lefevre</a:t>
             </a:r>
           </a:p>
           <a:p>
-            <a:r>
-              <a:rPr lang="en-US" dirty="0"/>
+            <a:pPr marL="0" indent="0" algn="ctr">
+              <a:buNone/>
+            </a:pPr>
+            <a:endParaRPr lang="en-US" sz="4100" b="1" dirty="0">
+              <a:solidFill>
+                <a:srgbClr val="69626D"/>
+              </a:solidFill>
+              <a:latin typeface="Roboto" pitchFamily="2" charset="0"/>
+              <a:ea typeface="Roboto" pitchFamily="2" charset="0"/>
+            </a:endParaRPr>
+          </a:p>
+          <a:p>
+            <a:pPr marL="0" indent="0" algn="ctr">
+              <a:buNone/>
+            </a:pPr>
+            <a:endParaRPr lang="en-US" sz="4100" b="1" dirty="0">
+              <a:solidFill>
+                <a:srgbClr val="69626D"/>
+              </a:solidFill>
+              <a:latin typeface="Roboto" pitchFamily="2" charset="0"/>
+              <a:ea typeface="Roboto" pitchFamily="2" charset="0"/>
+            </a:endParaRPr>
+          </a:p>
+          <a:p>
+            <a:pPr marL="0" indent="0" algn="ctr">
+              <a:buNone/>
+            </a:pPr>
+            <a:endParaRPr lang="en-US" sz="4100" b="1" dirty="0">
+              <a:solidFill>
+                <a:srgbClr val="69626D"/>
+              </a:solidFill>
+              <a:latin typeface="Roboto" pitchFamily="2" charset="0"/>
+              <a:ea typeface="Roboto" pitchFamily="2" charset="0"/>
+            </a:endParaRPr>
+          </a:p>
+          <a:p>
+            <a:pPr marL="0" indent="0" algn="ctr">
+              <a:buNone/>
+            </a:pPr>
+            <a:r>
+              <a:rPr lang="en-US" sz="4100" b="1" dirty="0">
+                <a:solidFill>
+                  <a:srgbClr val="69626D"/>
+                </a:solidFill>
+                <a:latin typeface="Roboto" pitchFamily="2" charset="0"/>
+                <a:ea typeface="Roboto" pitchFamily="2" charset="0"/>
+              </a:rPr>
+              <a:t>Rolando Murillo</a:t>
+            </a:r>
+          </a:p>
+          <a:p>
+            <a:pPr marL="0" indent="0" algn="ctr">
+              <a:buNone/>
+            </a:pPr>
+            <a:endParaRPr lang="en-US" sz="4100" b="1" dirty="0">
+              <a:solidFill>
+                <a:srgbClr val="69626D"/>
+              </a:solidFill>
+              <a:latin typeface="Roboto" pitchFamily="2" charset="0"/>
+              <a:ea typeface="Roboto" pitchFamily="2" charset="0"/>
+            </a:endParaRPr>
+          </a:p>
+          <a:p>
+            <a:pPr marL="0" indent="0" algn="ctr">
+              <a:buNone/>
+            </a:pPr>
+            <a:endParaRPr lang="en-US" sz="4100" b="1" dirty="0">
+              <a:solidFill>
+                <a:srgbClr val="69626D"/>
+              </a:solidFill>
+              <a:latin typeface="Roboto" pitchFamily="2" charset="0"/>
+              <a:ea typeface="Roboto" pitchFamily="2" charset="0"/>
+            </a:endParaRPr>
+          </a:p>
+          <a:p>
+            <a:pPr marL="0" indent="0" algn="ctr">
+              <a:buNone/>
+            </a:pPr>
+            <a:r>
+              <a:rPr lang="en-US" sz="4100" b="1" dirty="0">
+                <a:solidFill>
+                  <a:srgbClr val="69626D"/>
+                </a:solidFill>
+                <a:latin typeface="Roboto" pitchFamily="2" charset="0"/>
+                <a:ea typeface="Roboto" pitchFamily="2" charset="0"/>
+              </a:rPr>
+              <a:t>Abraham Sanchez</a:t>
+            </a:r>
+          </a:p>
+          <a:p>
+            <a:pPr marL="0" indent="0" algn="ctr">
+              <a:buNone/>
+            </a:pPr>
+            <a:endParaRPr lang="en-US" sz="4100" b="1" dirty="0">
+              <a:solidFill>
+                <a:srgbClr val="69626D"/>
+              </a:solidFill>
+              <a:latin typeface="Roboto" pitchFamily="2" charset="0"/>
+              <a:ea typeface="Roboto" pitchFamily="2" charset="0"/>
+            </a:endParaRPr>
+          </a:p>
+          <a:p>
+            <a:pPr marL="0" indent="0" algn="ctr">
+              <a:buNone/>
+            </a:pPr>
+            <a:endParaRPr lang="en-US" sz="4100" b="1" dirty="0">
+              <a:solidFill>
+                <a:srgbClr val="69626D"/>
+              </a:solidFill>
+              <a:latin typeface="Roboto" pitchFamily="2" charset="0"/>
+              <a:ea typeface="Roboto" pitchFamily="2" charset="0"/>
+            </a:endParaRPr>
+          </a:p>
+          <a:p>
+            <a:pPr marL="0" indent="0" algn="ctr">
+              <a:buNone/>
+            </a:pPr>
+            <a:r>
+              <a:rPr lang="en-US" sz="4100" b="1" dirty="0">
+                <a:solidFill>
+                  <a:srgbClr val="69626D"/>
+                </a:solidFill>
+                <a:latin typeface="Roboto" pitchFamily="2" charset="0"/>
+                <a:ea typeface="Roboto" pitchFamily="2" charset="0"/>
+              </a:rPr>
               <a:t>Brian </a:t>
             </a:r>
             <a:r>
-              <a:rPr lang="en-US" dirty="0" err="1"/>
+              <a:rPr lang="en-US" sz="4100" b="1" dirty="0" err="1">
+                <a:solidFill>
+                  <a:srgbClr val="69626D"/>
+                </a:solidFill>
+                <a:latin typeface="Roboto" pitchFamily="2" charset="0"/>
+                <a:ea typeface="Roboto" pitchFamily="2" charset="0"/>
+              </a:rPr>
               <a:t>Wittel</a:t>
             </a:r>
+            <a:endParaRPr lang="en-US" sz="4100" b="1" dirty="0">
+              <a:solidFill>
+                <a:srgbClr val="69626D"/>
+              </a:solidFill>
+              <a:latin typeface="Roboto" pitchFamily="2" charset="0"/>
+              <a:ea typeface="Roboto" pitchFamily="2" charset="0"/>
+            </a:endParaRPr>
+          </a:p>
+          <a:p>
+            <a:pPr marL="0" indent="0">
+              <a:buNone/>
+            </a:pPr>
             <a:endParaRPr lang="en-US" dirty="0"/>
           </a:p>
           <a:p>
-            <a:r>
-              <a:rPr lang="en-US" dirty="0"/>
-              <a:t>Nyasha Frank</a:t>
-            </a:r>
-          </a:p>
-          <a:p>
-            <a:r>
-              <a:rPr lang="en-US" dirty="0"/>
-              <a:t>Rolando Murillo</a:t>
-            </a:r>
-          </a:p>
-          <a:p>
-            <a:r>
-              <a:rPr lang="en-US" dirty="0"/>
-              <a:t>Stephen Blanca</a:t>
-            </a:r>
-          </a:p>
-          <a:p>
-            <a:r>
-              <a:rPr lang="en-US" dirty="0"/>
-              <a:t>Steeve Joseph</a:t>
-            </a:r>
-          </a:p>
-          <a:p>
-            <a:r>
-              <a:rPr lang="en-US"/>
-              <a:t>Wyatt Feck</a:t>
-            </a:r>
+            <a:pPr marL="0" indent="0">
+              <a:buNone/>
+            </a:pPr>
             <a:endParaRPr lang="en-US" dirty="0"/>
           </a:p>
         </p:txBody>
@@ -3520,7 +3920,7 @@
     </p:spTree>
     <p:extLst>
       <p:ext uri="{BB962C8B-B14F-4D97-AF65-F5344CB8AC3E}">
-        <p14:creationId xmlns:p14="http://schemas.microsoft.com/office/powerpoint/2010/main" val="3544986106"/>
+        <p14:creationId xmlns:p14="http://schemas.microsoft.com/office/powerpoint/2010/main" val="3698474272"/>
       </p:ext>
     </p:extLst>
   </p:cSld>
@@ -3533,6 +3933,14 @@
 <file path=ppt/slides/slide3.xml><?xml version="1.0" encoding="utf-8"?>
 <p:sld xmlns:a="http://schemas.openxmlformats.org/drawingml/2006/main" xmlns:r="http://schemas.openxmlformats.org/officeDocument/2006/relationships" xmlns:p="http://schemas.openxmlformats.org/presentationml/2006/main">
   <p:cSld>
+    <p:bg>
+      <p:bgPr>
+        <a:solidFill>
+          <a:srgbClr val="555B6E"/>
+        </a:solidFill>
+        <a:effectLst/>
+      </p:bgPr>
+    </p:bg>
     <p:spTree>
       <p:nvGrpSpPr>
         <p:cNvPr id="1" name=""/>
@@ -3552,7 +3960,7 @@
           <p:cNvPr id="2" name="Title 1">
             <a:extLst>
               <a:ext uri="{FF2B5EF4-FFF2-40B4-BE49-F238E27FC236}">
-                <a16:creationId xmlns:a16="http://schemas.microsoft.com/office/drawing/2014/main" id="{72723EC4-9070-42B8-9F3E-80946FD56182}"/>
+                <a16:creationId xmlns:a16="http://schemas.microsoft.com/office/drawing/2014/main" id="{C88ACAA7-E1B6-4B31-AE9A-9EEDA0FEE539}"/>
               </a:ext>
             </a:extLst>
           </p:cNvPr>
@@ -3569,16 +3977,249 @@
           <a:lstStyle/>
           <a:p>
             <a:r>
-              <a:rPr lang="en-US" dirty="0"/>
-              <a:t>Questions?</a:t>
-            </a:r>
+              <a:rPr lang="en-US" b="1" dirty="0">
+                <a:solidFill>
+                  <a:schemeClr val="bg1"/>
+                </a:solidFill>
+                <a:latin typeface="Roboto" pitchFamily="2" charset="0"/>
+                <a:ea typeface="Roboto" pitchFamily="2" charset="0"/>
+              </a:rPr>
+              <a:t>What’s Coma / how it was developed </a:t>
+            </a:r>
+            <a:endParaRPr lang="en-US" b="1" dirty="0">
+              <a:latin typeface="Roboto" pitchFamily="2" charset="0"/>
+              <a:ea typeface="Roboto" pitchFamily="2" charset="0"/>
+            </a:endParaRPr>
+          </a:p>
+        </p:txBody>
+      </p:sp>
+      <p:sp>
+        <p:nvSpPr>
+          <p:cNvPr id="3" name="Content Placeholder 2">
+            <a:extLst>
+              <a:ext uri="{FF2B5EF4-FFF2-40B4-BE49-F238E27FC236}">
+                <a16:creationId xmlns:a16="http://schemas.microsoft.com/office/drawing/2014/main" id="{900C3481-B50A-4157-86DA-8359ECE9715F}"/>
+              </a:ext>
+            </a:extLst>
+          </p:cNvPr>
+          <p:cNvSpPr>
+            <a:spLocks noGrp="1"/>
+          </p:cNvSpPr>
+          <p:nvPr>
+            <p:ph idx="1"/>
+          </p:nvPr>
+        </p:nvSpPr>
+        <p:spPr/>
+        <p:txBody>
+          <a:bodyPr/>
+          <a:lstStyle/>
+          <a:p>
+            <a:endParaRPr lang="en-US" dirty="0"/>
           </a:p>
         </p:txBody>
       </p:sp>
     </p:spTree>
     <p:extLst>
       <p:ext uri="{BB962C8B-B14F-4D97-AF65-F5344CB8AC3E}">
-        <p14:creationId xmlns:p14="http://schemas.microsoft.com/office/powerpoint/2010/main" val="2217106004"/>
+        <p14:creationId xmlns:p14="http://schemas.microsoft.com/office/powerpoint/2010/main" val="3384710803"/>
+      </p:ext>
+    </p:extLst>
+  </p:cSld>
+  <p:clrMapOvr>
+    <a:masterClrMapping/>
+  </p:clrMapOvr>
+</p:sld>
+</file>
+
+<file path=ppt/slides/slide4.xml><?xml version="1.0" encoding="utf-8"?>
+<p:sld xmlns:a="http://schemas.openxmlformats.org/drawingml/2006/main" xmlns:r="http://schemas.openxmlformats.org/officeDocument/2006/relationships" xmlns:p="http://schemas.openxmlformats.org/presentationml/2006/main">
+  <p:cSld>
+    <p:bg>
+      <p:bgPr>
+        <a:solidFill>
+          <a:srgbClr val="CDD3CE"/>
+        </a:solidFill>
+        <a:effectLst/>
+      </p:bgPr>
+    </p:bg>
+    <p:spTree>
+      <p:nvGrpSpPr>
+        <p:cNvPr id="1" name=""/>
+        <p:cNvGrpSpPr/>
+        <p:nvPr/>
+      </p:nvGrpSpPr>
+      <p:grpSpPr>
+        <a:xfrm>
+          <a:off x="0" y="0"/>
+          <a:ext cx="0" cy="0"/>
+          <a:chOff x="0" y="0"/>
+          <a:chExt cx="0" cy="0"/>
+        </a:xfrm>
+      </p:grpSpPr>
+      <p:sp>
+        <p:nvSpPr>
+          <p:cNvPr id="2" name="Title 1">
+            <a:extLst>
+              <a:ext uri="{FF2B5EF4-FFF2-40B4-BE49-F238E27FC236}">
+                <a16:creationId xmlns:a16="http://schemas.microsoft.com/office/drawing/2014/main" id="{527050ED-69AB-4EBE-A2BA-44ED368B8B49}"/>
+              </a:ext>
+            </a:extLst>
+          </p:cNvPr>
+          <p:cNvSpPr>
+            <a:spLocks noGrp="1"/>
+          </p:cNvSpPr>
+          <p:nvPr>
+            <p:ph type="title"/>
+          </p:nvPr>
+        </p:nvSpPr>
+        <p:spPr/>
+        <p:txBody>
+          <a:bodyPr/>
+          <a:lstStyle/>
+          <a:p>
+            <a:r>
+              <a:rPr lang="en-US" b="1" dirty="0">
+                <a:solidFill>
+                  <a:srgbClr val="696D7D"/>
+                </a:solidFill>
+              </a:rPr>
+              <a:t>Anything that we feel is important</a:t>
+            </a:r>
+          </a:p>
+        </p:txBody>
+      </p:sp>
+      <p:sp>
+        <p:nvSpPr>
+          <p:cNvPr id="3" name="Content Placeholder 2">
+            <a:extLst>
+              <a:ext uri="{FF2B5EF4-FFF2-40B4-BE49-F238E27FC236}">
+                <a16:creationId xmlns:a16="http://schemas.microsoft.com/office/drawing/2014/main" id="{030A935D-BE8F-4046-BD1F-539C1702ABED}"/>
+              </a:ext>
+            </a:extLst>
+          </p:cNvPr>
+          <p:cNvSpPr>
+            <a:spLocks noGrp="1"/>
+          </p:cNvSpPr>
+          <p:nvPr>
+            <p:ph idx="1"/>
+          </p:nvPr>
+        </p:nvSpPr>
+        <p:spPr/>
+        <p:txBody>
+          <a:bodyPr/>
+          <a:lstStyle/>
+          <a:p>
+            <a:endParaRPr lang="en-US" dirty="0"/>
+          </a:p>
+        </p:txBody>
+      </p:sp>
+    </p:spTree>
+    <p:extLst>
+      <p:ext uri="{BB962C8B-B14F-4D97-AF65-F5344CB8AC3E}">
+        <p14:creationId xmlns:p14="http://schemas.microsoft.com/office/powerpoint/2010/main" val="3169477491"/>
+      </p:ext>
+    </p:extLst>
+  </p:cSld>
+  <p:clrMapOvr>
+    <a:masterClrMapping/>
+  </p:clrMapOvr>
+</p:sld>
+</file>
+
+<file path=ppt/slides/slide5.xml><?xml version="1.0" encoding="utf-8"?>
+<p:sld xmlns:a="http://schemas.openxmlformats.org/drawingml/2006/main" xmlns:r="http://schemas.openxmlformats.org/officeDocument/2006/relationships" xmlns:p="http://schemas.openxmlformats.org/presentationml/2006/main">
+  <p:cSld>
+    <p:bg>
+      <p:bgPr>
+        <a:solidFill>
+          <a:srgbClr val="F9F8F8"/>
+        </a:solidFill>
+        <a:effectLst/>
+      </p:bgPr>
+    </p:bg>
+    <p:spTree>
+      <p:nvGrpSpPr>
+        <p:cNvPr id="1" name=""/>
+        <p:cNvGrpSpPr/>
+        <p:nvPr/>
+      </p:nvGrpSpPr>
+      <p:grpSpPr>
+        <a:xfrm>
+          <a:off x="0" y="0"/>
+          <a:ext cx="0" cy="0"/>
+          <a:chOff x="0" y="0"/>
+          <a:chExt cx="0" cy="0"/>
+        </a:xfrm>
+      </p:grpSpPr>
+      <p:sp>
+        <p:nvSpPr>
+          <p:cNvPr id="2" name="Title 1">
+            <a:extLst>
+              <a:ext uri="{FF2B5EF4-FFF2-40B4-BE49-F238E27FC236}">
+                <a16:creationId xmlns:a16="http://schemas.microsoft.com/office/drawing/2014/main" id="{F2E42311-D9E6-40F2-ADC3-5E08BF5F1480}"/>
+              </a:ext>
+            </a:extLst>
+          </p:cNvPr>
+          <p:cNvSpPr>
+            <a:spLocks noGrp="1"/>
+          </p:cNvSpPr>
+          <p:nvPr>
+            <p:ph type="title"/>
+          </p:nvPr>
+        </p:nvSpPr>
+        <p:spPr>
+          <a:xfrm>
+            <a:off x="685800" y="304165"/>
+            <a:ext cx="10515600" cy="1325563"/>
+          </a:xfrm>
+        </p:spPr>
+        <p:txBody>
+          <a:bodyPr/>
+          <a:lstStyle/>
+          <a:p>
+            <a:r>
+              <a:rPr lang="en-US" b="1" dirty="0">
+                <a:solidFill>
+                  <a:srgbClr val="BCC0C1"/>
+                </a:solidFill>
+              </a:rPr>
+              <a:t>UML or ERD Diagrams</a:t>
+            </a:r>
+          </a:p>
+        </p:txBody>
+      </p:sp>
+      <p:sp>
+        <p:nvSpPr>
+          <p:cNvPr id="3" name="Content Placeholder 2">
+            <a:extLst>
+              <a:ext uri="{FF2B5EF4-FFF2-40B4-BE49-F238E27FC236}">
+                <a16:creationId xmlns:a16="http://schemas.microsoft.com/office/drawing/2014/main" id="{7AF08133-8C63-4A33-BD22-9E6C47E755E8}"/>
+              </a:ext>
+            </a:extLst>
+          </p:cNvPr>
+          <p:cNvSpPr>
+            <a:spLocks noGrp="1"/>
+          </p:cNvSpPr>
+          <p:nvPr>
+            <p:ph idx="1"/>
+          </p:nvPr>
+        </p:nvSpPr>
+        <p:spPr/>
+        <p:txBody>
+          <a:bodyPr/>
+          <a:lstStyle/>
+          <a:p>
+            <a:pPr marL="0" indent="0">
+              <a:buNone/>
+            </a:pPr>
+            <a:endParaRPr lang="en-US" dirty="0"/>
+          </a:p>
+        </p:txBody>
+      </p:sp>
+    </p:spTree>
+    <p:extLst>
+      <p:ext uri="{BB962C8B-B14F-4D97-AF65-F5344CB8AC3E}">
+        <p14:creationId xmlns:p14="http://schemas.microsoft.com/office/powerpoint/2010/main" val="3662910010"/>
       </p:ext>
     </p:extLst>
   </p:cSld>

--- a/ContactManager.pptx
+++ b/ContactManager.pptx
@@ -108,6 +108,11 @@
       </a:defRPr>
     </a:lvl9pPr>
   </p:defaultTextStyle>
+  <p:extLst>
+    <p:ext uri="{EFAFB233-063F-42B5-8137-9DF3F51BA10A}">
+      <p15:sldGuideLst xmlns:p15="http://schemas.microsoft.com/office/powerpoint/2012/main"/>
+    </p:ext>
+  </p:extLst>
 </p:presentation>
 </file>
 
@@ -258,7 +263,7 @@
           <a:p>
             <a:fld id="{1B6CB649-B23B-4A05-B2FC-2C0823D80EF2}" type="datetimeFigureOut">
               <a:rPr lang="en-US" smtClean="0"/>
-              <a:t>9/8/2018</a:t>
+              <a:t>9/9/2018</a:t>
             </a:fld>
             <a:endParaRPr lang="en-US"/>
           </a:p>
@@ -456,7 +461,7 @@
           <a:p>
             <a:fld id="{1B6CB649-B23B-4A05-B2FC-2C0823D80EF2}" type="datetimeFigureOut">
               <a:rPr lang="en-US" smtClean="0"/>
-              <a:t>9/8/2018</a:t>
+              <a:t>9/9/2018</a:t>
             </a:fld>
             <a:endParaRPr lang="en-US"/>
           </a:p>
@@ -664,7 +669,7 @@
           <a:p>
             <a:fld id="{1B6CB649-B23B-4A05-B2FC-2C0823D80EF2}" type="datetimeFigureOut">
               <a:rPr lang="en-US" smtClean="0"/>
-              <a:t>9/8/2018</a:t>
+              <a:t>9/9/2018</a:t>
             </a:fld>
             <a:endParaRPr lang="en-US"/>
           </a:p>
@@ -862,7 +867,7 @@
           <a:p>
             <a:fld id="{1B6CB649-B23B-4A05-B2FC-2C0823D80EF2}" type="datetimeFigureOut">
               <a:rPr lang="en-US" smtClean="0"/>
-              <a:t>9/8/2018</a:t>
+              <a:t>9/9/2018</a:t>
             </a:fld>
             <a:endParaRPr lang="en-US"/>
           </a:p>
@@ -1137,7 +1142,7 @@
           <a:p>
             <a:fld id="{1B6CB649-B23B-4A05-B2FC-2C0823D80EF2}" type="datetimeFigureOut">
               <a:rPr lang="en-US" smtClean="0"/>
-              <a:t>9/8/2018</a:t>
+              <a:t>9/9/2018</a:t>
             </a:fld>
             <a:endParaRPr lang="en-US"/>
           </a:p>
@@ -1402,7 +1407,7 @@
           <a:p>
             <a:fld id="{1B6CB649-B23B-4A05-B2FC-2C0823D80EF2}" type="datetimeFigureOut">
               <a:rPr lang="en-US" smtClean="0"/>
-              <a:t>9/8/2018</a:t>
+              <a:t>9/9/2018</a:t>
             </a:fld>
             <a:endParaRPr lang="en-US"/>
           </a:p>
@@ -1814,7 +1819,7 @@
           <a:p>
             <a:fld id="{1B6CB649-B23B-4A05-B2FC-2C0823D80EF2}" type="datetimeFigureOut">
               <a:rPr lang="en-US" smtClean="0"/>
-              <a:t>9/8/2018</a:t>
+              <a:t>9/9/2018</a:t>
             </a:fld>
             <a:endParaRPr lang="en-US"/>
           </a:p>
@@ -1955,7 +1960,7 @@
           <a:p>
             <a:fld id="{1B6CB649-B23B-4A05-B2FC-2C0823D80EF2}" type="datetimeFigureOut">
               <a:rPr lang="en-US" smtClean="0"/>
-              <a:t>9/8/2018</a:t>
+              <a:t>9/9/2018</a:t>
             </a:fld>
             <a:endParaRPr lang="en-US"/>
           </a:p>
@@ -2068,7 +2073,7 @@
           <a:p>
             <a:fld id="{1B6CB649-B23B-4A05-B2FC-2C0823D80EF2}" type="datetimeFigureOut">
               <a:rPr lang="en-US" smtClean="0"/>
-              <a:t>9/8/2018</a:t>
+              <a:t>9/9/2018</a:t>
             </a:fld>
             <a:endParaRPr lang="en-US"/>
           </a:p>
@@ -2379,7 +2384,7 @@
           <a:p>
             <a:fld id="{1B6CB649-B23B-4A05-B2FC-2C0823D80EF2}" type="datetimeFigureOut">
               <a:rPr lang="en-US" smtClean="0"/>
-              <a:t>9/8/2018</a:t>
+              <a:t>9/9/2018</a:t>
             </a:fld>
             <a:endParaRPr lang="en-US"/>
           </a:p>
@@ -2667,7 +2672,7 @@
           <a:p>
             <a:fld id="{1B6CB649-B23B-4A05-B2FC-2C0823D80EF2}" type="datetimeFigureOut">
               <a:rPr lang="en-US" smtClean="0"/>
-              <a:t>9/8/2018</a:t>
+              <a:t>9/9/2018</a:t>
             </a:fld>
             <a:endParaRPr lang="en-US"/>
           </a:p>
@@ -2908,7 +2913,7 @@
           <a:p>
             <a:fld id="{1B6CB649-B23B-4A05-B2FC-2C0823D80EF2}" type="datetimeFigureOut">
               <a:rPr lang="en-US" smtClean="0"/>
-              <a:t>9/8/2018</a:t>
+              <a:t>9/9/2018</a:t>
             </a:fld>
             <a:endParaRPr lang="en-US"/>
           </a:p>
@@ -3688,16 +3693,6 @@
               <a:buNone/>
             </a:pPr>
             <a:r>
-              <a:rPr lang="en-US" sz="4100" b="1" dirty="0" err="1">
-                <a:solidFill>
-                  <a:srgbClr val="69626D"/>
-                </a:solidFill>
-                <a:latin typeface="Roboto" pitchFamily="2" charset="0"/>
-                <a:ea typeface="Roboto" pitchFamily="2" charset="0"/>
-              </a:rPr>
-              <a:t>Steeve</a:t>
-            </a:r>
-            <a:r>
               <a:rPr lang="en-US" sz="4100" b="1" dirty="0">
                 <a:solidFill>
                   <a:srgbClr val="69626D"/>
@@ -3705,7 +3700,7 @@
                 <a:latin typeface="Roboto" pitchFamily="2" charset="0"/>
                 <a:ea typeface="Roboto" pitchFamily="2" charset="0"/>
               </a:rPr>
-              <a:t> Joseph</a:t>
+              <a:t>Steeve Joseph</a:t>
             </a:r>
           </a:p>
           <a:p>
@@ -3737,16 +3732,6 @@
               <a:buNone/>
             </a:pPr>
             <a:r>
-              <a:rPr lang="en-US" sz="4100" b="1" dirty="0" err="1">
-                <a:solidFill>
-                  <a:srgbClr val="69626D"/>
-                </a:solidFill>
-                <a:latin typeface="Roboto" pitchFamily="2" charset="0"/>
-                <a:ea typeface="Roboto" pitchFamily="2" charset="0"/>
-              </a:rPr>
-              <a:t>Affner</a:t>
-            </a:r>
-            <a:r>
               <a:rPr lang="en-US" sz="4100" b="1" dirty="0">
                 <a:solidFill>
                   <a:srgbClr val="69626D"/>
@@ -3754,7 +3739,7 @@
                 <a:latin typeface="Roboto" pitchFamily="2" charset="0"/>
                 <a:ea typeface="Roboto" pitchFamily="2" charset="0"/>
               </a:rPr>
-              <a:t> Lefevre</a:t>
+              <a:t>Affner Lefevre</a:t>
             </a:r>
           </a:p>
           <a:p>
@@ -3883,25 +3868,8 @@
                 <a:latin typeface="Roboto" pitchFamily="2" charset="0"/>
                 <a:ea typeface="Roboto" pitchFamily="2" charset="0"/>
               </a:rPr>
-              <a:t>Brian </a:t>
-            </a:r>
-            <a:r>
-              <a:rPr lang="en-US" sz="4100" b="1" dirty="0" err="1">
-                <a:solidFill>
-                  <a:srgbClr val="69626D"/>
-                </a:solidFill>
-                <a:latin typeface="Roboto" pitchFamily="2" charset="0"/>
-                <a:ea typeface="Roboto" pitchFamily="2" charset="0"/>
-              </a:rPr>
-              <a:t>Wittel</a:t>
-            </a:r>
-            <a:endParaRPr lang="en-US" sz="4100" b="1" dirty="0">
-              <a:solidFill>
-                <a:srgbClr val="69626D"/>
-              </a:solidFill>
-              <a:latin typeface="Roboto" pitchFamily="2" charset="0"/>
-              <a:ea typeface="Roboto" pitchFamily="2" charset="0"/>
-            </a:endParaRPr>
+              <a:t>Brian Wittel</a:t>
+            </a:r>
           </a:p>
           <a:p>
             <a:pPr marL="0" indent="0">
@@ -4188,34 +4156,41 @@
           </a:p>
         </p:txBody>
       </p:sp>
-      <p:sp>
-        <p:nvSpPr>
-          <p:cNvPr id="3" name="Content Placeholder 2">
-            <a:extLst>
-              <a:ext uri="{FF2B5EF4-FFF2-40B4-BE49-F238E27FC236}">
-                <a16:creationId xmlns:a16="http://schemas.microsoft.com/office/drawing/2014/main" id="{7AF08133-8C63-4A33-BD22-9E6C47E755E8}"/>
-              </a:ext>
-            </a:extLst>
-          </p:cNvPr>
-          <p:cNvSpPr>
-            <a:spLocks noGrp="1"/>
-          </p:cNvSpPr>
+      <p:pic>
+        <p:nvPicPr>
+          <p:cNvPr id="13" name="Content Placeholder 12">
+            <a:extLst>
+              <a:ext uri="{FF2B5EF4-FFF2-40B4-BE49-F238E27FC236}">
+                <a16:creationId xmlns:a16="http://schemas.microsoft.com/office/drawing/2014/main" id="{A7824C2C-2D98-4D50-888B-A6002AA29C20}"/>
+              </a:ext>
+            </a:extLst>
+          </p:cNvPr>
+          <p:cNvPicPr>
+            <a:picLocks noGrp="1" noChangeAspect="1"/>
+          </p:cNvPicPr>
           <p:nvPr>
             <p:ph idx="1"/>
           </p:nvPr>
-        </p:nvSpPr>
-        <p:spPr/>
-        <p:txBody>
-          <a:bodyPr/>
-          <a:lstStyle/>
-          <a:p>
-            <a:pPr marL="0" indent="0">
-              <a:buNone/>
-            </a:pPr>
-            <a:endParaRPr lang="en-US" dirty="0"/>
-          </a:p>
-        </p:txBody>
-      </p:sp>
+        </p:nvPicPr>
+        <p:blipFill>
+          <a:blip r:embed="rId2">
+            <a:extLst>
+              <a:ext uri="{28A0092B-C50C-407E-A947-70E740481C1C}">
+                <a14:useLocalDpi xmlns:a14="http://schemas.microsoft.com/office/drawing/2010/main" val="0"/>
+              </a:ext>
+            </a:extLst>
+          </a:blip>
+          <a:stretch>
+            <a:fillRect/>
+          </a:stretch>
+        </p:blipFill>
+        <p:spPr>
+          <a:xfrm>
+            <a:off x="2018710" y="1629728"/>
+            <a:ext cx="5258979" cy="4351338"/>
+          </a:xfrm>
+        </p:spPr>
+      </p:pic>
     </p:spTree>
     <p:extLst>
       <p:ext uri="{BB962C8B-B14F-4D97-AF65-F5344CB8AC3E}">

--- a/ContactManager.pptx
+++ b/ContactManager.pptx
@@ -10,6 +10,7 @@
     <p:sldId id="264" r:id="rId4"/>
     <p:sldId id="261" r:id="rId5"/>
     <p:sldId id="263" r:id="rId6"/>
+    <p:sldId id="265" r:id="rId7"/>
   </p:sldIdLst>
   <p:sldSz cx="12192000" cy="6858000"/>
   <p:notesSz cx="6858000" cy="9144000"/>
@@ -263,7 +264,7 @@
           <a:p>
             <a:fld id="{1B6CB649-B23B-4A05-B2FC-2C0823D80EF2}" type="datetimeFigureOut">
               <a:rPr lang="en-US" smtClean="0"/>
-              <a:t>9/9/2018</a:t>
+              <a:t>9/9/18</a:t>
             </a:fld>
             <a:endParaRPr lang="en-US"/>
           </a:p>
@@ -461,7 +462,7 @@
           <a:p>
             <a:fld id="{1B6CB649-B23B-4A05-B2FC-2C0823D80EF2}" type="datetimeFigureOut">
               <a:rPr lang="en-US" smtClean="0"/>
-              <a:t>9/9/2018</a:t>
+              <a:t>9/9/18</a:t>
             </a:fld>
             <a:endParaRPr lang="en-US"/>
           </a:p>
@@ -669,7 +670,7 @@
           <a:p>
             <a:fld id="{1B6CB649-B23B-4A05-B2FC-2C0823D80EF2}" type="datetimeFigureOut">
               <a:rPr lang="en-US" smtClean="0"/>
-              <a:t>9/9/2018</a:t>
+              <a:t>9/9/18</a:t>
             </a:fld>
             <a:endParaRPr lang="en-US"/>
           </a:p>
@@ -867,7 +868,7 @@
           <a:p>
             <a:fld id="{1B6CB649-B23B-4A05-B2FC-2C0823D80EF2}" type="datetimeFigureOut">
               <a:rPr lang="en-US" smtClean="0"/>
-              <a:t>9/9/2018</a:t>
+              <a:t>9/9/18</a:t>
             </a:fld>
             <a:endParaRPr lang="en-US"/>
           </a:p>
@@ -1142,7 +1143,7 @@
           <a:p>
             <a:fld id="{1B6CB649-B23B-4A05-B2FC-2C0823D80EF2}" type="datetimeFigureOut">
               <a:rPr lang="en-US" smtClean="0"/>
-              <a:t>9/9/2018</a:t>
+              <a:t>9/9/18</a:t>
             </a:fld>
             <a:endParaRPr lang="en-US"/>
           </a:p>
@@ -1407,7 +1408,7 @@
           <a:p>
             <a:fld id="{1B6CB649-B23B-4A05-B2FC-2C0823D80EF2}" type="datetimeFigureOut">
               <a:rPr lang="en-US" smtClean="0"/>
-              <a:t>9/9/2018</a:t>
+              <a:t>9/9/18</a:t>
             </a:fld>
             <a:endParaRPr lang="en-US"/>
           </a:p>
@@ -1819,7 +1820,7 @@
           <a:p>
             <a:fld id="{1B6CB649-B23B-4A05-B2FC-2C0823D80EF2}" type="datetimeFigureOut">
               <a:rPr lang="en-US" smtClean="0"/>
-              <a:t>9/9/2018</a:t>
+              <a:t>9/9/18</a:t>
             </a:fld>
             <a:endParaRPr lang="en-US"/>
           </a:p>
@@ -1960,7 +1961,7 @@
           <a:p>
             <a:fld id="{1B6CB649-B23B-4A05-B2FC-2C0823D80EF2}" type="datetimeFigureOut">
               <a:rPr lang="en-US" smtClean="0"/>
-              <a:t>9/9/2018</a:t>
+              <a:t>9/9/18</a:t>
             </a:fld>
             <a:endParaRPr lang="en-US"/>
           </a:p>
@@ -2073,7 +2074,7 @@
           <a:p>
             <a:fld id="{1B6CB649-B23B-4A05-B2FC-2C0823D80EF2}" type="datetimeFigureOut">
               <a:rPr lang="en-US" smtClean="0"/>
-              <a:t>9/9/2018</a:t>
+              <a:t>9/9/18</a:t>
             </a:fld>
             <a:endParaRPr lang="en-US"/>
           </a:p>
@@ -2384,7 +2385,7 @@
           <a:p>
             <a:fld id="{1B6CB649-B23B-4A05-B2FC-2C0823D80EF2}" type="datetimeFigureOut">
               <a:rPr lang="en-US" smtClean="0"/>
-              <a:t>9/9/2018</a:t>
+              <a:t>9/9/18</a:t>
             </a:fld>
             <a:endParaRPr lang="en-US"/>
           </a:p>
@@ -2672,7 +2673,7 @@
           <a:p>
             <a:fld id="{1B6CB649-B23B-4A05-B2FC-2C0823D80EF2}" type="datetimeFigureOut">
               <a:rPr lang="en-US" smtClean="0"/>
-              <a:t>9/9/2018</a:t>
+              <a:t>9/9/18</a:t>
             </a:fld>
             <a:endParaRPr lang="en-US"/>
           </a:p>
@@ -2913,7 +2914,7 @@
           <a:p>
             <a:fld id="{1B6CB649-B23B-4A05-B2FC-2C0823D80EF2}" type="datetimeFigureOut">
               <a:rPr lang="en-US" smtClean="0"/>
-              <a:t>9/9/2018</a:t>
+              <a:t>9/9/18</a:t>
             </a:fld>
             <a:endParaRPr lang="en-US"/>
           </a:p>
@@ -4204,6 +4205,96 @@
 </p:sld>
 </file>
 
+<file path=ppt/slides/slide6.xml><?xml version="1.0" encoding="utf-8"?>
+<p:sld xmlns:a="http://schemas.openxmlformats.org/drawingml/2006/main" xmlns:r="http://schemas.openxmlformats.org/officeDocument/2006/relationships" xmlns:p="http://schemas.openxmlformats.org/presentationml/2006/main">
+  <p:cSld>
+    <p:spTree>
+      <p:nvGrpSpPr>
+        <p:cNvPr id="1" name=""/>
+        <p:cNvGrpSpPr/>
+        <p:nvPr/>
+      </p:nvGrpSpPr>
+      <p:grpSpPr>
+        <a:xfrm>
+          <a:off x="0" y="0"/>
+          <a:ext cx="0" cy="0"/>
+          <a:chOff x="0" y="0"/>
+          <a:chExt cx="0" cy="0"/>
+        </a:xfrm>
+      </p:grpSpPr>
+      <p:sp>
+        <p:nvSpPr>
+          <p:cNvPr id="2" name="Title 1">
+            <a:extLst>
+              <a:ext uri="{FF2B5EF4-FFF2-40B4-BE49-F238E27FC236}">
+                <a16:creationId xmlns:a16="http://schemas.microsoft.com/office/drawing/2014/main" id="{1A753B96-B529-3F4F-96BF-3B4C6F52BE7C}"/>
+              </a:ext>
+            </a:extLst>
+          </p:cNvPr>
+          <p:cNvSpPr>
+            <a:spLocks noGrp="1"/>
+          </p:cNvSpPr>
+          <p:nvPr>
+            <p:ph type="title"/>
+          </p:nvPr>
+        </p:nvSpPr>
+        <p:spPr/>
+        <p:txBody>
+          <a:bodyPr/>
+          <a:lstStyle/>
+          <a:p>
+            <a:endParaRPr lang="en-US" dirty="0"/>
+          </a:p>
+        </p:txBody>
+      </p:sp>
+      <p:pic>
+        <p:nvPicPr>
+          <p:cNvPr id="5" name="Content Placeholder 4">
+            <a:extLst>
+              <a:ext uri="{FF2B5EF4-FFF2-40B4-BE49-F238E27FC236}">
+                <a16:creationId xmlns:a16="http://schemas.microsoft.com/office/drawing/2014/main" id="{818D2C2F-776F-1045-A514-9BF60B3C7D98}"/>
+              </a:ext>
+            </a:extLst>
+          </p:cNvPr>
+          <p:cNvPicPr>
+            <a:picLocks noGrp="1" noChangeAspect="1"/>
+          </p:cNvPicPr>
+          <p:nvPr>
+            <p:ph idx="1"/>
+          </p:nvPr>
+        </p:nvPicPr>
+        <p:blipFill>
+          <a:blip r:embed="rId2">
+            <a:extLst>
+              <a:ext uri="{28A0092B-C50C-407E-A947-70E740481C1C}">
+                <a14:useLocalDpi xmlns:a14="http://schemas.microsoft.com/office/drawing/2010/main" val="0"/>
+              </a:ext>
+            </a:extLst>
+          </a:blip>
+          <a:stretch>
+            <a:fillRect/>
+          </a:stretch>
+        </p:blipFill>
+        <p:spPr>
+          <a:xfrm>
+            <a:off x="2322021" y="2600443"/>
+            <a:ext cx="7547957" cy="3636743"/>
+          </a:xfrm>
+        </p:spPr>
+      </p:pic>
+    </p:spTree>
+    <p:extLst>
+      <p:ext uri="{BB962C8B-B14F-4D97-AF65-F5344CB8AC3E}">
+        <p14:creationId xmlns:p14="http://schemas.microsoft.com/office/powerpoint/2010/main" val="3210583991"/>
+      </p:ext>
+    </p:extLst>
+  </p:cSld>
+  <p:clrMapOvr>
+    <a:masterClrMapping/>
+  </p:clrMapOvr>
+</p:sld>
+</file>
+
 <file path=ppt/theme/theme1.xml><?xml version="1.0" encoding="utf-8"?>
 <a:theme xmlns:a="http://schemas.openxmlformats.org/drawingml/2006/main" name="Office Theme">
   <a:themeElements>

--- a/ContactManager.pptx
+++ b/ContactManager.pptx
@@ -9,7 +9,7 @@
     <p:sldId id="257" r:id="rId3"/>
     <p:sldId id="264" r:id="rId4"/>
     <p:sldId id="261" r:id="rId5"/>
-    <p:sldId id="263" r:id="rId6"/>
+    <p:sldId id="265" r:id="rId6"/>
   </p:sldIdLst>
   <p:sldSz cx="12192000" cy="6858000"/>
   <p:notesSz cx="6858000" cy="9144000"/>
@@ -263,7 +263,7 @@
           <a:p>
             <a:fld id="{1B6CB649-B23B-4A05-B2FC-2C0823D80EF2}" type="datetimeFigureOut">
               <a:rPr lang="en-US" smtClean="0"/>
-              <a:t>9/9/2018</a:t>
+              <a:t>9/10/2018</a:t>
             </a:fld>
             <a:endParaRPr lang="en-US"/>
           </a:p>
@@ -461,7 +461,7 @@
           <a:p>
             <a:fld id="{1B6CB649-B23B-4A05-B2FC-2C0823D80EF2}" type="datetimeFigureOut">
               <a:rPr lang="en-US" smtClean="0"/>
-              <a:t>9/9/2018</a:t>
+              <a:t>9/10/2018</a:t>
             </a:fld>
             <a:endParaRPr lang="en-US"/>
           </a:p>
@@ -669,7 +669,7 @@
           <a:p>
             <a:fld id="{1B6CB649-B23B-4A05-B2FC-2C0823D80EF2}" type="datetimeFigureOut">
               <a:rPr lang="en-US" smtClean="0"/>
-              <a:t>9/9/2018</a:t>
+              <a:t>9/10/2018</a:t>
             </a:fld>
             <a:endParaRPr lang="en-US"/>
           </a:p>
@@ -867,7 +867,7 @@
           <a:p>
             <a:fld id="{1B6CB649-B23B-4A05-B2FC-2C0823D80EF2}" type="datetimeFigureOut">
               <a:rPr lang="en-US" smtClean="0"/>
-              <a:t>9/9/2018</a:t>
+              <a:t>9/10/2018</a:t>
             </a:fld>
             <a:endParaRPr lang="en-US"/>
           </a:p>
@@ -1142,7 +1142,7 @@
           <a:p>
             <a:fld id="{1B6CB649-B23B-4A05-B2FC-2C0823D80EF2}" type="datetimeFigureOut">
               <a:rPr lang="en-US" smtClean="0"/>
-              <a:t>9/9/2018</a:t>
+              <a:t>9/10/2018</a:t>
             </a:fld>
             <a:endParaRPr lang="en-US"/>
           </a:p>
@@ -1407,7 +1407,7 @@
           <a:p>
             <a:fld id="{1B6CB649-B23B-4A05-B2FC-2C0823D80EF2}" type="datetimeFigureOut">
               <a:rPr lang="en-US" smtClean="0"/>
-              <a:t>9/9/2018</a:t>
+              <a:t>9/10/2018</a:t>
             </a:fld>
             <a:endParaRPr lang="en-US"/>
           </a:p>
@@ -1819,7 +1819,7 @@
           <a:p>
             <a:fld id="{1B6CB649-B23B-4A05-B2FC-2C0823D80EF2}" type="datetimeFigureOut">
               <a:rPr lang="en-US" smtClean="0"/>
-              <a:t>9/9/2018</a:t>
+              <a:t>9/10/2018</a:t>
             </a:fld>
             <a:endParaRPr lang="en-US"/>
           </a:p>
@@ -1960,7 +1960,7 @@
           <a:p>
             <a:fld id="{1B6CB649-B23B-4A05-B2FC-2C0823D80EF2}" type="datetimeFigureOut">
               <a:rPr lang="en-US" smtClean="0"/>
-              <a:t>9/9/2018</a:t>
+              <a:t>9/10/2018</a:t>
             </a:fld>
             <a:endParaRPr lang="en-US"/>
           </a:p>
@@ -2073,7 +2073,7 @@
           <a:p>
             <a:fld id="{1B6CB649-B23B-4A05-B2FC-2C0823D80EF2}" type="datetimeFigureOut">
               <a:rPr lang="en-US" smtClean="0"/>
-              <a:t>9/9/2018</a:t>
+              <a:t>9/10/2018</a:t>
             </a:fld>
             <a:endParaRPr lang="en-US"/>
           </a:p>
@@ -2384,7 +2384,7 @@
           <a:p>
             <a:fld id="{1B6CB649-B23B-4A05-B2FC-2C0823D80EF2}" type="datetimeFigureOut">
               <a:rPr lang="en-US" smtClean="0"/>
-              <a:t>9/9/2018</a:t>
+              <a:t>9/10/2018</a:t>
             </a:fld>
             <a:endParaRPr lang="en-US"/>
           </a:p>
@@ -2672,7 +2672,7 @@
           <a:p>
             <a:fld id="{1B6CB649-B23B-4A05-B2FC-2C0823D80EF2}" type="datetimeFigureOut">
               <a:rPr lang="en-US" smtClean="0"/>
-              <a:t>9/9/2018</a:t>
+              <a:t>9/10/2018</a:t>
             </a:fld>
             <a:endParaRPr lang="en-US"/>
           </a:p>
@@ -2913,7 +2913,7 @@
           <a:p>
             <a:fld id="{1B6CB649-B23B-4A05-B2FC-2C0823D80EF2}" type="datetimeFigureOut">
               <a:rPr lang="en-US" smtClean="0"/>
-              <a:t>9/9/2018</a:t>
+              <a:t>9/10/2018</a:t>
             </a:fld>
             <a:endParaRPr lang="en-US"/>
           </a:p>
@@ -3499,27 +3499,15 @@
         </p:nvSpPr>
         <p:spPr>
           <a:xfrm>
-            <a:off x="838200" y="2077403"/>
-            <a:ext cx="10515600" cy="4415472"/>
+            <a:off x="838200" y="2366127"/>
+            <a:ext cx="10515600" cy="4242062"/>
           </a:xfrm>
         </p:spPr>
         <p:txBody>
           <a:bodyPr numCol="3">
-            <a:normAutofit fontScale="70000" lnSpcReduction="20000"/>
+            <a:normAutofit fontScale="77500" lnSpcReduction="20000"/>
           </a:bodyPr>
           <a:lstStyle/>
-          <a:p>
-            <a:pPr marL="0" indent="0">
-              <a:buNone/>
-            </a:pPr>
-            <a:endParaRPr lang="en-US" b="1" dirty="0">
-              <a:solidFill>
-                <a:srgbClr val="78717D"/>
-              </a:solidFill>
-              <a:latin typeface="Roboto" pitchFamily="2" charset="0"/>
-              <a:ea typeface="Roboto" pitchFamily="2" charset="0"/>
-            </a:endParaRPr>
-          </a:p>
           <a:p>
             <a:pPr marL="0" indent="0" algn="ctr">
               <a:buNone/>
@@ -3641,18 +3629,6 @@
             <a:pPr marL="0" indent="0" algn="ctr">
               <a:buNone/>
             </a:pPr>
-            <a:endParaRPr lang="en-US" sz="4100" b="1" dirty="0">
-              <a:solidFill>
-                <a:srgbClr val="69626D"/>
-              </a:solidFill>
-              <a:latin typeface="Roboto" pitchFamily="2" charset="0"/>
-              <a:ea typeface="Roboto" pitchFamily="2" charset="0"/>
-            </a:endParaRPr>
-          </a:p>
-          <a:p>
-            <a:pPr marL="0" indent="0" algn="ctr">
-              <a:buNone/>
-            </a:pPr>
             <a:r>
               <a:rPr lang="en-US" sz="4100" b="1" dirty="0">
                 <a:solidFill>
@@ -3770,18 +3746,6 @@
             <a:pPr marL="0" indent="0" algn="ctr">
               <a:buNone/>
             </a:pPr>
-            <a:endParaRPr lang="en-US" sz="4100" b="1" dirty="0">
-              <a:solidFill>
-                <a:srgbClr val="69626D"/>
-              </a:solidFill>
-              <a:latin typeface="Roboto" pitchFamily="2" charset="0"/>
-              <a:ea typeface="Roboto" pitchFamily="2" charset="0"/>
-            </a:endParaRPr>
-          </a:p>
-          <a:p>
-            <a:pPr marL="0" indent="0" algn="ctr">
-              <a:buNone/>
-            </a:pPr>
             <a:r>
               <a:rPr lang="en-US" sz="4100" b="1" dirty="0">
                 <a:solidFill>
@@ -3882,6 +3846,51 @@
               <a:buNone/>
             </a:pPr>
             <a:endParaRPr lang="en-US" dirty="0"/>
+          </a:p>
+        </p:txBody>
+      </p:sp>
+      <p:sp>
+        <p:nvSpPr>
+          <p:cNvPr id="4" name="AutoShape 2" descr="Image result for universe 7 transparent">
+            <a:extLst>
+              <a:ext uri="{FF2B5EF4-FFF2-40B4-BE49-F238E27FC236}">
+                <a16:creationId xmlns:a16="http://schemas.microsoft.com/office/drawing/2014/main" id="{2E1D7671-06A2-4D8D-B201-7F8BF252C8F4}"/>
+              </a:ext>
+            </a:extLst>
+          </p:cNvPr>
+          <p:cNvSpPr>
+            <a:spLocks noChangeAspect="1" noChangeArrowheads="1"/>
+          </p:cNvSpPr>
+          <p:nvPr/>
+        </p:nvSpPr>
+        <p:spPr bwMode="auto">
+          <a:xfrm>
+            <a:off x="5943600" y="3276600"/>
+            <a:ext cx="304800" cy="304800"/>
+          </a:xfrm>
+          <a:prstGeom prst="rect">
+            <a:avLst/>
+          </a:prstGeom>
+          <a:noFill/>
+          <a:extLst>
+            <a:ext uri="{909E8E84-426E-40DD-AFC4-6F175D3DCCD1}">
+              <a14:hiddenFill xmlns:a14="http://schemas.microsoft.com/office/drawing/2010/main">
+                <a:solidFill>
+                  <a:srgbClr val="FFFFFF"/>
+                </a:solidFill>
+              </a14:hiddenFill>
+            </a:ext>
+          </a:extLst>
+        </p:spPr>
+        <p:txBody>
+          <a:bodyPr vert="horz" wrap="square" lIns="91440" tIns="45720" rIns="91440" bIns="45720" numCol="1" anchor="t" anchorCtr="0" compatLnSpc="1">
+            <a:prstTxWarp prst="textNoShape">
+              <a:avLst/>
+            </a:prstTxWarp>
+          </a:bodyPr>
+          <a:lstStyle/>
+          <a:p>
+            <a:endParaRPr lang="en-US"/>
           </a:p>
         </p:txBody>
       </p:sp>
@@ -3904,7 +3913,7 @@
     <p:bg>
       <p:bgPr>
         <a:solidFill>
-          <a:srgbClr val="555B6E"/>
+          <a:schemeClr val="bg1"/>
         </a:solidFill>
         <a:effectLst/>
       </p:bgPr>
@@ -3939,13 +3948,18 @@
             <p:ph type="title"/>
           </p:nvPr>
         </p:nvSpPr>
-        <p:spPr/>
-        <p:txBody>
-          <a:bodyPr/>
-          <a:lstStyle/>
-          <a:p>
-            <a:r>
-              <a:rPr lang="en-US" b="1" dirty="0">
+        <p:spPr>
+          <a:xfrm>
+            <a:off x="838200" y="277351"/>
+            <a:ext cx="10515600" cy="1325563"/>
+          </a:xfrm>
+        </p:spPr>
+        <p:txBody>
+          <a:bodyPr/>
+          <a:lstStyle/>
+          <a:p>
+            <a:r>
+              <a:rPr lang="en-US" b="1">
                 <a:solidFill>
                   <a:schemeClr val="bg1"/>
                 </a:solidFill>
@@ -3961,28 +3975,283 @@
           </a:p>
         </p:txBody>
       </p:sp>
-      <p:sp>
-        <p:nvSpPr>
-          <p:cNvPr id="3" name="Content Placeholder 2">
-            <a:extLst>
-              <a:ext uri="{FF2B5EF4-FFF2-40B4-BE49-F238E27FC236}">
-                <a16:creationId xmlns:a16="http://schemas.microsoft.com/office/drawing/2014/main" id="{900C3481-B50A-4157-86DA-8359ECE9715F}"/>
-              </a:ext>
-            </a:extLst>
-          </p:cNvPr>
-          <p:cNvSpPr>
-            <a:spLocks noGrp="1"/>
-          </p:cNvSpPr>
+      <p:pic>
+        <p:nvPicPr>
+          <p:cNvPr id="7" name="Content Placeholder 6">
+            <a:extLst>
+              <a:ext uri="{FF2B5EF4-FFF2-40B4-BE49-F238E27FC236}">
+                <a16:creationId xmlns:a16="http://schemas.microsoft.com/office/drawing/2014/main" id="{16FAF8CB-ADA2-4160-98BB-F8E22C0DFDC7}"/>
+              </a:ext>
+            </a:extLst>
+          </p:cNvPr>
+          <p:cNvPicPr>
+            <a:picLocks noGrp="1" noChangeAspect="1"/>
+          </p:cNvPicPr>
           <p:nvPr>
             <p:ph idx="1"/>
           </p:nvPr>
-        </p:nvSpPr>
-        <p:spPr/>
-        <p:txBody>
-          <a:bodyPr/>
-          <a:lstStyle/>
+        </p:nvPicPr>
+        <p:blipFill>
+          <a:blip r:embed="rId2"/>
+          <a:stretch>
+            <a:fillRect/>
+          </a:stretch>
+        </p:blipFill>
+        <p:spPr>
+          <a:xfrm>
+            <a:off x="463614" y="3083280"/>
+            <a:ext cx="5075077" cy="2349761"/>
+          </a:xfrm>
+          <a:prstGeom prst="rect">
+            <a:avLst/>
+          </a:prstGeom>
+        </p:spPr>
+      </p:pic>
+      <p:sp>
+        <p:nvSpPr>
+          <p:cNvPr id="9" name="Rectangle 8">
+            <a:extLst>
+              <a:ext uri="{FF2B5EF4-FFF2-40B4-BE49-F238E27FC236}">
+                <a16:creationId xmlns:a16="http://schemas.microsoft.com/office/drawing/2014/main" id="{1072C5D9-EF33-43A0-AD07-537A6EB31424}"/>
+              </a:ext>
+            </a:extLst>
+          </p:cNvPr>
+          <p:cNvSpPr/>
+          <p:nvPr/>
+        </p:nvSpPr>
+        <p:spPr>
+          <a:xfrm>
+            <a:off x="-16599" y="495365"/>
+            <a:ext cx="12208599" cy="1325563"/>
+          </a:xfrm>
+          <a:prstGeom prst="rect">
+            <a:avLst/>
+          </a:prstGeom>
+          <a:solidFill>
+            <a:srgbClr val="555B6E"/>
+          </a:solidFill>
+          <a:ln>
+            <a:noFill/>
+          </a:ln>
+        </p:spPr>
+        <p:style>
+          <a:lnRef idx="2">
+            <a:schemeClr val="accent1">
+              <a:shade val="50000"/>
+            </a:schemeClr>
+          </a:lnRef>
+          <a:fillRef idx="1">
+            <a:schemeClr val="accent1"/>
+          </a:fillRef>
+          <a:effectRef idx="0">
+            <a:schemeClr val="accent1"/>
+          </a:effectRef>
+          <a:fontRef idx="minor">
+            <a:schemeClr val="lt1"/>
+          </a:fontRef>
+        </p:style>
+        <p:txBody>
+          <a:bodyPr rtlCol="0" anchor="ctr"/>
+          <a:lstStyle/>
+          <a:p>
+            <a:pPr algn="ctr"/>
+            <a:endParaRPr lang="en-US"/>
+          </a:p>
+        </p:txBody>
+      </p:sp>
+      <p:sp>
+        <p:nvSpPr>
+          <p:cNvPr id="10" name="TextBox 9">
+            <a:extLst>
+              <a:ext uri="{FF2B5EF4-FFF2-40B4-BE49-F238E27FC236}">
+                <a16:creationId xmlns:a16="http://schemas.microsoft.com/office/drawing/2014/main" id="{885C5424-321F-4858-8015-253B4EC0CCAA}"/>
+              </a:ext>
+            </a:extLst>
+          </p:cNvPr>
+          <p:cNvSpPr txBox="1"/>
+          <p:nvPr/>
+        </p:nvSpPr>
+        <p:spPr>
+          <a:xfrm>
+            <a:off x="3230542" y="774488"/>
+            <a:ext cx="5391239" cy="1046440"/>
+          </a:xfrm>
+          <a:prstGeom prst="rect">
+            <a:avLst/>
+          </a:prstGeom>
+          <a:noFill/>
+        </p:spPr>
+        <p:txBody>
+          <a:bodyPr wrap="square" rtlCol="0">
+            <a:spAutoFit/>
+          </a:bodyPr>
+          <a:lstStyle/>
+          <a:p>
+            <a:r>
+              <a:rPr lang="en-US" sz="4400" b="1" dirty="0">
+                <a:solidFill>
+                  <a:schemeClr val="bg1"/>
+                </a:solidFill>
+                <a:latin typeface="Roboto" pitchFamily="2" charset="0"/>
+                <a:ea typeface="Roboto" pitchFamily="2" charset="0"/>
+              </a:rPr>
+              <a:t>Development Tools</a:t>
+            </a:r>
+            <a:endParaRPr lang="en-US" b="1" dirty="0"/>
+          </a:p>
           <a:p>
             <a:endParaRPr lang="en-US" dirty="0"/>
+          </a:p>
+        </p:txBody>
+      </p:sp>
+      <p:pic>
+        <p:nvPicPr>
+          <p:cNvPr id="1028" name="Picture 4" descr="Image result for vuejs">
+            <a:extLst>
+              <a:ext uri="{FF2B5EF4-FFF2-40B4-BE49-F238E27FC236}">
+                <a16:creationId xmlns:a16="http://schemas.microsoft.com/office/drawing/2014/main" id="{BB0EFC4D-0BB7-4B3F-9856-BF883D32E8D8}"/>
+              </a:ext>
+            </a:extLst>
+          </p:cNvPr>
+          <p:cNvPicPr>
+            <a:picLocks noChangeAspect="1" noChangeArrowheads="1"/>
+          </p:cNvPicPr>
+          <p:nvPr/>
+        </p:nvPicPr>
+        <p:blipFill>
+          <a:blip r:embed="rId3">
+            <a:extLst>
+              <a:ext uri="{28A0092B-C50C-407E-A947-70E740481C1C}">
+                <a14:useLocalDpi xmlns:a14="http://schemas.microsoft.com/office/drawing/2010/main" val="0"/>
+              </a:ext>
+            </a:extLst>
+          </a:blip>
+          <a:srcRect/>
+          <a:stretch>
+            <a:fillRect/>
+          </a:stretch>
+        </p:blipFill>
+        <p:spPr bwMode="auto">
+          <a:xfrm>
+            <a:off x="6918857" y="3137876"/>
+            <a:ext cx="4434943" cy="2240570"/>
+          </a:xfrm>
+          <a:prstGeom prst="rect">
+            <a:avLst/>
+          </a:prstGeom>
+          <a:noFill/>
+          <a:extLst>
+            <a:ext uri="{909E8E84-426E-40DD-AFC4-6F175D3DCCD1}">
+              <a14:hiddenFill xmlns:a14="http://schemas.microsoft.com/office/drawing/2010/main">
+                <a:solidFill>
+                  <a:srgbClr val="FFFFFF"/>
+                </a:solidFill>
+              </a14:hiddenFill>
+            </a:ext>
+          </a:extLst>
+        </p:spPr>
+      </p:pic>
+      <p:sp>
+        <p:nvSpPr>
+          <p:cNvPr id="11" name="Rectangle 10">
+            <a:extLst>
+              <a:ext uri="{FF2B5EF4-FFF2-40B4-BE49-F238E27FC236}">
+                <a16:creationId xmlns:a16="http://schemas.microsoft.com/office/drawing/2014/main" id="{3B3B32A5-62EB-472C-BD1C-43616BC2EE43}"/>
+              </a:ext>
+            </a:extLst>
+          </p:cNvPr>
+          <p:cNvSpPr/>
+          <p:nvPr/>
+        </p:nvSpPr>
+        <p:spPr>
+          <a:xfrm>
+            <a:off x="5907308" y="2539568"/>
+            <a:ext cx="45719" cy="3440199"/>
+          </a:xfrm>
+          <a:prstGeom prst="rect">
+            <a:avLst/>
+          </a:prstGeom>
+          <a:solidFill>
+            <a:srgbClr val="555B6E"/>
+          </a:solidFill>
+          <a:ln>
+            <a:noFill/>
+          </a:ln>
+        </p:spPr>
+        <p:style>
+          <a:lnRef idx="2">
+            <a:schemeClr val="accent1">
+              <a:shade val="50000"/>
+            </a:schemeClr>
+          </a:lnRef>
+          <a:fillRef idx="1">
+            <a:schemeClr val="accent1"/>
+          </a:fillRef>
+          <a:effectRef idx="0">
+            <a:schemeClr val="accent1"/>
+          </a:effectRef>
+          <a:fontRef idx="minor">
+            <a:schemeClr val="lt1"/>
+          </a:fontRef>
+        </p:style>
+        <p:txBody>
+          <a:bodyPr rtlCol="0" anchor="ctr"/>
+          <a:lstStyle/>
+          <a:p>
+            <a:pPr algn="ctr"/>
+            <a:endParaRPr lang="en-US"/>
+          </a:p>
+        </p:txBody>
+      </p:sp>
+      <p:sp>
+        <p:nvSpPr>
+          <p:cNvPr id="20" name="Rectangle 19">
+            <a:extLst>
+              <a:ext uri="{FF2B5EF4-FFF2-40B4-BE49-F238E27FC236}">
+                <a16:creationId xmlns:a16="http://schemas.microsoft.com/office/drawing/2014/main" id="{7117089C-7020-448C-BF61-C8B5D5A5437F}"/>
+              </a:ext>
+            </a:extLst>
+          </p:cNvPr>
+          <p:cNvSpPr/>
+          <p:nvPr/>
+        </p:nvSpPr>
+        <p:spPr>
+          <a:xfrm>
+            <a:off x="5983507" y="2539567"/>
+            <a:ext cx="45719" cy="3440199"/>
+          </a:xfrm>
+          <a:prstGeom prst="rect">
+            <a:avLst/>
+          </a:prstGeom>
+          <a:solidFill>
+            <a:srgbClr val="555B6E"/>
+          </a:solidFill>
+          <a:ln>
+            <a:noFill/>
+          </a:ln>
+        </p:spPr>
+        <p:style>
+          <a:lnRef idx="2">
+            <a:schemeClr val="accent1">
+              <a:shade val="50000"/>
+            </a:schemeClr>
+          </a:lnRef>
+          <a:fillRef idx="1">
+            <a:schemeClr val="accent1"/>
+          </a:fillRef>
+          <a:effectRef idx="0">
+            <a:schemeClr val="accent1"/>
+          </a:effectRef>
+          <a:fontRef idx="minor">
+            <a:schemeClr val="lt1"/>
+          </a:fontRef>
+        </p:style>
+        <p:txBody>
+          <a:bodyPr rtlCol="0" anchor="ctr"/>
+          <a:lstStyle/>
+          <a:p>
+            <a:pPr algn="ctr"/>
+            <a:endParaRPr lang="en-US"/>
           </a:p>
         </p:txBody>
       </p:sp>
@@ -4040,47 +4309,67 @@
             <p:ph type="title"/>
           </p:nvPr>
         </p:nvSpPr>
-        <p:spPr/>
-        <p:txBody>
-          <a:bodyPr/>
-          <a:lstStyle/>
-          <a:p>
-            <a:r>
-              <a:rPr lang="en-US" b="1" dirty="0">
+        <p:spPr>
+          <a:xfrm>
+            <a:off x="414779" y="94268"/>
+            <a:ext cx="2963162" cy="3148553"/>
+          </a:xfrm>
+          <a:noFill/>
+          <a:ln>
+            <a:noFill/>
+          </a:ln>
+        </p:spPr>
+        <p:txBody>
+          <a:bodyPr>
+            <a:normAutofit/>
+          </a:bodyPr>
+          <a:lstStyle/>
+          <a:p>
+            <a:r>
+              <a:rPr lang="en-US" sz="6600" b="1" dirty="0">
                 <a:solidFill>
                   <a:srgbClr val="696D7D"/>
                 </a:solidFill>
               </a:rPr>
-              <a:t>Anything that we feel is important</a:t>
-            </a:r>
-          </a:p>
-        </p:txBody>
-      </p:sp>
-      <p:sp>
-        <p:nvSpPr>
-          <p:cNvPr id="3" name="Content Placeholder 2">
-            <a:extLst>
-              <a:ext uri="{FF2B5EF4-FFF2-40B4-BE49-F238E27FC236}">
-                <a16:creationId xmlns:a16="http://schemas.microsoft.com/office/drawing/2014/main" id="{030A935D-BE8F-4046-BD1F-539C1702ABED}"/>
-              </a:ext>
-            </a:extLst>
-          </p:cNvPr>
-          <p:cNvSpPr>
-            <a:spLocks noGrp="1"/>
-          </p:cNvSpPr>
+              <a:t>Use Case Diagram</a:t>
+            </a:r>
+          </a:p>
+        </p:txBody>
+      </p:sp>
+      <p:pic>
+        <p:nvPicPr>
+          <p:cNvPr id="5" name="Content Placeholder 12">
+            <a:extLst>
+              <a:ext uri="{FF2B5EF4-FFF2-40B4-BE49-F238E27FC236}">
+                <a16:creationId xmlns:a16="http://schemas.microsoft.com/office/drawing/2014/main" id="{31C1286E-7A49-44DA-A0F4-DAC0B2301DCF}"/>
+              </a:ext>
+            </a:extLst>
+          </p:cNvPr>
+          <p:cNvPicPr>
+            <a:picLocks noGrp="1" noChangeAspect="1"/>
+          </p:cNvPicPr>
           <p:nvPr>
             <p:ph idx="1"/>
           </p:nvPr>
-        </p:nvSpPr>
-        <p:spPr/>
-        <p:txBody>
-          <a:bodyPr/>
-          <a:lstStyle/>
-          <a:p>
-            <a:endParaRPr lang="en-US" dirty="0"/>
-          </a:p>
-        </p:txBody>
-      </p:sp>
+        </p:nvPicPr>
+        <p:blipFill rotWithShape="1">
+          <a:blip r:embed="rId2">
+            <a:extLst>
+              <a:ext uri="{28A0092B-C50C-407E-A947-70E740481C1C}">
+                <a14:useLocalDpi xmlns:a14="http://schemas.microsoft.com/office/drawing/2010/main" val="0"/>
+              </a:ext>
+            </a:extLst>
+          </a:blip>
+          <a:srcRect t="11021"/>
+          <a:stretch/>
+        </p:blipFill>
+        <p:spPr>
+          <a:xfrm>
+            <a:off x="4032119" y="1084082"/>
+            <a:ext cx="7270620" cy="5352814"/>
+          </a:xfrm>
+        </p:spPr>
+      </p:pic>
     </p:spTree>
     <p:extLst>
       <p:ext uri="{BB962C8B-B14F-4D97-AF65-F5344CB8AC3E}">
@@ -4100,7 +4389,7 @@
     <p:bg>
       <p:bgPr>
         <a:solidFill>
-          <a:srgbClr val="F9F8F8"/>
+          <a:srgbClr val="DEE5E5"/>
         </a:solidFill>
         <a:effectLst/>
       </p:bgPr>
@@ -4124,7 +4413,7 @@
           <p:cNvPr id="2" name="Title 1">
             <a:extLst>
               <a:ext uri="{FF2B5EF4-FFF2-40B4-BE49-F238E27FC236}">
-                <a16:creationId xmlns:a16="http://schemas.microsoft.com/office/drawing/2014/main" id="{F2E42311-D9E6-40F2-ADC3-5E08BF5F1480}"/>
+                <a16:creationId xmlns:a16="http://schemas.microsoft.com/office/drawing/2014/main" id="{BBF5EC6C-91B5-475D-8D66-227D0A38AC06}"/>
               </a:ext>
             </a:extLst>
           </p:cNvPr>
@@ -4137,31 +4426,37 @@
         </p:nvSpPr>
         <p:spPr>
           <a:xfrm>
-            <a:off x="685800" y="304165"/>
-            <a:ext cx="10515600" cy="1325563"/>
+            <a:off x="3214147" y="365125"/>
+            <a:ext cx="5763705" cy="1325563"/>
           </a:xfrm>
+          <a:solidFill>
+            <a:srgbClr val="DEE5E5"/>
+          </a:solidFill>
         </p:spPr>
         <p:txBody>
           <a:bodyPr/>
           <a:lstStyle/>
           <a:p>
+            <a:pPr algn="ctr"/>
             <a:r>
               <a:rPr lang="en-US" b="1" dirty="0">
                 <a:solidFill>
-                  <a:srgbClr val="BCC0C1"/>
+                  <a:srgbClr val="696D7D"/>
                 </a:solidFill>
+                <a:latin typeface="Roboto" pitchFamily="2" charset="0"/>
+                <a:ea typeface="Roboto" pitchFamily="2" charset="0"/>
               </a:rPr>
-              <a:t>UML or ERD Diagrams</a:t>
+              <a:t>ERD Diagram </a:t>
             </a:r>
           </a:p>
         </p:txBody>
       </p:sp>
       <p:pic>
         <p:nvPicPr>
-          <p:cNvPr id="13" name="Content Placeholder 12">
-            <a:extLst>
-              <a:ext uri="{FF2B5EF4-FFF2-40B4-BE49-F238E27FC236}">
-                <a16:creationId xmlns:a16="http://schemas.microsoft.com/office/drawing/2014/main" id="{A7824C2C-2D98-4D50-888B-A6002AA29C20}"/>
+          <p:cNvPr id="4" name="Content Placeholder 3">
+            <a:extLst>
+              <a:ext uri="{FF2B5EF4-FFF2-40B4-BE49-F238E27FC236}">
+                <a16:creationId xmlns:a16="http://schemas.microsoft.com/office/drawing/2014/main" id="{DC1D674F-C79A-4F65-A02C-EBFE1CD5CF2B}"/>
               </a:ext>
             </a:extLst>
           </p:cNvPr>
@@ -4173,28 +4468,25 @@
           </p:nvPr>
         </p:nvPicPr>
         <p:blipFill>
-          <a:blip r:embed="rId2">
-            <a:extLst>
-              <a:ext uri="{28A0092B-C50C-407E-A947-70E740481C1C}">
-                <a14:useLocalDpi xmlns:a14="http://schemas.microsoft.com/office/drawing/2010/main" val="0"/>
-              </a:ext>
-            </a:extLst>
-          </a:blip>
+          <a:blip r:embed="rId2"/>
           <a:stretch>
             <a:fillRect/>
           </a:stretch>
         </p:blipFill>
         <p:spPr>
           <a:xfrm>
-            <a:off x="2018710" y="1629728"/>
-            <a:ext cx="5258979" cy="4351338"/>
+            <a:off x="1463497" y="2163494"/>
+            <a:ext cx="8934268" cy="4329381"/>
           </a:xfrm>
+          <a:prstGeom prst="rect">
+            <a:avLst/>
+          </a:prstGeom>
         </p:spPr>
       </p:pic>
     </p:spTree>
     <p:extLst>
       <p:ext uri="{BB962C8B-B14F-4D97-AF65-F5344CB8AC3E}">
-        <p14:creationId xmlns:p14="http://schemas.microsoft.com/office/powerpoint/2010/main" val="3662910010"/>
+        <p14:creationId xmlns:p14="http://schemas.microsoft.com/office/powerpoint/2010/main" val="1905580947"/>
       </p:ext>
     </p:extLst>
   </p:cSld>

--- a/ContactManager.pptx
+++ b/ContactManager.pptx
@@ -8,8 +8,13 @@
     <p:sldId id="256" r:id="rId2"/>
     <p:sldId id="257" r:id="rId3"/>
     <p:sldId id="264" r:id="rId4"/>
-    <p:sldId id="261" r:id="rId5"/>
-    <p:sldId id="265" r:id="rId6"/>
+    <p:sldId id="272" r:id="rId5"/>
+    <p:sldId id="270" r:id="rId6"/>
+    <p:sldId id="271" r:id="rId7"/>
+    <p:sldId id="268" r:id="rId8"/>
+    <p:sldId id="274" r:id="rId9"/>
+    <p:sldId id="269" r:id="rId10"/>
+    <p:sldId id="261" r:id="rId11"/>
   </p:sldIdLst>
   <p:sldSz cx="12192000" cy="6858000"/>
   <p:notesSz cx="6858000" cy="9144000"/>
@@ -263,7 +268,7 @@
           <a:p>
             <a:fld id="{1B6CB649-B23B-4A05-B2FC-2C0823D80EF2}" type="datetimeFigureOut">
               <a:rPr lang="en-US" smtClean="0"/>
-              <a:t>9/10/2018</a:t>
+              <a:t>9/11/2018</a:t>
             </a:fld>
             <a:endParaRPr lang="en-US"/>
           </a:p>
@@ -461,7 +466,7 @@
           <a:p>
             <a:fld id="{1B6CB649-B23B-4A05-B2FC-2C0823D80EF2}" type="datetimeFigureOut">
               <a:rPr lang="en-US" smtClean="0"/>
-              <a:t>9/10/2018</a:t>
+              <a:t>9/11/2018</a:t>
             </a:fld>
             <a:endParaRPr lang="en-US"/>
           </a:p>
@@ -669,7 +674,7 @@
           <a:p>
             <a:fld id="{1B6CB649-B23B-4A05-B2FC-2C0823D80EF2}" type="datetimeFigureOut">
               <a:rPr lang="en-US" smtClean="0"/>
-              <a:t>9/10/2018</a:t>
+              <a:t>9/11/2018</a:t>
             </a:fld>
             <a:endParaRPr lang="en-US"/>
           </a:p>
@@ -867,7 +872,7 @@
           <a:p>
             <a:fld id="{1B6CB649-B23B-4A05-B2FC-2C0823D80EF2}" type="datetimeFigureOut">
               <a:rPr lang="en-US" smtClean="0"/>
-              <a:t>9/10/2018</a:t>
+              <a:t>9/11/2018</a:t>
             </a:fld>
             <a:endParaRPr lang="en-US"/>
           </a:p>
@@ -1142,7 +1147,7 @@
           <a:p>
             <a:fld id="{1B6CB649-B23B-4A05-B2FC-2C0823D80EF2}" type="datetimeFigureOut">
               <a:rPr lang="en-US" smtClean="0"/>
-              <a:t>9/10/2018</a:t>
+              <a:t>9/11/2018</a:t>
             </a:fld>
             <a:endParaRPr lang="en-US"/>
           </a:p>
@@ -1407,7 +1412,7 @@
           <a:p>
             <a:fld id="{1B6CB649-B23B-4A05-B2FC-2C0823D80EF2}" type="datetimeFigureOut">
               <a:rPr lang="en-US" smtClean="0"/>
-              <a:t>9/10/2018</a:t>
+              <a:t>9/11/2018</a:t>
             </a:fld>
             <a:endParaRPr lang="en-US"/>
           </a:p>
@@ -1819,7 +1824,7 @@
           <a:p>
             <a:fld id="{1B6CB649-B23B-4A05-B2FC-2C0823D80EF2}" type="datetimeFigureOut">
               <a:rPr lang="en-US" smtClean="0"/>
-              <a:t>9/10/2018</a:t>
+              <a:t>9/11/2018</a:t>
             </a:fld>
             <a:endParaRPr lang="en-US"/>
           </a:p>
@@ -1960,7 +1965,7 @@
           <a:p>
             <a:fld id="{1B6CB649-B23B-4A05-B2FC-2C0823D80EF2}" type="datetimeFigureOut">
               <a:rPr lang="en-US" smtClean="0"/>
-              <a:t>9/10/2018</a:t>
+              <a:t>9/11/2018</a:t>
             </a:fld>
             <a:endParaRPr lang="en-US"/>
           </a:p>
@@ -2073,7 +2078,7 @@
           <a:p>
             <a:fld id="{1B6CB649-B23B-4A05-B2FC-2C0823D80EF2}" type="datetimeFigureOut">
               <a:rPr lang="en-US" smtClean="0"/>
-              <a:t>9/10/2018</a:t>
+              <a:t>9/11/2018</a:t>
             </a:fld>
             <a:endParaRPr lang="en-US"/>
           </a:p>
@@ -2384,7 +2389,7 @@
           <a:p>
             <a:fld id="{1B6CB649-B23B-4A05-B2FC-2C0823D80EF2}" type="datetimeFigureOut">
               <a:rPr lang="en-US" smtClean="0"/>
-              <a:t>9/10/2018</a:t>
+              <a:t>9/11/2018</a:t>
             </a:fld>
             <a:endParaRPr lang="en-US"/>
           </a:p>
@@ -2672,7 +2677,7 @@
           <a:p>
             <a:fld id="{1B6CB649-B23B-4A05-B2FC-2C0823D80EF2}" type="datetimeFigureOut">
               <a:rPr lang="en-US" smtClean="0"/>
-              <a:t>9/10/2018</a:t>
+              <a:t>9/11/2018</a:t>
             </a:fld>
             <a:endParaRPr lang="en-US"/>
           </a:p>
@@ -2913,7 +2918,7 @@
           <a:p>
             <a:fld id="{1B6CB649-B23B-4A05-B2FC-2C0823D80EF2}" type="datetimeFigureOut">
               <a:rPr lang="en-US" smtClean="0"/>
-              <a:t>9/10/2018</a:t>
+              <a:t>9/11/2018</a:t>
             </a:fld>
             <a:endParaRPr lang="en-US"/>
           </a:p>
@@ -3421,6 +3426,101 @@
 </p:sld>
 </file>
 
+<file path=ppt/slides/slide10.xml><?xml version="1.0" encoding="utf-8"?>
+<p:sld xmlns:a="http://schemas.openxmlformats.org/drawingml/2006/main" xmlns:r="http://schemas.openxmlformats.org/officeDocument/2006/relationships" xmlns:p="http://schemas.openxmlformats.org/presentationml/2006/main">
+  <p:cSld>
+    <p:bg>
+      <p:bgPr>
+        <a:solidFill>
+          <a:srgbClr val="CDD3CE"/>
+        </a:solidFill>
+        <a:effectLst/>
+      </p:bgPr>
+    </p:bg>
+    <p:spTree>
+      <p:nvGrpSpPr>
+        <p:cNvPr id="1" name=""/>
+        <p:cNvGrpSpPr/>
+        <p:nvPr/>
+      </p:nvGrpSpPr>
+      <p:grpSpPr>
+        <a:xfrm>
+          <a:off x="0" y="0"/>
+          <a:ext cx="0" cy="0"/>
+          <a:chOff x="0" y="0"/>
+          <a:chExt cx="0" cy="0"/>
+        </a:xfrm>
+      </p:grpSpPr>
+      <p:sp>
+        <p:nvSpPr>
+          <p:cNvPr id="2" name="Title 1">
+            <a:extLst>
+              <a:ext uri="{FF2B5EF4-FFF2-40B4-BE49-F238E27FC236}">
+                <a16:creationId xmlns:a16="http://schemas.microsoft.com/office/drawing/2014/main" id="{527050ED-69AB-4EBE-A2BA-44ED368B8B49}"/>
+              </a:ext>
+            </a:extLst>
+          </p:cNvPr>
+          <p:cNvSpPr>
+            <a:spLocks noGrp="1"/>
+          </p:cNvSpPr>
+          <p:nvPr>
+            <p:ph type="title"/>
+          </p:nvPr>
+        </p:nvSpPr>
+        <p:spPr/>
+        <p:txBody>
+          <a:bodyPr/>
+          <a:lstStyle/>
+          <a:p>
+            <a:r>
+              <a:rPr lang="en-US" b="1" dirty="0">
+                <a:solidFill>
+                  <a:srgbClr val="696D7D"/>
+                </a:solidFill>
+              </a:rPr>
+              <a:t>Important Stuff</a:t>
+            </a:r>
+          </a:p>
+        </p:txBody>
+      </p:sp>
+      <p:sp>
+        <p:nvSpPr>
+          <p:cNvPr id="3" name="Content Placeholder 2">
+            <a:extLst>
+              <a:ext uri="{FF2B5EF4-FFF2-40B4-BE49-F238E27FC236}">
+                <a16:creationId xmlns:a16="http://schemas.microsoft.com/office/drawing/2014/main" id="{030A935D-BE8F-4046-BD1F-539C1702ABED}"/>
+              </a:ext>
+            </a:extLst>
+          </p:cNvPr>
+          <p:cNvSpPr>
+            <a:spLocks noGrp="1"/>
+          </p:cNvSpPr>
+          <p:nvPr>
+            <p:ph idx="1"/>
+          </p:nvPr>
+        </p:nvSpPr>
+        <p:spPr/>
+        <p:txBody>
+          <a:bodyPr/>
+          <a:lstStyle/>
+          <a:p>
+            <a:endParaRPr lang="en-US" dirty="0"/>
+          </a:p>
+        </p:txBody>
+      </p:sp>
+    </p:spTree>
+    <p:extLst>
+      <p:ext uri="{BB962C8B-B14F-4D97-AF65-F5344CB8AC3E}">
+        <p14:creationId xmlns:p14="http://schemas.microsoft.com/office/powerpoint/2010/main" val="3169477491"/>
+      </p:ext>
+    </p:extLst>
+  </p:cSld>
+  <p:clrMapOvr>
+    <a:masterClrMapping/>
+  </p:clrMapOvr>
+</p:sld>
+</file>
+
 <file path=ppt/slides/slide2.xml><?xml version="1.0" encoding="utf-8"?>
 <p:sld xmlns:a="http://schemas.openxmlformats.org/drawingml/2006/main" xmlns:r="http://schemas.openxmlformats.org/officeDocument/2006/relationships" xmlns:p="http://schemas.openxmlformats.org/presentationml/2006/main">
   <p:cSld>
@@ -3499,15 +3599,27 @@
         </p:nvSpPr>
         <p:spPr>
           <a:xfrm>
-            <a:off x="838200" y="2366127"/>
-            <a:ext cx="10515600" cy="4242062"/>
+            <a:off x="838200" y="2077403"/>
+            <a:ext cx="10515600" cy="4415472"/>
           </a:xfrm>
         </p:spPr>
         <p:txBody>
           <a:bodyPr numCol="3">
-            <a:normAutofit fontScale="77500" lnSpcReduction="20000"/>
+            <a:normAutofit fontScale="70000" lnSpcReduction="20000"/>
           </a:bodyPr>
           <a:lstStyle/>
+          <a:p>
+            <a:pPr marL="0" indent="0">
+              <a:buNone/>
+            </a:pPr>
+            <a:endParaRPr lang="en-US" b="1" dirty="0">
+              <a:solidFill>
+                <a:srgbClr val="78717D"/>
+              </a:solidFill>
+              <a:latin typeface="Roboto" pitchFamily="2" charset="0"/>
+              <a:ea typeface="Roboto" pitchFamily="2" charset="0"/>
+            </a:endParaRPr>
+          </a:p>
           <a:p>
             <a:pPr marL="0" indent="0" algn="ctr">
               <a:buNone/>
@@ -3598,7 +3710,7 @@
                 <a:latin typeface="Roboto" pitchFamily="2" charset="0"/>
                 <a:ea typeface="Roboto" pitchFamily="2" charset="0"/>
               </a:rPr>
-              <a:t>Wyatt Feck</a:t>
+              <a:t>Jonathan Wyatt Feck</a:t>
             </a:r>
           </a:p>
           <a:p>
@@ -3629,6 +3741,18 @@
             <a:pPr marL="0" indent="0" algn="ctr">
               <a:buNone/>
             </a:pPr>
+            <a:endParaRPr lang="en-US" sz="4100" b="1" dirty="0">
+              <a:solidFill>
+                <a:srgbClr val="69626D"/>
+              </a:solidFill>
+              <a:latin typeface="Roboto" pitchFamily="2" charset="0"/>
+              <a:ea typeface="Roboto" pitchFamily="2" charset="0"/>
+            </a:endParaRPr>
+          </a:p>
+          <a:p>
+            <a:pPr marL="0" indent="0" algn="ctr">
+              <a:buNone/>
+            </a:pPr>
             <a:r>
               <a:rPr lang="en-US" sz="4100" b="1" dirty="0">
                 <a:solidFill>
@@ -3846,51 +3970,6 @@
               <a:buNone/>
             </a:pPr>
             <a:endParaRPr lang="en-US" dirty="0"/>
-          </a:p>
-        </p:txBody>
-      </p:sp>
-      <p:sp>
-        <p:nvSpPr>
-          <p:cNvPr id="4" name="AutoShape 2" descr="Image result for universe 7 transparent">
-            <a:extLst>
-              <a:ext uri="{FF2B5EF4-FFF2-40B4-BE49-F238E27FC236}">
-                <a16:creationId xmlns:a16="http://schemas.microsoft.com/office/drawing/2014/main" id="{2E1D7671-06A2-4D8D-B201-7F8BF252C8F4}"/>
-              </a:ext>
-            </a:extLst>
-          </p:cNvPr>
-          <p:cNvSpPr>
-            <a:spLocks noChangeAspect="1" noChangeArrowheads="1"/>
-          </p:cNvSpPr>
-          <p:nvPr/>
-        </p:nvSpPr>
-        <p:spPr bwMode="auto">
-          <a:xfrm>
-            <a:off x="5943600" y="3276600"/>
-            <a:ext cx="304800" cy="304800"/>
-          </a:xfrm>
-          <a:prstGeom prst="rect">
-            <a:avLst/>
-          </a:prstGeom>
-          <a:noFill/>
-          <a:extLst>
-            <a:ext uri="{909E8E84-426E-40DD-AFC4-6F175D3DCCD1}">
-              <a14:hiddenFill xmlns:a14="http://schemas.microsoft.com/office/drawing/2010/main">
-                <a:solidFill>
-                  <a:srgbClr val="FFFFFF"/>
-                </a:solidFill>
-              </a14:hiddenFill>
-            </a:ext>
-          </a:extLst>
-        </p:spPr>
-        <p:txBody>
-          <a:bodyPr vert="horz" wrap="square" lIns="91440" tIns="45720" rIns="91440" bIns="45720" numCol="1" anchor="t" anchorCtr="0" compatLnSpc="1">
-            <a:prstTxWarp prst="textNoShape">
-              <a:avLst/>
-            </a:prstTxWarp>
-          </a:bodyPr>
-          <a:lstStyle/>
-          <a:p>
-            <a:endParaRPr lang="en-US"/>
           </a:p>
         </p:txBody>
       </p:sp>
@@ -3913,7 +3992,7 @@
     <p:bg>
       <p:bgPr>
         <a:solidFill>
-          <a:schemeClr val="bg1"/>
+          <a:srgbClr val="555B6E"/>
         </a:solidFill>
         <a:effectLst/>
       </p:bgPr>
@@ -3948,6 +4027,99 @@
             <p:ph type="title"/>
           </p:nvPr>
         </p:nvSpPr>
+        <p:spPr/>
+        <p:txBody>
+          <a:bodyPr/>
+          <a:lstStyle/>
+          <a:p>
+            <a:r>
+              <a:rPr lang="en-US" b="1" dirty="0">
+                <a:solidFill>
+                  <a:schemeClr val="bg1"/>
+                </a:solidFill>
+                <a:latin typeface="Roboto" pitchFamily="2" charset="0"/>
+                <a:ea typeface="Roboto" pitchFamily="2" charset="0"/>
+              </a:rPr>
+              <a:t>What’s Coma / how it was developed </a:t>
+            </a:r>
+            <a:endParaRPr lang="en-US" b="1" dirty="0">
+              <a:latin typeface="Roboto" pitchFamily="2" charset="0"/>
+              <a:ea typeface="Roboto" pitchFamily="2" charset="0"/>
+            </a:endParaRPr>
+          </a:p>
+        </p:txBody>
+      </p:sp>
+      <p:sp>
+        <p:nvSpPr>
+          <p:cNvPr id="3" name="Content Placeholder 2">
+            <a:extLst>
+              <a:ext uri="{FF2B5EF4-FFF2-40B4-BE49-F238E27FC236}">
+                <a16:creationId xmlns:a16="http://schemas.microsoft.com/office/drawing/2014/main" id="{900C3481-B50A-4157-86DA-8359ECE9715F}"/>
+              </a:ext>
+            </a:extLst>
+          </p:cNvPr>
+          <p:cNvSpPr>
+            <a:spLocks noGrp="1"/>
+          </p:cNvSpPr>
+          <p:nvPr>
+            <p:ph idx="1"/>
+          </p:nvPr>
+        </p:nvSpPr>
+        <p:spPr/>
+        <p:txBody>
+          <a:bodyPr/>
+          <a:lstStyle/>
+          <a:p>
+            <a:endParaRPr lang="en-US" dirty="0"/>
+          </a:p>
+        </p:txBody>
+      </p:sp>
+    </p:spTree>
+    <p:extLst>
+      <p:ext uri="{BB962C8B-B14F-4D97-AF65-F5344CB8AC3E}">
+        <p14:creationId xmlns:p14="http://schemas.microsoft.com/office/powerpoint/2010/main" val="3384710803"/>
+      </p:ext>
+    </p:extLst>
+  </p:cSld>
+  <p:clrMapOvr>
+    <a:masterClrMapping/>
+  </p:clrMapOvr>
+</p:sld>
+</file>
+
+<file path=ppt/slides/slide4.xml><?xml version="1.0" encoding="utf-8"?>
+<p:sld xmlns:a="http://schemas.openxmlformats.org/drawingml/2006/main" xmlns:r="http://schemas.openxmlformats.org/officeDocument/2006/relationships" xmlns:p="http://schemas.openxmlformats.org/presentationml/2006/main">
+  <p:cSld>
+    <p:spTree>
+      <p:nvGrpSpPr>
+        <p:cNvPr id="1" name=""/>
+        <p:cNvGrpSpPr/>
+        <p:nvPr/>
+      </p:nvGrpSpPr>
+      <p:grpSpPr>
+        <a:xfrm>
+          <a:off x="0" y="0"/>
+          <a:ext cx="0" cy="0"/>
+          <a:chOff x="0" y="0"/>
+          <a:chExt cx="0" cy="0"/>
+        </a:xfrm>
+      </p:grpSpPr>
+      <p:sp>
+        <p:nvSpPr>
+          <p:cNvPr id="2" name="Title 1">
+            <a:extLst>
+              <a:ext uri="{FF2B5EF4-FFF2-40B4-BE49-F238E27FC236}">
+                <a16:creationId xmlns:a16="http://schemas.microsoft.com/office/drawing/2014/main" id="{C88ACAA7-E1B6-4B31-AE9A-9EEDA0FEE539}"/>
+              </a:ext>
+            </a:extLst>
+          </p:cNvPr>
+          <p:cNvSpPr>
+            <a:spLocks noGrp="1"/>
+          </p:cNvSpPr>
+          <p:nvPr>
+            <p:ph type="title"/>
+          </p:nvPr>
+        </p:nvSpPr>
         <p:spPr>
           <a:xfrm>
             <a:off x="838200" y="277351"/>
@@ -3999,7 +4171,7 @@
         </p:blipFill>
         <p:spPr>
           <a:xfrm>
-            <a:off x="463614" y="3083280"/>
+            <a:off x="506508" y="2495913"/>
             <a:ext cx="5075077" cy="2349761"/>
           </a:xfrm>
           <a:prstGeom prst="rect">
@@ -4073,8 +4245,8 @@
         </p:nvSpPr>
         <p:spPr>
           <a:xfrm>
-            <a:off x="3230542" y="774488"/>
-            <a:ext cx="5391239" cy="1046440"/>
+            <a:off x="3211688" y="424258"/>
+            <a:ext cx="5391239" cy="2000548"/>
           </a:xfrm>
           <a:prstGeom prst="rect">
             <a:avLst/>
@@ -4097,6 +4269,16 @@
               </a:rPr>
               <a:t>Development Tools</a:t>
             </a:r>
+          </a:p>
+          <a:p>
+            <a:pPr algn="ctr"/>
+            <a:r>
+              <a:rPr lang="en-US" sz="4400" dirty="0"/>
+              <a:t>MEVN</a:t>
+            </a:r>
+            <a:br>
+              <a:rPr lang="en-US" dirty="0"/>
+            </a:br>
             <a:endParaRPr lang="en-US" b="1" dirty="0"/>
           </a:p>
           <a:p>
@@ -4133,7 +4315,7 @@
         </p:blipFill>
         <p:spPr bwMode="auto">
           <a:xfrm>
-            <a:off x="6918857" y="3137876"/>
+            <a:off x="6499675" y="2642820"/>
             <a:ext cx="4434943" cy="2240570"/>
           </a:xfrm>
           <a:prstGeom prst="rect">
@@ -4258,7 +4440,7 @@
     </p:spTree>
     <p:extLst>
       <p:ext uri="{BB962C8B-B14F-4D97-AF65-F5344CB8AC3E}">
-        <p14:creationId xmlns:p14="http://schemas.microsoft.com/office/powerpoint/2010/main" val="3384710803"/>
+        <p14:creationId xmlns:p14="http://schemas.microsoft.com/office/powerpoint/2010/main" val="4235924526"/>
       </p:ext>
     </p:extLst>
   </p:cSld>
@@ -4268,17 +4450,9 @@
 </p:sld>
 </file>
 
-<file path=ppt/slides/slide4.xml><?xml version="1.0" encoding="utf-8"?>
+<file path=ppt/slides/slide5.xml><?xml version="1.0" encoding="utf-8"?>
 <p:sld xmlns:a="http://schemas.openxmlformats.org/drawingml/2006/main" xmlns:r="http://schemas.openxmlformats.org/officeDocument/2006/relationships" xmlns:p="http://schemas.openxmlformats.org/presentationml/2006/main">
   <p:cSld>
-    <p:bg>
-      <p:bgPr>
-        <a:solidFill>
-          <a:srgbClr val="CDD3CE"/>
-        </a:solidFill>
-        <a:effectLst/>
-      </p:bgPr>
-    </p:bg>
     <p:spTree>
       <p:nvGrpSpPr>
         <p:cNvPr id="1" name=""/>
@@ -4311,8 +4485,8 @@
         </p:nvSpPr>
         <p:spPr>
           <a:xfrm>
-            <a:off x="414779" y="94268"/>
-            <a:ext cx="2963162" cy="3148553"/>
+            <a:off x="414778" y="94269"/>
+            <a:ext cx="3494491" cy="1667420"/>
           </a:xfrm>
           <a:noFill/>
           <a:ln>
@@ -4321,7 +4495,7 @@
         </p:spPr>
         <p:txBody>
           <a:bodyPr>
-            <a:normAutofit/>
+            <a:normAutofit fontScale="90000"/>
           </a:bodyPr>
           <a:lstStyle/>
           <a:p>
@@ -4365,7 +4539,7 @@
         </p:blipFill>
         <p:spPr>
           <a:xfrm>
-            <a:off x="4032119" y="1084082"/>
+            <a:off x="2806225" y="1283514"/>
             <a:ext cx="7270620" cy="5352814"/>
           </a:xfrm>
         </p:spPr>
@@ -4373,7 +4547,7 @@
     </p:spTree>
     <p:extLst>
       <p:ext uri="{BB962C8B-B14F-4D97-AF65-F5344CB8AC3E}">
-        <p14:creationId xmlns:p14="http://schemas.microsoft.com/office/powerpoint/2010/main" val="3169477491"/>
+        <p14:creationId xmlns:p14="http://schemas.microsoft.com/office/powerpoint/2010/main" val="4024830189"/>
       </p:ext>
     </p:extLst>
   </p:cSld>
@@ -4383,17 +4557,9 @@
 </p:sld>
 </file>
 
-<file path=ppt/slides/slide5.xml><?xml version="1.0" encoding="utf-8"?>
+<file path=ppt/slides/slide6.xml><?xml version="1.0" encoding="utf-8"?>
 <p:sld xmlns:a="http://schemas.openxmlformats.org/drawingml/2006/main" xmlns:r="http://schemas.openxmlformats.org/officeDocument/2006/relationships" xmlns:p="http://schemas.openxmlformats.org/presentationml/2006/main">
   <p:cSld>
-    <p:bg>
-      <p:bgPr>
-        <a:solidFill>
-          <a:srgbClr val="DEE5E5"/>
-        </a:solidFill>
-        <a:effectLst/>
-      </p:bgPr>
-    </p:bg>
     <p:spTree>
       <p:nvGrpSpPr>
         <p:cNvPr id="1" name=""/>
@@ -4446,7 +4612,7 @@
                 <a:latin typeface="Roboto" pitchFamily="2" charset="0"/>
                 <a:ea typeface="Roboto" pitchFamily="2" charset="0"/>
               </a:rPr>
-              <a:t>ERD Diagram </a:t>
+              <a:t>ER Diagram </a:t>
             </a:r>
           </a:p>
         </p:txBody>
@@ -4486,7 +4652,466 @@
     </p:spTree>
     <p:extLst>
       <p:ext uri="{BB962C8B-B14F-4D97-AF65-F5344CB8AC3E}">
-        <p14:creationId xmlns:p14="http://schemas.microsoft.com/office/powerpoint/2010/main" val="1905580947"/>
+        <p14:creationId xmlns:p14="http://schemas.microsoft.com/office/powerpoint/2010/main" val="4168088181"/>
+      </p:ext>
+    </p:extLst>
+  </p:cSld>
+  <p:clrMapOvr>
+    <a:masterClrMapping/>
+  </p:clrMapOvr>
+</p:sld>
+</file>
+
+<file path=ppt/slides/slide7.xml><?xml version="1.0" encoding="utf-8"?>
+<p:sld xmlns:a="http://schemas.openxmlformats.org/drawingml/2006/main" xmlns:r="http://schemas.openxmlformats.org/officeDocument/2006/relationships" xmlns:p="http://schemas.openxmlformats.org/presentationml/2006/main">
+  <p:cSld>
+    <p:spTree>
+      <p:nvGrpSpPr>
+        <p:cNvPr id="1" name=""/>
+        <p:cNvGrpSpPr/>
+        <p:nvPr/>
+      </p:nvGrpSpPr>
+      <p:grpSpPr>
+        <a:xfrm>
+          <a:off x="0" y="0"/>
+          <a:ext cx="0" cy="0"/>
+          <a:chOff x="0" y="0"/>
+          <a:chExt cx="0" cy="0"/>
+        </a:xfrm>
+      </p:grpSpPr>
+      <p:sp>
+        <p:nvSpPr>
+          <p:cNvPr id="2" name="Title 1"/>
+          <p:cNvSpPr>
+            <a:spLocks noGrp="1"/>
+          </p:cNvSpPr>
+          <p:nvPr>
+            <p:ph type="title"/>
+          </p:nvPr>
+        </p:nvSpPr>
+        <p:spPr>
+          <a:xfrm>
+            <a:off x="838200" y="365125"/>
+            <a:ext cx="5181600" cy="1325563"/>
+          </a:xfrm>
+        </p:spPr>
+        <p:txBody>
+          <a:bodyPr/>
+          <a:lstStyle/>
+          <a:p>
+            <a:r>
+              <a:rPr lang="en-US" dirty="0"/>
+              <a:t>GITHUB/HEROKU</a:t>
+            </a:r>
+          </a:p>
+        </p:txBody>
+      </p:sp>
+      <p:sp>
+        <p:nvSpPr>
+          <p:cNvPr id="3" name="Content Placeholder 2"/>
+          <p:cNvSpPr>
+            <a:spLocks noGrp="1"/>
+          </p:cNvSpPr>
+          <p:nvPr>
+            <p:ph sz="half" idx="1"/>
+          </p:nvPr>
+        </p:nvSpPr>
+        <p:spPr/>
+        <p:txBody>
+          <a:bodyPr>
+            <a:normAutofit/>
+          </a:bodyPr>
+          <a:lstStyle/>
+          <a:p>
+            <a:r>
+              <a:rPr lang="en-US" dirty="0"/>
+              <a:t>Locked down master branch on </a:t>
+            </a:r>
+            <a:r>
+              <a:rPr lang="en-US" dirty="0" err="1"/>
+              <a:t>Github</a:t>
+            </a:r>
+            <a:r>
+              <a:rPr lang="en-US" dirty="0"/>
+              <a:t> PR until review</a:t>
+            </a:r>
+          </a:p>
+          <a:p>
+            <a:r>
+              <a:rPr lang="en-US" dirty="0"/>
+              <a:t>On merge, </a:t>
+            </a:r>
+            <a:r>
+              <a:rPr lang="en-US" dirty="0" err="1"/>
+              <a:t>Heroku</a:t>
+            </a:r>
+            <a:r>
+              <a:rPr lang="en-US" dirty="0"/>
+              <a:t> builds and deploys from master.</a:t>
+            </a:r>
+          </a:p>
+          <a:p>
+            <a:r>
+              <a:rPr lang="en-US" dirty="0" err="1"/>
+              <a:t>Github</a:t>
+            </a:r>
+            <a:r>
+              <a:rPr lang="en-US" dirty="0"/>
+              <a:t>/discord</a:t>
+            </a:r>
+          </a:p>
+          <a:p>
+            <a:endParaRPr lang="en-US" dirty="0"/>
+          </a:p>
+          <a:p>
+            <a:endParaRPr lang="en-US" dirty="0"/>
+          </a:p>
+        </p:txBody>
+      </p:sp>
+      <p:sp>
+        <p:nvSpPr>
+          <p:cNvPr id="4" name="Content Placeholder 3"/>
+          <p:cNvSpPr>
+            <a:spLocks noGrp="1"/>
+          </p:cNvSpPr>
+          <p:nvPr>
+            <p:ph sz="half" idx="2"/>
+          </p:nvPr>
+        </p:nvSpPr>
+        <p:spPr/>
+        <p:txBody>
+          <a:bodyPr>
+            <a:normAutofit/>
+          </a:bodyPr>
+          <a:lstStyle/>
+          <a:p>
+            <a:r>
+              <a:rPr lang="en-US" dirty="0"/>
+              <a:t>Easy to collaborate, consistent development</a:t>
+            </a:r>
+          </a:p>
+          <a:p>
+            <a:r>
+              <a:rPr lang="en-US" dirty="0"/>
+              <a:t>Dev environment same as prod environment </a:t>
+            </a:r>
+          </a:p>
+          <a:p>
+            <a:endParaRPr lang="en-US" dirty="0"/>
+          </a:p>
+        </p:txBody>
+      </p:sp>
+      <p:sp>
+        <p:nvSpPr>
+          <p:cNvPr id="5" name="Title 1"/>
+          <p:cNvSpPr txBox="1">
+            <a:spLocks/>
+          </p:cNvSpPr>
+          <p:nvPr/>
+        </p:nvSpPr>
+        <p:spPr>
+          <a:xfrm>
+            <a:off x="6172200" y="228767"/>
+            <a:ext cx="5181600" cy="1325563"/>
+          </a:xfrm>
+          <a:prstGeom prst="rect">
+            <a:avLst/>
+          </a:prstGeom>
+        </p:spPr>
+        <p:txBody>
+          <a:bodyPr vert="horz" lIns="91440" tIns="45720" rIns="91440" bIns="45720" rtlCol="0" anchor="ctr">
+            <a:normAutofit/>
+          </a:bodyPr>
+          <a:lstStyle>
+            <a:lvl1pPr algn="l" defTabSz="914400" rtl="0" eaLnBrk="1" latinLnBrk="0" hangingPunct="1">
+              <a:lnSpc>
+                <a:spcPct val="90000"/>
+              </a:lnSpc>
+              <a:spcBef>
+                <a:spcPct val="0"/>
+              </a:spcBef>
+              <a:buNone/>
+              <a:defRPr sz="4400" kern="1200">
+                <a:solidFill>
+                  <a:schemeClr val="tx1"/>
+                </a:solidFill>
+                <a:latin typeface="+mj-lt"/>
+                <a:ea typeface="+mj-ea"/>
+                <a:cs typeface="+mj-cs"/>
+              </a:defRPr>
+            </a:lvl1pPr>
+          </a:lstStyle>
+          <a:p>
+            <a:r>
+              <a:rPr lang="en-US" dirty="0"/>
+              <a:t>C9</a:t>
+            </a:r>
+          </a:p>
+        </p:txBody>
+      </p:sp>
+    </p:spTree>
+    <p:extLst>
+      <p:ext uri="{BB962C8B-B14F-4D97-AF65-F5344CB8AC3E}">
+        <p14:creationId xmlns:p14="http://schemas.microsoft.com/office/powerpoint/2010/main" val="257506578"/>
+      </p:ext>
+    </p:extLst>
+  </p:cSld>
+  <p:clrMapOvr>
+    <a:masterClrMapping/>
+  </p:clrMapOvr>
+</p:sld>
+</file>
+
+<file path=ppt/slides/slide8.xml><?xml version="1.0" encoding="utf-8"?>
+<p:sld xmlns:a="http://schemas.openxmlformats.org/drawingml/2006/main" xmlns:r="http://schemas.openxmlformats.org/officeDocument/2006/relationships" xmlns:p="http://schemas.openxmlformats.org/presentationml/2006/main">
+  <p:cSld>
+    <p:spTree>
+      <p:nvGrpSpPr>
+        <p:cNvPr id="1" name=""/>
+        <p:cNvGrpSpPr/>
+        <p:nvPr/>
+      </p:nvGrpSpPr>
+      <p:grpSpPr>
+        <a:xfrm>
+          <a:off x="0" y="0"/>
+          <a:ext cx="0" cy="0"/>
+          <a:chOff x="0" y="0"/>
+          <a:chExt cx="0" cy="0"/>
+        </a:xfrm>
+      </p:grpSpPr>
+      <p:sp>
+        <p:nvSpPr>
+          <p:cNvPr id="2" name="Title 1"/>
+          <p:cNvSpPr>
+            <a:spLocks noGrp="1"/>
+          </p:cNvSpPr>
+          <p:nvPr>
+            <p:ph type="title"/>
+          </p:nvPr>
+        </p:nvSpPr>
+        <p:spPr/>
+        <p:txBody>
+          <a:bodyPr/>
+          <a:lstStyle/>
+          <a:p>
+            <a:r>
+              <a:rPr lang="en-US" dirty="0"/>
+              <a:t>Agile</a:t>
+            </a:r>
+          </a:p>
+        </p:txBody>
+      </p:sp>
+      <p:pic>
+        <p:nvPicPr>
+          <p:cNvPr id="5" name="Content Placeholder 4">
+            <a:extLst>
+              <a:ext uri="{FF2B5EF4-FFF2-40B4-BE49-F238E27FC236}">
+                <a16:creationId xmlns:a16="http://schemas.microsoft.com/office/drawing/2014/main" id="{CECF61FF-ABDE-4338-8F2B-FF8E1DD92B80}"/>
+              </a:ext>
+            </a:extLst>
+          </p:cNvPr>
+          <p:cNvPicPr>
+            <a:picLocks noGrp="1" noChangeAspect="1"/>
+          </p:cNvPicPr>
+          <p:nvPr>
+            <p:ph idx="1"/>
+          </p:nvPr>
+        </p:nvPicPr>
+        <p:blipFill rotWithShape="1">
+          <a:blip r:embed="rId2">
+            <a:extLst>
+              <a:ext uri="{28A0092B-C50C-407E-A947-70E740481C1C}">
+                <a14:useLocalDpi xmlns:a14="http://schemas.microsoft.com/office/drawing/2010/main" val="0"/>
+              </a:ext>
+            </a:extLst>
+          </a:blip>
+          <a:srcRect r="2873" b="41979"/>
+          <a:stretch/>
+        </p:blipFill>
+        <p:spPr>
+          <a:xfrm>
+            <a:off x="5086927" y="1336097"/>
+            <a:ext cx="6449291" cy="4915868"/>
+          </a:xfrm>
+        </p:spPr>
+      </p:pic>
+      <p:sp>
+        <p:nvSpPr>
+          <p:cNvPr id="6" name="TextBox 5">
+            <a:extLst>
+              <a:ext uri="{FF2B5EF4-FFF2-40B4-BE49-F238E27FC236}">
+                <a16:creationId xmlns:a16="http://schemas.microsoft.com/office/drawing/2014/main" id="{0B401F98-AE00-4A78-B232-6200A17F5295}"/>
+              </a:ext>
+            </a:extLst>
+          </p:cNvPr>
+          <p:cNvSpPr txBox="1"/>
+          <p:nvPr/>
+        </p:nvSpPr>
+        <p:spPr>
+          <a:xfrm>
+            <a:off x="268448" y="1409350"/>
+            <a:ext cx="4546833" cy="1477328"/>
+          </a:xfrm>
+          <a:prstGeom prst="rect">
+            <a:avLst/>
+          </a:prstGeom>
+          <a:noFill/>
+        </p:spPr>
+        <p:txBody>
+          <a:bodyPr wrap="square" rtlCol="0">
+            <a:spAutoFit/>
+          </a:bodyPr>
+          <a:lstStyle/>
+          <a:p>
+            <a:pPr marL="285750" indent="-285750">
+              <a:buFont typeface="Arial" panose="020B0604020202020204" pitchFamily="34" charset="0"/>
+              <a:buChar char="•"/>
+            </a:pPr>
+            <a:r>
+              <a:rPr lang="en-US" dirty="0"/>
+              <a:t>Daily standups</a:t>
+            </a:r>
+          </a:p>
+          <a:p>
+            <a:pPr marL="285750" indent="-285750">
+              <a:buFont typeface="Arial" panose="020B0604020202020204" pitchFamily="34" charset="0"/>
+              <a:buChar char="•"/>
+            </a:pPr>
+            <a:r>
+              <a:rPr lang="en-US" dirty="0"/>
+              <a:t>Pair programming</a:t>
+            </a:r>
+          </a:p>
+          <a:p>
+            <a:pPr marL="285750" indent="-285750">
+              <a:buFont typeface="Arial" panose="020B0604020202020204" pitchFamily="34" charset="0"/>
+              <a:buChar char="•"/>
+            </a:pPr>
+            <a:r>
+              <a:rPr lang="en-US" dirty="0"/>
+              <a:t>Constant communication</a:t>
+            </a:r>
+          </a:p>
+          <a:p>
+            <a:pPr marL="285750" indent="-285750">
+              <a:buFont typeface="Arial" panose="020B0604020202020204" pitchFamily="34" charset="0"/>
+              <a:buChar char="•"/>
+            </a:pPr>
+            <a:r>
+              <a:rPr lang="en-US" dirty="0"/>
+              <a:t>Easy to pivot to changing requirements, tasking</a:t>
+            </a:r>
+          </a:p>
+        </p:txBody>
+      </p:sp>
+    </p:spTree>
+    <p:extLst>
+      <p:ext uri="{BB962C8B-B14F-4D97-AF65-F5344CB8AC3E}">
+        <p14:creationId xmlns:p14="http://schemas.microsoft.com/office/powerpoint/2010/main" val="1019688636"/>
+      </p:ext>
+    </p:extLst>
+  </p:cSld>
+  <p:clrMapOvr>
+    <a:masterClrMapping/>
+  </p:clrMapOvr>
+</p:sld>
+</file>
+
+<file path=ppt/slides/slide9.xml><?xml version="1.0" encoding="utf-8"?>
+<p:sld xmlns:a="http://schemas.openxmlformats.org/drawingml/2006/main" xmlns:r="http://schemas.openxmlformats.org/officeDocument/2006/relationships" xmlns:p="http://schemas.openxmlformats.org/presentationml/2006/main">
+  <p:cSld>
+    <p:spTree>
+      <p:nvGrpSpPr>
+        <p:cNvPr id="1" name=""/>
+        <p:cNvGrpSpPr/>
+        <p:nvPr/>
+      </p:nvGrpSpPr>
+      <p:grpSpPr>
+        <a:xfrm>
+          <a:off x="0" y="0"/>
+          <a:ext cx="0" cy="0"/>
+          <a:chOff x="0" y="0"/>
+          <a:chExt cx="0" cy="0"/>
+        </a:xfrm>
+      </p:grpSpPr>
+      <p:sp>
+        <p:nvSpPr>
+          <p:cNvPr id="2" name="Title 1"/>
+          <p:cNvSpPr>
+            <a:spLocks noGrp="1"/>
+          </p:cNvSpPr>
+          <p:nvPr>
+            <p:ph type="title"/>
+          </p:nvPr>
+        </p:nvSpPr>
+        <p:spPr/>
+        <p:txBody>
+          <a:bodyPr/>
+          <a:lstStyle/>
+          <a:p>
+            <a:r>
+              <a:rPr lang="en-US" dirty="0"/>
+              <a:t>PROS/CONS</a:t>
+            </a:r>
+          </a:p>
+        </p:txBody>
+      </p:sp>
+      <p:sp>
+        <p:nvSpPr>
+          <p:cNvPr id="3" name="Content Placeholder 2"/>
+          <p:cNvSpPr>
+            <a:spLocks noGrp="1"/>
+          </p:cNvSpPr>
+          <p:nvPr>
+            <p:ph idx="1"/>
+          </p:nvPr>
+        </p:nvSpPr>
+        <p:spPr/>
+        <p:txBody>
+          <a:bodyPr/>
+          <a:lstStyle/>
+          <a:p>
+            <a:r>
+              <a:rPr lang="en-US" dirty="0"/>
+              <a:t>P: Personalities didn’t clash, so melded together</a:t>
+            </a:r>
+          </a:p>
+          <a:p>
+            <a:r>
+              <a:rPr lang="en-US" dirty="0"/>
+              <a:t>P: Willingness</a:t>
+            </a:r>
+          </a:p>
+          <a:p>
+            <a:r>
+              <a:rPr lang="en-US" dirty="0"/>
+              <a:t>P: Quick pickup</a:t>
+            </a:r>
+          </a:p>
+          <a:p>
+            <a:r>
+              <a:rPr lang="en-US" dirty="0"/>
+              <a:t>P: Organization</a:t>
+            </a:r>
+          </a:p>
+          <a:p>
+            <a:r>
+              <a:rPr lang="en-US" dirty="0"/>
+              <a:t>C: too proactive</a:t>
+            </a:r>
+          </a:p>
+          <a:p>
+            <a:r>
+              <a:rPr lang="en-US" dirty="0"/>
+              <a:t>Scheduling Conflicts</a:t>
+            </a:r>
+          </a:p>
+        </p:txBody>
+      </p:sp>
+    </p:spTree>
+    <p:extLst>
+      <p:ext uri="{BB962C8B-B14F-4D97-AF65-F5344CB8AC3E}">
+        <p14:creationId xmlns:p14="http://schemas.microsoft.com/office/powerpoint/2010/main" val="1637407260"/>
       </p:ext>
     </p:extLst>
   </p:cSld>

--- a/ContactManager.pptx
+++ b/ContactManager.pptx
@@ -7,14 +7,14 @@
   <p:sldIdLst>
     <p:sldId id="256" r:id="rId2"/>
     <p:sldId id="257" r:id="rId3"/>
-    <p:sldId id="264" r:id="rId4"/>
-    <p:sldId id="272" r:id="rId5"/>
-    <p:sldId id="270" r:id="rId6"/>
-    <p:sldId id="271" r:id="rId7"/>
-    <p:sldId id="268" r:id="rId8"/>
-    <p:sldId id="274" r:id="rId9"/>
-    <p:sldId id="269" r:id="rId10"/>
-    <p:sldId id="261" r:id="rId11"/>
+    <p:sldId id="270" r:id="rId4"/>
+    <p:sldId id="271" r:id="rId5"/>
+    <p:sldId id="272" r:id="rId6"/>
+    <p:sldId id="268" r:id="rId7"/>
+    <p:sldId id="274" r:id="rId8"/>
+    <p:sldId id="269" r:id="rId9"/>
+    <p:sldId id="261" r:id="rId10"/>
+    <p:sldId id="264" r:id="rId11"/>
   </p:sldIdLst>
   <p:sldSz cx="12192000" cy="6858000"/>
   <p:notesSz cx="6858000" cy="9144000"/>
@@ -3432,7 +3432,7 @@
     <p:bg>
       <p:bgPr>
         <a:solidFill>
-          <a:srgbClr val="CDD3CE"/>
+          <a:srgbClr val="555B6E"/>
         </a:solidFill>
         <a:effectLst/>
       </p:bgPr>
@@ -3456,7 +3456,7 @@
           <p:cNvPr id="2" name="Title 1">
             <a:extLst>
               <a:ext uri="{FF2B5EF4-FFF2-40B4-BE49-F238E27FC236}">
-                <a16:creationId xmlns:a16="http://schemas.microsoft.com/office/drawing/2014/main" id="{527050ED-69AB-4EBE-A2BA-44ED368B8B49}"/>
+                <a16:creationId xmlns:a16="http://schemas.microsoft.com/office/drawing/2014/main" id="{C88ACAA7-E1B6-4B31-AE9A-9EEDA0FEE539}"/>
               </a:ext>
             </a:extLst>
           </p:cNvPr>
@@ -3475,11 +3475,17 @@
             <a:r>
               <a:rPr lang="en-US" b="1" dirty="0">
                 <a:solidFill>
-                  <a:srgbClr val="696D7D"/>
+                  <a:schemeClr val="bg1"/>
                 </a:solidFill>
+                <a:latin typeface="Roboto" pitchFamily="2" charset="0"/>
+                <a:ea typeface="Roboto" pitchFamily="2" charset="0"/>
               </a:rPr>
-              <a:t>Important Stuff</a:t>
-            </a:r>
+              <a:t>What’s Coma / how it was developed </a:t>
+            </a:r>
+            <a:endParaRPr lang="en-US" b="1" dirty="0">
+              <a:latin typeface="Roboto" pitchFamily="2" charset="0"/>
+              <a:ea typeface="Roboto" pitchFamily="2" charset="0"/>
+            </a:endParaRPr>
           </a:p>
         </p:txBody>
       </p:sp>
@@ -3488,7 +3494,7 @@
           <p:cNvPr id="3" name="Content Placeholder 2">
             <a:extLst>
               <a:ext uri="{FF2B5EF4-FFF2-40B4-BE49-F238E27FC236}">
-                <a16:creationId xmlns:a16="http://schemas.microsoft.com/office/drawing/2014/main" id="{030A935D-BE8F-4046-BD1F-539C1702ABED}"/>
+                <a16:creationId xmlns:a16="http://schemas.microsoft.com/office/drawing/2014/main" id="{900C3481-B50A-4157-86DA-8359ECE9715F}"/>
               </a:ext>
             </a:extLst>
           </p:cNvPr>
@@ -3511,7 +3517,7 @@
     </p:spTree>
     <p:extLst>
       <p:ext uri="{BB962C8B-B14F-4D97-AF65-F5344CB8AC3E}">
-        <p14:creationId xmlns:p14="http://schemas.microsoft.com/office/powerpoint/2010/main" val="3169477491"/>
+        <p14:creationId xmlns:p14="http://schemas.microsoft.com/office/powerpoint/2010/main" val="3384710803"/>
       </p:ext>
     </p:extLst>
   </p:cSld>
@@ -3989,14 +3995,6 @@
 <file path=ppt/slides/slide3.xml><?xml version="1.0" encoding="utf-8"?>
 <p:sld xmlns:a="http://schemas.openxmlformats.org/drawingml/2006/main" xmlns:r="http://schemas.openxmlformats.org/officeDocument/2006/relationships" xmlns:p="http://schemas.openxmlformats.org/presentationml/2006/main">
   <p:cSld>
-    <p:bg>
-      <p:bgPr>
-        <a:solidFill>
-          <a:srgbClr val="555B6E"/>
-        </a:solidFill>
-        <a:effectLst/>
-      </p:bgPr>
-    </p:bg>
     <p:spTree>
       <p:nvGrpSpPr>
         <p:cNvPr id="1" name=""/>
@@ -4016,7 +4014,7 @@
           <p:cNvPr id="2" name="Title 1">
             <a:extLst>
               <a:ext uri="{FF2B5EF4-FFF2-40B4-BE49-F238E27FC236}">
-                <a16:creationId xmlns:a16="http://schemas.microsoft.com/office/drawing/2014/main" id="{C88ACAA7-E1B6-4B31-AE9A-9EEDA0FEE539}"/>
+                <a16:creationId xmlns:a16="http://schemas.microsoft.com/office/drawing/2014/main" id="{527050ED-69AB-4EBE-A2BA-44ED368B8B49}"/>
               </a:ext>
             </a:extLst>
           </p:cNvPr>
@@ -4027,57 +4025,71 @@
             <p:ph type="title"/>
           </p:nvPr>
         </p:nvSpPr>
-        <p:spPr/>
-        <p:txBody>
-          <a:bodyPr/>
-          <a:lstStyle/>
-          <a:p>
-            <a:r>
-              <a:rPr lang="en-US" b="1" dirty="0">
+        <p:spPr>
+          <a:xfrm>
+            <a:off x="414778" y="94269"/>
+            <a:ext cx="3494491" cy="1667420"/>
+          </a:xfrm>
+          <a:noFill/>
+          <a:ln>
+            <a:noFill/>
+          </a:ln>
+        </p:spPr>
+        <p:txBody>
+          <a:bodyPr>
+            <a:normAutofit fontScale="90000"/>
+          </a:bodyPr>
+          <a:lstStyle/>
+          <a:p>
+            <a:r>
+              <a:rPr lang="en-US" sz="6600" b="1" dirty="0">
                 <a:solidFill>
-                  <a:schemeClr val="bg1"/>
+                  <a:srgbClr val="696D7D"/>
                 </a:solidFill>
-                <a:latin typeface="Roboto" pitchFamily="2" charset="0"/>
-                <a:ea typeface="Roboto" pitchFamily="2" charset="0"/>
               </a:rPr>
-              <a:t>What’s Coma / how it was developed </a:t>
-            </a:r>
-            <a:endParaRPr lang="en-US" b="1" dirty="0">
-              <a:latin typeface="Roboto" pitchFamily="2" charset="0"/>
-              <a:ea typeface="Roboto" pitchFamily="2" charset="0"/>
-            </a:endParaRPr>
-          </a:p>
-        </p:txBody>
-      </p:sp>
-      <p:sp>
-        <p:nvSpPr>
-          <p:cNvPr id="3" name="Content Placeholder 2">
-            <a:extLst>
-              <a:ext uri="{FF2B5EF4-FFF2-40B4-BE49-F238E27FC236}">
-                <a16:creationId xmlns:a16="http://schemas.microsoft.com/office/drawing/2014/main" id="{900C3481-B50A-4157-86DA-8359ECE9715F}"/>
-              </a:ext>
-            </a:extLst>
-          </p:cNvPr>
-          <p:cNvSpPr>
-            <a:spLocks noGrp="1"/>
-          </p:cNvSpPr>
+              <a:t>Use Case Diagram</a:t>
+            </a:r>
+          </a:p>
+        </p:txBody>
+      </p:sp>
+      <p:pic>
+        <p:nvPicPr>
+          <p:cNvPr id="5" name="Content Placeholder 12">
+            <a:extLst>
+              <a:ext uri="{FF2B5EF4-FFF2-40B4-BE49-F238E27FC236}">
+                <a16:creationId xmlns:a16="http://schemas.microsoft.com/office/drawing/2014/main" id="{31C1286E-7A49-44DA-A0F4-DAC0B2301DCF}"/>
+              </a:ext>
+            </a:extLst>
+          </p:cNvPr>
+          <p:cNvPicPr>
+            <a:picLocks noGrp="1" noChangeAspect="1"/>
+          </p:cNvPicPr>
           <p:nvPr>
             <p:ph idx="1"/>
           </p:nvPr>
-        </p:nvSpPr>
-        <p:spPr/>
-        <p:txBody>
-          <a:bodyPr/>
-          <a:lstStyle/>
-          <a:p>
-            <a:endParaRPr lang="en-US" dirty="0"/>
-          </a:p>
-        </p:txBody>
-      </p:sp>
+        </p:nvPicPr>
+        <p:blipFill rotWithShape="1">
+          <a:blip r:embed="rId2">
+            <a:extLst>
+              <a:ext uri="{28A0092B-C50C-407E-A947-70E740481C1C}">
+                <a14:useLocalDpi xmlns:a14="http://schemas.microsoft.com/office/drawing/2010/main" val="0"/>
+              </a:ext>
+            </a:extLst>
+          </a:blip>
+          <a:srcRect t="11021"/>
+          <a:stretch/>
+        </p:blipFill>
+        <p:spPr>
+          <a:xfrm>
+            <a:off x="2806225" y="1283514"/>
+            <a:ext cx="7270620" cy="5352814"/>
+          </a:xfrm>
+        </p:spPr>
+      </p:pic>
     </p:spTree>
     <p:extLst>
       <p:ext uri="{BB962C8B-B14F-4D97-AF65-F5344CB8AC3E}">
-        <p14:creationId xmlns:p14="http://schemas.microsoft.com/office/powerpoint/2010/main" val="3384710803"/>
+        <p14:creationId xmlns:p14="http://schemas.microsoft.com/office/powerpoint/2010/main" val="4024830189"/>
       </p:ext>
     </p:extLst>
   </p:cSld>
@@ -4088,6 +4100,111 @@
 </file>
 
 <file path=ppt/slides/slide4.xml><?xml version="1.0" encoding="utf-8"?>
+<p:sld xmlns:a="http://schemas.openxmlformats.org/drawingml/2006/main" xmlns:r="http://schemas.openxmlformats.org/officeDocument/2006/relationships" xmlns:p="http://schemas.openxmlformats.org/presentationml/2006/main">
+  <p:cSld>
+    <p:spTree>
+      <p:nvGrpSpPr>
+        <p:cNvPr id="1" name=""/>
+        <p:cNvGrpSpPr/>
+        <p:nvPr/>
+      </p:nvGrpSpPr>
+      <p:grpSpPr>
+        <a:xfrm>
+          <a:off x="0" y="0"/>
+          <a:ext cx="0" cy="0"/>
+          <a:chOff x="0" y="0"/>
+          <a:chExt cx="0" cy="0"/>
+        </a:xfrm>
+      </p:grpSpPr>
+      <p:sp>
+        <p:nvSpPr>
+          <p:cNvPr id="2" name="Title 1">
+            <a:extLst>
+              <a:ext uri="{FF2B5EF4-FFF2-40B4-BE49-F238E27FC236}">
+                <a16:creationId xmlns:a16="http://schemas.microsoft.com/office/drawing/2014/main" id="{BBF5EC6C-91B5-475D-8D66-227D0A38AC06}"/>
+              </a:ext>
+            </a:extLst>
+          </p:cNvPr>
+          <p:cNvSpPr>
+            <a:spLocks noGrp="1"/>
+          </p:cNvSpPr>
+          <p:nvPr>
+            <p:ph type="title"/>
+          </p:nvPr>
+        </p:nvSpPr>
+        <p:spPr>
+          <a:xfrm>
+            <a:off x="3214147" y="365125"/>
+            <a:ext cx="5763705" cy="1325563"/>
+          </a:xfrm>
+          <a:solidFill>
+            <a:srgbClr val="DEE5E5"/>
+          </a:solidFill>
+        </p:spPr>
+        <p:txBody>
+          <a:bodyPr/>
+          <a:lstStyle/>
+          <a:p>
+            <a:pPr algn="ctr"/>
+            <a:r>
+              <a:rPr lang="en-US" b="1" dirty="0">
+                <a:solidFill>
+                  <a:srgbClr val="696D7D"/>
+                </a:solidFill>
+                <a:latin typeface="Roboto" pitchFamily="2" charset="0"/>
+                <a:ea typeface="Roboto" pitchFamily="2" charset="0"/>
+              </a:rPr>
+              <a:t>ER Diagram </a:t>
+            </a:r>
+          </a:p>
+        </p:txBody>
+      </p:sp>
+      <p:pic>
+        <p:nvPicPr>
+          <p:cNvPr id="4" name="Content Placeholder 3">
+            <a:extLst>
+              <a:ext uri="{FF2B5EF4-FFF2-40B4-BE49-F238E27FC236}">
+                <a16:creationId xmlns:a16="http://schemas.microsoft.com/office/drawing/2014/main" id="{DC1D674F-C79A-4F65-A02C-EBFE1CD5CF2B}"/>
+              </a:ext>
+            </a:extLst>
+          </p:cNvPr>
+          <p:cNvPicPr>
+            <a:picLocks noGrp="1" noChangeAspect="1"/>
+          </p:cNvPicPr>
+          <p:nvPr>
+            <p:ph idx="1"/>
+          </p:nvPr>
+        </p:nvPicPr>
+        <p:blipFill>
+          <a:blip r:embed="rId2"/>
+          <a:stretch>
+            <a:fillRect/>
+          </a:stretch>
+        </p:blipFill>
+        <p:spPr>
+          <a:xfrm>
+            <a:off x="1463497" y="2163494"/>
+            <a:ext cx="8934268" cy="4329381"/>
+          </a:xfrm>
+          <a:prstGeom prst="rect">
+            <a:avLst/>
+          </a:prstGeom>
+        </p:spPr>
+      </p:pic>
+    </p:spTree>
+    <p:extLst>
+      <p:ext uri="{BB962C8B-B14F-4D97-AF65-F5344CB8AC3E}">
+        <p14:creationId xmlns:p14="http://schemas.microsoft.com/office/powerpoint/2010/main" val="4168088181"/>
+      </p:ext>
+    </p:extLst>
+  </p:cSld>
+  <p:clrMapOvr>
+    <a:masterClrMapping/>
+  </p:clrMapOvr>
+</p:sld>
+</file>
+
+<file path=ppt/slides/slide5.xml><?xml version="1.0" encoding="utf-8"?>
 <p:sld xmlns:a="http://schemas.openxmlformats.org/drawingml/2006/main" xmlns:r="http://schemas.openxmlformats.org/officeDocument/2006/relationships" xmlns:p="http://schemas.openxmlformats.org/presentationml/2006/main">
   <p:cSld>
     <p:spTree>
@@ -4450,113 +4567,6 @@
 </p:sld>
 </file>
 
-<file path=ppt/slides/slide5.xml><?xml version="1.0" encoding="utf-8"?>
-<p:sld xmlns:a="http://schemas.openxmlformats.org/drawingml/2006/main" xmlns:r="http://schemas.openxmlformats.org/officeDocument/2006/relationships" xmlns:p="http://schemas.openxmlformats.org/presentationml/2006/main">
-  <p:cSld>
-    <p:spTree>
-      <p:nvGrpSpPr>
-        <p:cNvPr id="1" name=""/>
-        <p:cNvGrpSpPr/>
-        <p:nvPr/>
-      </p:nvGrpSpPr>
-      <p:grpSpPr>
-        <a:xfrm>
-          <a:off x="0" y="0"/>
-          <a:ext cx="0" cy="0"/>
-          <a:chOff x="0" y="0"/>
-          <a:chExt cx="0" cy="0"/>
-        </a:xfrm>
-      </p:grpSpPr>
-      <p:sp>
-        <p:nvSpPr>
-          <p:cNvPr id="2" name="Title 1">
-            <a:extLst>
-              <a:ext uri="{FF2B5EF4-FFF2-40B4-BE49-F238E27FC236}">
-                <a16:creationId xmlns:a16="http://schemas.microsoft.com/office/drawing/2014/main" id="{527050ED-69AB-4EBE-A2BA-44ED368B8B49}"/>
-              </a:ext>
-            </a:extLst>
-          </p:cNvPr>
-          <p:cNvSpPr>
-            <a:spLocks noGrp="1"/>
-          </p:cNvSpPr>
-          <p:nvPr>
-            <p:ph type="title"/>
-          </p:nvPr>
-        </p:nvSpPr>
-        <p:spPr>
-          <a:xfrm>
-            <a:off x="414778" y="94269"/>
-            <a:ext cx="3494491" cy="1667420"/>
-          </a:xfrm>
-          <a:noFill/>
-          <a:ln>
-            <a:noFill/>
-          </a:ln>
-        </p:spPr>
-        <p:txBody>
-          <a:bodyPr>
-            <a:normAutofit fontScale="90000"/>
-          </a:bodyPr>
-          <a:lstStyle/>
-          <a:p>
-            <a:r>
-              <a:rPr lang="en-US" sz="6600" b="1" dirty="0">
-                <a:solidFill>
-                  <a:srgbClr val="696D7D"/>
-                </a:solidFill>
-              </a:rPr>
-              <a:t>Use Case Diagram</a:t>
-            </a:r>
-          </a:p>
-        </p:txBody>
-      </p:sp>
-      <p:pic>
-        <p:nvPicPr>
-          <p:cNvPr id="5" name="Content Placeholder 12">
-            <a:extLst>
-              <a:ext uri="{FF2B5EF4-FFF2-40B4-BE49-F238E27FC236}">
-                <a16:creationId xmlns:a16="http://schemas.microsoft.com/office/drawing/2014/main" id="{31C1286E-7A49-44DA-A0F4-DAC0B2301DCF}"/>
-              </a:ext>
-            </a:extLst>
-          </p:cNvPr>
-          <p:cNvPicPr>
-            <a:picLocks noGrp="1" noChangeAspect="1"/>
-          </p:cNvPicPr>
-          <p:nvPr>
-            <p:ph idx="1"/>
-          </p:nvPr>
-        </p:nvPicPr>
-        <p:blipFill rotWithShape="1">
-          <a:blip r:embed="rId2">
-            <a:extLst>
-              <a:ext uri="{28A0092B-C50C-407E-A947-70E740481C1C}">
-                <a14:useLocalDpi xmlns:a14="http://schemas.microsoft.com/office/drawing/2010/main" val="0"/>
-              </a:ext>
-            </a:extLst>
-          </a:blip>
-          <a:srcRect t="11021"/>
-          <a:stretch/>
-        </p:blipFill>
-        <p:spPr>
-          <a:xfrm>
-            <a:off x="2806225" y="1283514"/>
-            <a:ext cx="7270620" cy="5352814"/>
-          </a:xfrm>
-        </p:spPr>
-      </p:pic>
-    </p:spTree>
-    <p:extLst>
-      <p:ext uri="{BB962C8B-B14F-4D97-AF65-F5344CB8AC3E}">
-        <p14:creationId xmlns:p14="http://schemas.microsoft.com/office/powerpoint/2010/main" val="4024830189"/>
-      </p:ext>
-    </p:extLst>
-  </p:cSld>
-  <p:clrMapOvr>
-    <a:masterClrMapping/>
-  </p:clrMapOvr>
-</p:sld>
-</file>
-
 <file path=ppt/slides/slide6.xml><?xml version="1.0" encoding="utf-8"?>
 <p:sld xmlns:a="http://schemas.openxmlformats.org/drawingml/2006/main" xmlns:r="http://schemas.openxmlformats.org/officeDocument/2006/relationships" xmlns:p="http://schemas.openxmlformats.org/presentationml/2006/main">
   <p:cSld>
@@ -4576,13 +4586,7 @@
       </p:grpSpPr>
       <p:sp>
         <p:nvSpPr>
-          <p:cNvPr id="2" name="Title 1">
-            <a:extLst>
-              <a:ext uri="{FF2B5EF4-FFF2-40B4-BE49-F238E27FC236}">
-                <a16:creationId xmlns:a16="http://schemas.microsoft.com/office/drawing/2014/main" id="{BBF5EC6C-91B5-475D-8D66-227D0A38AC06}"/>
-              </a:ext>
-            </a:extLst>
-          </p:cNvPr>
+          <p:cNvPr id="2" name="Title 1"/>
           <p:cNvSpPr>
             <a:spLocks noGrp="1"/>
           </p:cNvSpPr>
@@ -4592,67 +4596,168 @@
         </p:nvSpPr>
         <p:spPr>
           <a:xfrm>
-            <a:off x="3214147" y="365125"/>
-            <a:ext cx="5763705" cy="1325563"/>
+            <a:off x="838200" y="365125"/>
+            <a:ext cx="5181600" cy="1325563"/>
           </a:xfrm>
-          <a:solidFill>
-            <a:srgbClr val="DEE5E5"/>
-          </a:solidFill>
         </p:spPr>
         <p:txBody>
           <a:bodyPr/>
           <a:lstStyle/>
           <a:p>
-            <a:pPr algn="ctr"/>
-            <a:r>
-              <a:rPr lang="en-US" b="1" dirty="0">
-                <a:solidFill>
-                  <a:srgbClr val="696D7D"/>
-                </a:solidFill>
-                <a:latin typeface="Roboto" pitchFamily="2" charset="0"/>
-                <a:ea typeface="Roboto" pitchFamily="2" charset="0"/>
-              </a:rPr>
-              <a:t>ER Diagram </a:t>
-            </a:r>
-          </a:p>
-        </p:txBody>
-      </p:sp>
-      <p:pic>
-        <p:nvPicPr>
-          <p:cNvPr id="4" name="Content Placeholder 3">
-            <a:extLst>
-              <a:ext uri="{FF2B5EF4-FFF2-40B4-BE49-F238E27FC236}">
-                <a16:creationId xmlns:a16="http://schemas.microsoft.com/office/drawing/2014/main" id="{DC1D674F-C79A-4F65-A02C-EBFE1CD5CF2B}"/>
-              </a:ext>
-            </a:extLst>
-          </p:cNvPr>
-          <p:cNvPicPr>
-            <a:picLocks noGrp="1" noChangeAspect="1"/>
-          </p:cNvPicPr>
-          <p:nvPr>
-            <p:ph idx="1"/>
-          </p:nvPr>
-        </p:nvPicPr>
-        <p:blipFill>
-          <a:blip r:embed="rId2"/>
-          <a:stretch>
-            <a:fillRect/>
-          </a:stretch>
-        </p:blipFill>
+            <a:r>
+              <a:rPr lang="en-US" dirty="0"/>
+              <a:t>GITHUB/HEROKU</a:t>
+            </a:r>
+          </a:p>
+        </p:txBody>
+      </p:sp>
+      <p:sp>
+        <p:nvSpPr>
+          <p:cNvPr id="3" name="Content Placeholder 2"/>
+          <p:cNvSpPr>
+            <a:spLocks noGrp="1"/>
+          </p:cNvSpPr>
+          <p:nvPr>
+            <p:ph sz="half" idx="1"/>
+          </p:nvPr>
+        </p:nvSpPr>
+        <p:spPr/>
+        <p:txBody>
+          <a:bodyPr>
+            <a:normAutofit/>
+          </a:bodyPr>
+          <a:lstStyle/>
+          <a:p>
+            <a:r>
+              <a:rPr lang="en-US" dirty="0"/>
+              <a:t>Locked down master branch on </a:t>
+            </a:r>
+            <a:r>
+              <a:rPr lang="en-US" dirty="0" err="1"/>
+              <a:t>Github</a:t>
+            </a:r>
+            <a:r>
+              <a:rPr lang="en-US" dirty="0"/>
+              <a:t> PR until review</a:t>
+            </a:r>
+          </a:p>
+          <a:p>
+            <a:r>
+              <a:rPr lang="en-US" dirty="0"/>
+              <a:t>On merge, </a:t>
+            </a:r>
+            <a:r>
+              <a:rPr lang="en-US" dirty="0" err="1"/>
+              <a:t>Heroku</a:t>
+            </a:r>
+            <a:r>
+              <a:rPr lang="en-US" dirty="0"/>
+              <a:t> builds and deploys from master.</a:t>
+            </a:r>
+          </a:p>
+          <a:p>
+            <a:r>
+              <a:rPr lang="en-US" dirty="0" err="1"/>
+              <a:t>Github</a:t>
+            </a:r>
+            <a:r>
+              <a:rPr lang="en-US" dirty="0"/>
+              <a:t>/discord</a:t>
+            </a:r>
+          </a:p>
+          <a:p>
+            <a:endParaRPr lang="en-US" dirty="0"/>
+          </a:p>
+          <a:p>
+            <a:endParaRPr lang="en-US" dirty="0"/>
+          </a:p>
+        </p:txBody>
+      </p:sp>
+      <p:sp>
+        <p:nvSpPr>
+          <p:cNvPr id="4" name="Content Placeholder 3"/>
+          <p:cNvSpPr>
+            <a:spLocks noGrp="1"/>
+          </p:cNvSpPr>
+          <p:nvPr>
+            <p:ph sz="half" idx="2"/>
+          </p:nvPr>
+        </p:nvSpPr>
+        <p:spPr/>
+        <p:txBody>
+          <a:bodyPr>
+            <a:normAutofit/>
+          </a:bodyPr>
+          <a:lstStyle/>
+          <a:p>
+            <a:r>
+              <a:rPr lang="en-US" dirty="0"/>
+              <a:t>Easy to collaborate, consistent development</a:t>
+            </a:r>
+          </a:p>
+          <a:p>
+            <a:r>
+              <a:rPr lang="en-US" dirty="0"/>
+              <a:t>Dev environment same as prod environment </a:t>
+            </a:r>
+          </a:p>
+          <a:p>
+            <a:endParaRPr lang="en-US" dirty="0"/>
+          </a:p>
+        </p:txBody>
+      </p:sp>
+      <p:sp>
+        <p:nvSpPr>
+          <p:cNvPr id="5" name="Title 1"/>
+          <p:cNvSpPr txBox="1">
+            <a:spLocks/>
+          </p:cNvSpPr>
+          <p:nvPr/>
+        </p:nvSpPr>
         <p:spPr>
           <a:xfrm>
-            <a:off x="1463497" y="2163494"/>
-            <a:ext cx="8934268" cy="4329381"/>
+            <a:off x="6172200" y="228767"/>
+            <a:ext cx="5181600" cy="1325563"/>
           </a:xfrm>
           <a:prstGeom prst="rect">
             <a:avLst/>
           </a:prstGeom>
         </p:spPr>
-      </p:pic>
+        <p:txBody>
+          <a:bodyPr vert="horz" lIns="91440" tIns="45720" rIns="91440" bIns="45720" rtlCol="0" anchor="ctr">
+            <a:normAutofit/>
+          </a:bodyPr>
+          <a:lstStyle>
+            <a:lvl1pPr algn="l" defTabSz="914400" rtl="0" eaLnBrk="1" latinLnBrk="0" hangingPunct="1">
+              <a:lnSpc>
+                <a:spcPct val="90000"/>
+              </a:lnSpc>
+              <a:spcBef>
+                <a:spcPct val="0"/>
+              </a:spcBef>
+              <a:buNone/>
+              <a:defRPr sz="4400" kern="1200">
+                <a:solidFill>
+                  <a:schemeClr val="tx1"/>
+                </a:solidFill>
+                <a:latin typeface="+mj-lt"/>
+                <a:ea typeface="+mj-ea"/>
+                <a:cs typeface="+mj-cs"/>
+              </a:defRPr>
+            </a:lvl1pPr>
+          </a:lstStyle>
+          <a:p>
+            <a:r>
+              <a:rPr lang="en-US" dirty="0"/>
+              <a:t>C9</a:t>
+            </a:r>
+          </a:p>
+        </p:txBody>
+      </p:sp>
     </p:spTree>
     <p:extLst>
       <p:ext uri="{BB962C8B-B14F-4D97-AF65-F5344CB8AC3E}">
-        <p14:creationId xmlns:p14="http://schemas.microsoft.com/office/powerpoint/2010/main" val="4168088181"/>
+        <p14:creationId xmlns:p14="http://schemas.microsoft.com/office/powerpoint/2010/main" val="257506578"/>
       </p:ext>
     </p:extLst>
   </p:cSld>
@@ -4689,162 +4794,117 @@
             <p:ph type="title"/>
           </p:nvPr>
         </p:nvSpPr>
+        <p:spPr/>
+        <p:txBody>
+          <a:bodyPr/>
+          <a:lstStyle/>
+          <a:p>
+            <a:r>
+              <a:rPr lang="en-US" dirty="0"/>
+              <a:t>Agile</a:t>
+            </a:r>
+          </a:p>
+        </p:txBody>
+      </p:sp>
+      <p:pic>
+        <p:nvPicPr>
+          <p:cNvPr id="5" name="Content Placeholder 4">
+            <a:extLst>
+              <a:ext uri="{FF2B5EF4-FFF2-40B4-BE49-F238E27FC236}">
+                <a16:creationId xmlns:a16="http://schemas.microsoft.com/office/drawing/2014/main" id="{CECF61FF-ABDE-4338-8F2B-FF8E1DD92B80}"/>
+              </a:ext>
+            </a:extLst>
+          </p:cNvPr>
+          <p:cNvPicPr>
+            <a:picLocks noGrp="1" noChangeAspect="1"/>
+          </p:cNvPicPr>
+          <p:nvPr>
+            <p:ph idx="1"/>
+          </p:nvPr>
+        </p:nvPicPr>
+        <p:blipFill rotWithShape="1">
+          <a:blip r:embed="rId2">
+            <a:extLst>
+              <a:ext uri="{28A0092B-C50C-407E-A947-70E740481C1C}">
+                <a14:useLocalDpi xmlns:a14="http://schemas.microsoft.com/office/drawing/2010/main" val="0"/>
+              </a:ext>
+            </a:extLst>
+          </a:blip>
+          <a:srcRect r="2873" b="41979"/>
+          <a:stretch/>
+        </p:blipFill>
         <p:spPr>
           <a:xfrm>
-            <a:off x="838200" y="365125"/>
-            <a:ext cx="5181600" cy="1325563"/>
+            <a:off x="5086927" y="1336097"/>
+            <a:ext cx="6449291" cy="4915868"/>
           </a:xfrm>
         </p:spPr>
-        <p:txBody>
-          <a:bodyPr/>
-          <a:lstStyle/>
-          <a:p>
-            <a:r>
-              <a:rPr lang="en-US" dirty="0"/>
-              <a:t>GITHUB/HEROKU</a:t>
-            </a:r>
-          </a:p>
-        </p:txBody>
-      </p:sp>
-      <p:sp>
-        <p:nvSpPr>
-          <p:cNvPr id="3" name="Content Placeholder 2"/>
-          <p:cNvSpPr>
-            <a:spLocks noGrp="1"/>
-          </p:cNvSpPr>
-          <p:nvPr>
-            <p:ph sz="half" idx="1"/>
-          </p:nvPr>
-        </p:nvSpPr>
-        <p:spPr/>
-        <p:txBody>
-          <a:bodyPr>
-            <a:normAutofit/>
-          </a:bodyPr>
-          <a:lstStyle/>
-          <a:p>
-            <a:r>
-              <a:rPr lang="en-US" dirty="0"/>
-              <a:t>Locked down master branch on </a:t>
-            </a:r>
-            <a:r>
-              <a:rPr lang="en-US" dirty="0" err="1"/>
-              <a:t>Github</a:t>
-            </a:r>
-            <a:r>
-              <a:rPr lang="en-US" dirty="0"/>
-              <a:t> PR until review</a:t>
-            </a:r>
-          </a:p>
-          <a:p>
-            <a:r>
-              <a:rPr lang="en-US" dirty="0"/>
-              <a:t>On merge, </a:t>
-            </a:r>
-            <a:r>
-              <a:rPr lang="en-US" dirty="0" err="1"/>
-              <a:t>Heroku</a:t>
-            </a:r>
-            <a:r>
-              <a:rPr lang="en-US" dirty="0"/>
-              <a:t> builds and deploys from master.</a:t>
-            </a:r>
-          </a:p>
-          <a:p>
-            <a:r>
-              <a:rPr lang="en-US" dirty="0" err="1"/>
-              <a:t>Github</a:t>
-            </a:r>
-            <a:r>
-              <a:rPr lang="en-US" dirty="0"/>
-              <a:t>/discord</a:t>
-            </a:r>
-          </a:p>
-          <a:p>
-            <a:endParaRPr lang="en-US" dirty="0"/>
-          </a:p>
-          <a:p>
-            <a:endParaRPr lang="en-US" dirty="0"/>
-          </a:p>
-        </p:txBody>
-      </p:sp>
-      <p:sp>
-        <p:nvSpPr>
-          <p:cNvPr id="4" name="Content Placeholder 3"/>
-          <p:cNvSpPr>
-            <a:spLocks noGrp="1"/>
-          </p:cNvSpPr>
-          <p:nvPr>
-            <p:ph sz="half" idx="2"/>
-          </p:nvPr>
-        </p:nvSpPr>
-        <p:spPr/>
-        <p:txBody>
-          <a:bodyPr>
-            <a:normAutofit/>
-          </a:bodyPr>
-          <a:lstStyle/>
-          <a:p>
-            <a:r>
-              <a:rPr lang="en-US" dirty="0"/>
-              <a:t>Easy to collaborate, consistent development</a:t>
-            </a:r>
-          </a:p>
-          <a:p>
-            <a:r>
-              <a:rPr lang="en-US" dirty="0"/>
-              <a:t>Dev environment same as prod environment </a:t>
-            </a:r>
-          </a:p>
-          <a:p>
-            <a:endParaRPr lang="en-US" dirty="0"/>
-          </a:p>
-        </p:txBody>
-      </p:sp>
-      <p:sp>
-        <p:nvSpPr>
-          <p:cNvPr id="5" name="Title 1"/>
-          <p:cNvSpPr txBox="1">
-            <a:spLocks/>
-          </p:cNvSpPr>
+      </p:pic>
+      <p:sp>
+        <p:nvSpPr>
+          <p:cNvPr id="6" name="TextBox 5">
+            <a:extLst>
+              <a:ext uri="{FF2B5EF4-FFF2-40B4-BE49-F238E27FC236}">
+                <a16:creationId xmlns:a16="http://schemas.microsoft.com/office/drawing/2014/main" id="{0B401F98-AE00-4A78-B232-6200A17F5295}"/>
+              </a:ext>
+            </a:extLst>
+          </p:cNvPr>
+          <p:cNvSpPr txBox="1"/>
           <p:nvPr/>
         </p:nvSpPr>
         <p:spPr>
           <a:xfrm>
-            <a:off x="6172200" y="228767"/>
-            <a:ext cx="5181600" cy="1325563"/>
+            <a:off x="268448" y="1409350"/>
+            <a:ext cx="4546833" cy="1477328"/>
           </a:xfrm>
           <a:prstGeom prst="rect">
             <a:avLst/>
           </a:prstGeom>
+          <a:noFill/>
         </p:spPr>
         <p:txBody>
-          <a:bodyPr vert="horz" lIns="91440" tIns="45720" rIns="91440" bIns="45720" rtlCol="0" anchor="ctr">
-            <a:normAutofit/>
+          <a:bodyPr wrap="square" rtlCol="0">
+            <a:spAutoFit/>
           </a:bodyPr>
-          <a:lstStyle>
-            <a:lvl1pPr algn="l" defTabSz="914400" rtl="0" eaLnBrk="1" latinLnBrk="0" hangingPunct="1">
-              <a:lnSpc>
-                <a:spcPct val="90000"/>
-              </a:lnSpc>
-              <a:spcBef>
-                <a:spcPct val="0"/>
-              </a:spcBef>
-              <a:buNone/>
-              <a:defRPr sz="4400" kern="1200">
-                <a:solidFill>
-                  <a:schemeClr val="tx1"/>
-                </a:solidFill>
-                <a:latin typeface="+mj-lt"/>
-                <a:ea typeface="+mj-ea"/>
-                <a:cs typeface="+mj-cs"/>
-              </a:defRPr>
-            </a:lvl1pPr>
-          </a:lstStyle>
-          <a:p>
+          <a:lstStyle/>
+          <a:p>
+            <a:pPr marL="285750" indent="-285750">
+              <a:buFont typeface="Arial" panose="020B0604020202020204" pitchFamily="34" charset="0"/>
+              <a:buChar char="•"/>
+            </a:pPr>
             <a:r>
               <a:rPr lang="en-US" dirty="0"/>
-              <a:t>C9</a:t>
+              <a:t>Daily standups</a:t>
+            </a:r>
+          </a:p>
+          <a:p>
+            <a:pPr marL="285750" indent="-285750">
+              <a:buFont typeface="Arial" panose="020B0604020202020204" pitchFamily="34" charset="0"/>
+              <a:buChar char="•"/>
+            </a:pPr>
+            <a:r>
+              <a:rPr lang="en-US" dirty="0"/>
+              <a:t>Pair programming</a:t>
+            </a:r>
+          </a:p>
+          <a:p>
+            <a:pPr marL="285750" indent="-285750">
+              <a:buFont typeface="Arial" panose="020B0604020202020204" pitchFamily="34" charset="0"/>
+              <a:buChar char="•"/>
+            </a:pPr>
+            <a:r>
+              <a:rPr lang="en-US" dirty="0"/>
+              <a:t>Constant communication</a:t>
+            </a:r>
+          </a:p>
+          <a:p>
+            <a:pPr marL="285750" indent="-285750">
+              <a:buFont typeface="Arial" panose="020B0604020202020204" pitchFamily="34" charset="0"/>
+              <a:buChar char="•"/>
+            </a:pPr>
+            <a:r>
+              <a:rPr lang="en-US" dirty="0"/>
+              <a:t>Easy to pivot to changing requirements, tasking</a:t>
             </a:r>
           </a:p>
         </p:txBody>
@@ -4852,7 +4912,7 @@
     </p:spTree>
     <p:extLst>
       <p:ext uri="{BB962C8B-B14F-4D97-AF65-F5344CB8AC3E}">
-        <p14:creationId xmlns:p14="http://schemas.microsoft.com/office/powerpoint/2010/main" val="257506578"/>
+        <p14:creationId xmlns:p14="http://schemas.microsoft.com/office/powerpoint/2010/main" val="1019688636"/>
       </p:ext>
     </p:extLst>
   </p:cSld>
@@ -4896,110 +4956,59 @@
           <a:p>
             <a:r>
               <a:rPr lang="en-US" dirty="0"/>
-              <a:t>Agile</a:t>
-            </a:r>
-          </a:p>
-        </p:txBody>
-      </p:sp>
-      <p:pic>
-        <p:nvPicPr>
-          <p:cNvPr id="5" name="Content Placeholder 4">
-            <a:extLst>
-              <a:ext uri="{FF2B5EF4-FFF2-40B4-BE49-F238E27FC236}">
-                <a16:creationId xmlns:a16="http://schemas.microsoft.com/office/drawing/2014/main" id="{CECF61FF-ABDE-4338-8F2B-FF8E1DD92B80}"/>
-              </a:ext>
-            </a:extLst>
-          </p:cNvPr>
-          <p:cNvPicPr>
-            <a:picLocks noGrp="1" noChangeAspect="1"/>
-          </p:cNvPicPr>
+              <a:t>PROS/CONS</a:t>
+            </a:r>
+          </a:p>
+        </p:txBody>
+      </p:sp>
+      <p:sp>
+        <p:nvSpPr>
+          <p:cNvPr id="3" name="Content Placeholder 2"/>
+          <p:cNvSpPr>
+            <a:spLocks noGrp="1"/>
+          </p:cNvSpPr>
           <p:nvPr>
             <p:ph idx="1"/>
           </p:nvPr>
-        </p:nvPicPr>
-        <p:blipFill rotWithShape="1">
-          <a:blip r:embed="rId2">
-            <a:extLst>
-              <a:ext uri="{28A0092B-C50C-407E-A947-70E740481C1C}">
-                <a14:useLocalDpi xmlns:a14="http://schemas.microsoft.com/office/drawing/2010/main" val="0"/>
-              </a:ext>
-            </a:extLst>
-          </a:blip>
-          <a:srcRect r="2873" b="41979"/>
-          <a:stretch/>
-        </p:blipFill>
-        <p:spPr>
-          <a:xfrm>
-            <a:off x="5086927" y="1336097"/>
-            <a:ext cx="6449291" cy="4915868"/>
-          </a:xfrm>
-        </p:spPr>
-      </p:pic>
-      <p:sp>
-        <p:nvSpPr>
-          <p:cNvPr id="6" name="TextBox 5">
-            <a:extLst>
-              <a:ext uri="{FF2B5EF4-FFF2-40B4-BE49-F238E27FC236}">
-                <a16:creationId xmlns:a16="http://schemas.microsoft.com/office/drawing/2014/main" id="{0B401F98-AE00-4A78-B232-6200A17F5295}"/>
-              </a:ext>
-            </a:extLst>
-          </p:cNvPr>
-          <p:cNvSpPr txBox="1"/>
-          <p:nvPr/>
-        </p:nvSpPr>
-        <p:spPr>
-          <a:xfrm>
-            <a:off x="268448" y="1409350"/>
-            <a:ext cx="4546833" cy="1477328"/>
-          </a:xfrm>
-          <a:prstGeom prst="rect">
-            <a:avLst/>
-          </a:prstGeom>
-          <a:noFill/>
-        </p:spPr>
-        <p:txBody>
-          <a:bodyPr wrap="square" rtlCol="0">
-            <a:spAutoFit/>
-          </a:bodyPr>
-          <a:lstStyle/>
-          <a:p>
-            <a:pPr marL="285750" indent="-285750">
-              <a:buFont typeface="Arial" panose="020B0604020202020204" pitchFamily="34" charset="0"/>
-              <a:buChar char="•"/>
-            </a:pPr>
+        </p:nvSpPr>
+        <p:spPr/>
+        <p:txBody>
+          <a:bodyPr/>
+          <a:lstStyle/>
+          <a:p>
             <a:r>
               <a:rPr lang="en-US" dirty="0"/>
-              <a:t>Daily standups</a:t>
-            </a:r>
-          </a:p>
-          <a:p>
-            <a:pPr marL="285750" indent="-285750">
-              <a:buFont typeface="Arial" panose="020B0604020202020204" pitchFamily="34" charset="0"/>
-              <a:buChar char="•"/>
-            </a:pPr>
+              <a:t>P: Personalities didn’t clash, so melded together</a:t>
+            </a:r>
+          </a:p>
+          <a:p>
             <a:r>
               <a:rPr lang="en-US" dirty="0"/>
-              <a:t>Pair programming</a:t>
-            </a:r>
-          </a:p>
-          <a:p>
-            <a:pPr marL="285750" indent="-285750">
-              <a:buFont typeface="Arial" panose="020B0604020202020204" pitchFamily="34" charset="0"/>
-              <a:buChar char="•"/>
-            </a:pPr>
+              <a:t>P: Willingness</a:t>
+            </a:r>
+          </a:p>
+          <a:p>
             <a:r>
               <a:rPr lang="en-US" dirty="0"/>
-              <a:t>Constant communication</a:t>
-            </a:r>
-          </a:p>
-          <a:p>
-            <a:pPr marL="285750" indent="-285750">
-              <a:buFont typeface="Arial" panose="020B0604020202020204" pitchFamily="34" charset="0"/>
-              <a:buChar char="•"/>
-            </a:pPr>
+              <a:t>P: Quick pickup</a:t>
+            </a:r>
+          </a:p>
+          <a:p>
             <a:r>
               <a:rPr lang="en-US" dirty="0"/>
-              <a:t>Easy to pivot to changing requirements, tasking</a:t>
+              <a:t>P: Organization</a:t>
+            </a:r>
+          </a:p>
+          <a:p>
+            <a:r>
+              <a:rPr lang="en-US" dirty="0"/>
+              <a:t>C: too proactive</a:t>
+            </a:r>
+          </a:p>
+          <a:p>
+            <a:r>
+              <a:rPr lang="en-US" dirty="0"/>
+              <a:t>Scheduling Conflicts</a:t>
             </a:r>
           </a:p>
         </p:txBody>
@@ -5007,7 +5016,7 @@
     </p:spTree>
     <p:extLst>
       <p:ext uri="{BB962C8B-B14F-4D97-AF65-F5344CB8AC3E}">
-        <p14:creationId xmlns:p14="http://schemas.microsoft.com/office/powerpoint/2010/main" val="1019688636"/>
+        <p14:creationId xmlns:p14="http://schemas.microsoft.com/office/powerpoint/2010/main" val="1637407260"/>
       </p:ext>
     </p:extLst>
   </p:cSld>
@@ -5020,6 +5029,14 @@
 <file path=ppt/slides/slide9.xml><?xml version="1.0" encoding="utf-8"?>
 <p:sld xmlns:a="http://schemas.openxmlformats.org/drawingml/2006/main" xmlns:r="http://schemas.openxmlformats.org/officeDocument/2006/relationships" xmlns:p="http://schemas.openxmlformats.org/presentationml/2006/main">
   <p:cSld>
+    <p:bg>
+      <p:bgPr>
+        <a:solidFill>
+          <a:srgbClr val="CDD3CE"/>
+        </a:solidFill>
+        <a:effectLst/>
+      </p:bgPr>
+    </p:bg>
     <p:spTree>
       <p:nvGrpSpPr>
         <p:cNvPr id="1" name=""/>
@@ -5036,7 +5053,13 @@
       </p:grpSpPr>
       <p:sp>
         <p:nvSpPr>
-          <p:cNvPr id="2" name="Title 1"/>
+          <p:cNvPr id="2" name="Title 1">
+            <a:extLst>
+              <a:ext uri="{FF2B5EF4-FFF2-40B4-BE49-F238E27FC236}">
+                <a16:creationId xmlns:a16="http://schemas.microsoft.com/office/drawing/2014/main" id="{527050ED-69AB-4EBE-A2BA-44ED368B8B49}"/>
+              </a:ext>
+            </a:extLst>
+          </p:cNvPr>
           <p:cNvSpPr>
             <a:spLocks noGrp="1"/>
           </p:cNvSpPr>
@@ -5050,15 +5073,25 @@
           <a:lstStyle/>
           <a:p>
             <a:r>
-              <a:rPr lang="en-US" dirty="0"/>
-              <a:t>PROS/CONS</a:t>
-            </a:r>
-          </a:p>
-        </p:txBody>
-      </p:sp>
-      <p:sp>
-        <p:nvSpPr>
-          <p:cNvPr id="3" name="Content Placeholder 2"/>
+              <a:rPr lang="en-US" b="1" dirty="0">
+                <a:solidFill>
+                  <a:srgbClr val="696D7D"/>
+                </a:solidFill>
+              </a:rPr>
+              <a:t>Important Stuff</a:t>
+            </a:r>
+          </a:p>
+        </p:txBody>
+      </p:sp>
+      <p:sp>
+        <p:nvSpPr>
+          <p:cNvPr id="3" name="Content Placeholder 2">
+            <a:extLst>
+              <a:ext uri="{FF2B5EF4-FFF2-40B4-BE49-F238E27FC236}">
+                <a16:creationId xmlns:a16="http://schemas.microsoft.com/office/drawing/2014/main" id="{030A935D-BE8F-4046-BD1F-539C1702ABED}"/>
+              </a:ext>
+            </a:extLst>
+          </p:cNvPr>
           <p:cNvSpPr>
             <a:spLocks noGrp="1"/>
           </p:cNvSpPr>
@@ -5071,47 +5104,14 @@
           <a:bodyPr/>
           <a:lstStyle/>
           <a:p>
-            <a:r>
-              <a:rPr lang="en-US" dirty="0"/>
-              <a:t>P: Personalities didn’t clash, so melded together</a:t>
-            </a:r>
-          </a:p>
-          <a:p>
-            <a:r>
-              <a:rPr lang="en-US" dirty="0"/>
-              <a:t>P: Willingness</a:t>
-            </a:r>
-          </a:p>
-          <a:p>
-            <a:r>
-              <a:rPr lang="en-US" dirty="0"/>
-              <a:t>P: Quick pickup</a:t>
-            </a:r>
-          </a:p>
-          <a:p>
-            <a:r>
-              <a:rPr lang="en-US" dirty="0"/>
-              <a:t>P: Organization</a:t>
-            </a:r>
-          </a:p>
-          <a:p>
-            <a:r>
-              <a:rPr lang="en-US" dirty="0"/>
-              <a:t>C: too proactive</a:t>
-            </a:r>
-          </a:p>
-          <a:p>
-            <a:r>
-              <a:rPr lang="en-US" dirty="0"/>
-              <a:t>Scheduling Conflicts</a:t>
-            </a:r>
+            <a:endParaRPr lang="en-US" dirty="0"/>
           </a:p>
         </p:txBody>
       </p:sp>
     </p:spTree>
     <p:extLst>
       <p:ext uri="{BB962C8B-B14F-4D97-AF65-F5344CB8AC3E}">
-        <p14:creationId xmlns:p14="http://schemas.microsoft.com/office/powerpoint/2010/main" val="1637407260"/>
+        <p14:creationId xmlns:p14="http://schemas.microsoft.com/office/powerpoint/2010/main" val="3169477491"/>
       </p:ext>
     </p:extLst>
   </p:cSld>
